--- a/FINAL_PRESENTATION.pptx
+++ b/FINAL_PRESENTATION.pptx
@@ -35,6 +35,8 @@
     <p:sldId id="283" r:id="rId29"/>
     <p:sldId id="284" r:id="rId30"/>
     <p:sldId id="285" r:id="rId31"/>
+    <p:sldId id="286" r:id="rId32"/>
+    <p:sldId id="287" r:id="rId33"/>
   </p:sldIdLst>
   <p:sldSz cx="9144000" cy="5143500" type="screen16x9"/>
   <p:notesSz cx="6858000" cy="9144000"/>
@@ -3195,6 +3197,287 @@
             </a:r>
             <a:r>
               <a:rPr b="1"/>
+              <a:t>Figure 3</a:t>
+            </a:r>
+            <a:r>
+              <a:rPr/>
+              <a:t>: </a:t>
+            </a:r>
+            <a:r>
+              <a:rPr i="1"/>
+              <a:t>Complete test suite showing 100% pass rate. All mathematical properties verified: identity quaternion, 90° rotations, robot-specific quaternions, and unnormalized inputs all handled correctly.</a:t>
+            </a:r>
+          </a:p>
+          <a:p>
+            <a:pPr lvl="0" indent="0" marL="0">
+              <a:buNone/>
+            </a:pPr>
+            <a:r>
+              <a:rPr b="1"/>
+              <a:t>Test Coverage:</a:t>
+            </a:r>
+            <a:r>
+              <a:rPr/>
+              <a:t> - ✅ Identity quaternion: [1,0,0,0] → I₃ - ✅ 90° Z-rotation: Verified against known result - ✅ Robot quaternions: From actual RAPID targets - ✅ Unnormalized inputs: Automatic normalization - ✅ Determinant validation: det(R) = 1.0 ± 10⁻¹⁶ - ✅ Orthogonality: R’R = I within machine precision</a:t>
+            </a:r>
+          </a:p>
+          <a:p>
+            <a:pPr lvl="0" indent="0" marL="0">
+              <a:spcBef>
+                <a:spcPts val="3000"/>
+              </a:spcBef>
+              <a:buNone/>
+            </a:pPr>
+            <a:r>
+              <a:rPr b="1"/>
+              <a:t>2.2 Phase 2: SLERP Interpolation</a:t>
+            </a:r>
+          </a:p>
+          <a:p>
+            <a:pPr lvl="0" indent="0" marL="0">
+              <a:spcBef>
+                <a:spcPts val="3000"/>
+              </a:spcBef>
+              <a:buNone/>
+            </a:pPr>
+            <a:r>
+              <a:rPr b="1"/>
+              <a:t>2.2.1 Why SLERP Matters</a:t>
+            </a:r>
+          </a:p>
+          <a:p>
+            <a:pPr lvl="0" indent="0" marL="0">
+              <a:buNone/>
+            </a:pPr>
+            <a:r>
+              <a:rPr/>
+              <a:t>Linear interpolation of quaternions causes: - </a:t>
+            </a:r>
+            <a:r>
+              <a:rPr b="1"/>
+              <a:t>Non-constant angular velocity</a:t>
+            </a:r>
+            <a:r>
+              <a:rPr/>
+              <a:t> (jerky motion) - </a:t>
+            </a:r>
+            <a:r>
+              <a:rPr b="1"/>
+              <a:t>Unnatural paths</a:t>
+            </a:r>
+            <a:r>
+              <a:rPr/>
+              <a:t> (deviation from geodesic) - </a:t>
+            </a:r>
+            <a:r>
+              <a:rPr b="1"/>
+              <a:t>Quaternion denormalization</a:t>
+            </a:r>
+            <a:r>
+              <a:rPr/>
+              <a:t> (invalid rotations)</a:t>
+            </a:r>
+          </a:p>
+          <a:p>
+            <a:pPr lvl="0" indent="0" marL="0">
+              <a:buNone/>
+            </a:pPr>
+            <a:r>
+              <a:rPr/>
+              <a:t>Spherical Linear Interpolation (SLERP) provides: - </a:t>
+            </a:r>
+            <a:r>
+              <a:rPr b="1"/>
+              <a:t>Constant angular velocity</a:t>
+            </a:r>
+            <a:r>
+              <a:rPr/>
+              <a:t> (smooth motion) - </a:t>
+            </a:r>
+            <a:r>
+              <a:rPr b="1"/>
+              <a:t>Shortest path</a:t>
+            </a:r>
+            <a:r>
+              <a:rPr/>
+              <a:t> on the quaternion sphere - </a:t>
+            </a:r>
+            <a:r>
+              <a:rPr b="1"/>
+              <a:t>Preserved normalization</a:t>
+            </a:r>
+            <a:r>
+              <a:rPr/>
+              <a:t> (always unit quaternion)</a:t>
+            </a:r>
+          </a:p>
+          <a:p>
+            <a:pPr lvl="0" indent="0" marL="0">
+              <a:spcBef>
+                <a:spcPts val="3000"/>
+              </a:spcBef>
+              <a:buNone/>
+            </a:pPr>
+            <a:r>
+              <a:rPr b="1"/>
+              <a:t>2.2.2 SLERP Mathematics</a:t>
+            </a:r>
+          </a:p>
+          <a:p>
+            <a:pPr lvl="0" indent="0" marL="0">
+              <a:buNone/>
+            </a:pPr>
+            <a:r>
+              <a:rPr/>
+              <a:t>Given two unit quaternions </a:t>
+            </a:r>
+            <a:r>
+              <a:rPr b="1"/>
+              <a:t>q₁</a:t>
+            </a:r>
+            <a:r>
+              <a:rPr/>
+              <a:t> and </a:t>
+            </a:r>
+            <a:r>
+              <a:rPr b="1"/>
+              <a:t>q₂</a:t>
+            </a:r>
+            <a:r>
+              <a:rPr/>
+              <a:t>, SLERP interpolates as:</a:t>
+            </a:r>
+          </a:p>
+          <a:p>
+            <a:pPr lvl="0" indent="0">
+              <a:buNone/>
+            </a:pPr>
+            <a:r>
+              <a:rPr>
+                <a:latin typeface="Courier"/>
+              </a:rPr>
+              <a:t>SLERP(q₁, q₂, t) = [sin((1-t)θ)/sin(θ)] × q₁ + [sin(tθ)/sin(θ)] × q₂</a:t>
+            </a:r>
+          </a:p>
+          <a:p>
+            <a:pPr lvl="0" indent="0" marL="0">
+              <a:buNone/>
+            </a:pPr>
+            <a:r>
+              <a:rPr/>
+              <a:t>where θ = arccos(q₁ · q₂) is the angle between quaternions.</a:t>
+            </a:r>
+          </a:p>
+        </p:txBody>
+      </p:sp>
+      <p:pic>
+        <p:nvPicPr>
+          <p:cNvPr descr="figures/fig5_slerp_comparison.png" id="0" name="Picture 1"/>
+          <p:cNvPicPr>
+            <a:picLocks noGrp="1" noChangeAspect="1"/>
+          </p:cNvPicPr>
+          <p:nvPr/>
+        </p:nvPicPr>
+        <p:blipFill>
+          <a:blip r:embed="rId2"/>
+          <a:stretch>
+            <a:fillRect/>
+          </a:stretch>
+        </p:blipFill>
+        <p:spPr bwMode="auto">
+          <a:xfrm>
+            <a:off x="3632200" y="203200"/>
+            <a:ext cx="4978400" cy="3873500"/>
+          </a:xfrm>
+          <a:prstGeom prst="rect">
+            <a:avLst/>
+          </a:prstGeom>
+          <a:noFill/>
+          <a:ln w="9525">
+            <a:noFill/>
+            <a:headEnd/>
+            <a:tailEnd/>
+          </a:ln>
+        </p:spPr>
+      </p:pic>
+      <p:sp>
+        <p:nvSpPr>
+          <p:cNvPr id="1" name="TextBox 3"/>
+          <p:cNvSpPr txBox="1"/>
+          <p:nvPr>
+            <p:ph idx="1"/>
+          </p:nvPr>
+        </p:nvSpPr>
+        <p:spPr>
+          <a:xfrm>
+            <a:off x="3568700" y="4076700"/>
+            <a:ext cx="5105400" cy="508000"/>
+          </a:xfrm>
+          <a:prstGeom prst="rect">
+            <a:avLst/>
+          </a:prstGeom>
+          <a:noFill/>
+        </p:spPr>
+        <p:txBody>
+          <a:bodyPr/>
+          <a:lstStyle/>
+          <a:p>
+            <a:pPr lvl="0" indent="0" marL="0" algn="ctr">
+              <a:buNone/>
+            </a:pPr>
+            <a:r>
+              <a:rPr/>
+              <a:t>Figure 5: SLERP vs Linear Interpolation Comparison</a:t>
+            </a:r>
+          </a:p>
+        </p:txBody>
+      </p:sp>
+    </p:spTree>
+  </p:cSld>
+</p:sld>
+</file>
+
+<file path=ppt/slides/slide11.xml><?xml version="1.0" encoding="utf-8"?>
+<p:sld xmlns:a="http://schemas.openxmlformats.org/drawingml/2006/main" xmlns:r="http://schemas.openxmlformats.org/officeDocument/2006/relationships" xmlns:p="http://schemas.openxmlformats.org/presentationml/2006/main">
+  <p:cSld>
+    <p:spTree>
+      <p:nvGrpSpPr>
+        <p:cNvPr id="1" name=""/>
+        <p:cNvGrpSpPr/>
+        <p:nvPr/>
+      </p:nvGrpSpPr>
+      <p:grpSpPr>
+        <a:xfrm>
+          <a:off x="0" y="0"/>
+          <a:ext cx="0" cy="0"/>
+          <a:chOff x="0" y="0"/>
+          <a:chExt cx="0" cy="0"/>
+        </a:xfrm>
+      </p:grpSpPr>
+      <p:sp>
+        <p:nvSpPr>
+          <p:cNvPr id="4" name="Text Placeholder 3"/>
+          <p:cNvSpPr>
+            <a:spLocks noGrp="1"/>
+          </p:cNvSpPr>
+          <p:nvPr>
+            <p:ph idx="2" sz="half" type="body"/>
+          </p:nvPr>
+        </p:nvSpPr>
+        <p:spPr/>
+        <p:txBody>
+          <a:bodyPr/>
+          <a:lstStyle/>
+          <a:p>
+            <a:pPr lvl="0" indent="0" marL="0">
+              <a:buNone/>
+            </a:pPr>
+            <a:r>
+              <a:rPr/>
+              <a:t> </a:t>
+            </a:r>
+            <a:r>
+              <a:rPr b="1"/>
               <a:t>Figure 5</a:t>
             </a:r>
             <a:r>
@@ -4467,7 +4750,7 @@
 </p:sld>
 </file>
 
-<file path=ppt/slides/slide11.xml><?xml version="1.0" encoding="utf-8"?>
+<file path=ppt/slides/slide12.xml><?xml version="1.0" encoding="utf-8"?>
 <p:sld xmlns:a="http://schemas.openxmlformats.org/drawingml/2006/main" xmlns:r="http://schemas.openxmlformats.org/officeDocument/2006/relationships" xmlns:p="http://schemas.openxmlformats.org/presentationml/2006/main">
   <p:cSld>
     <p:spTree>
@@ -4699,7 +4982,7 @@
 </p:sld>
 </file>
 
-<file path=ppt/slides/slide12.xml><?xml version="1.0" encoding="utf-8"?>
+<file path=ppt/slides/slide13.xml><?xml version="1.0" encoding="utf-8"?>
 <p:sld xmlns:a="http://schemas.openxmlformats.org/drawingml/2006/main" xmlns:r="http://schemas.openxmlformats.org/officeDocument/2006/relationships" xmlns:p="http://schemas.openxmlformats.org/presentationml/2006/main">
   <p:cSld>
     <p:spTree>
@@ -4802,6 +5085,164 @@
             <a:r>
               <a:rPr/>
               <a:t>: Rapid repositioning between work zones</a:t>
+            </a:r>
+          </a:p>
+        </p:txBody>
+      </p:sp>
+      <p:pic>
+        <p:nvPicPr>
+          <p:cNvPr descr="figures/fig7_comparison.png" id="0" name="Picture 1"/>
+          <p:cNvPicPr>
+            <a:picLocks noGrp="1" noChangeAspect="1"/>
+          </p:cNvPicPr>
+          <p:nvPr/>
+        </p:nvPicPr>
+        <p:blipFill>
+          <a:blip r:embed="rId2"/>
+          <a:stretch>
+            <a:fillRect/>
+          </a:stretch>
+        </p:blipFill>
+        <p:spPr bwMode="auto">
+          <a:xfrm>
+            <a:off x="3568700" y="927100"/>
+            <a:ext cx="5105400" cy="2425700"/>
+          </a:xfrm>
+          <a:prstGeom prst="rect">
+            <a:avLst/>
+          </a:prstGeom>
+          <a:noFill/>
+          <a:ln w="9525">
+            <a:noFill/>
+            <a:headEnd/>
+            <a:tailEnd/>
+          </a:ln>
+        </p:spPr>
+      </p:pic>
+      <p:sp>
+        <p:nvSpPr>
+          <p:cNvPr id="1" name="TextBox 3"/>
+          <p:cNvSpPr txBox="1"/>
+          <p:nvPr>
+            <p:ph idx="1"/>
+          </p:nvPr>
+        </p:nvSpPr>
+        <p:spPr>
+          <a:xfrm>
+            <a:off x="3568700" y="4076700"/>
+            <a:ext cx="5105400" cy="508000"/>
+          </a:xfrm>
+          <a:prstGeom prst="rect">
+            <a:avLst/>
+          </a:prstGeom>
+          <a:noFill/>
+        </p:spPr>
+        <p:txBody>
+          <a:bodyPr/>
+          <a:lstStyle/>
+          <a:p>
+            <a:pPr lvl="0" indent="0" marL="0" algn="ctr">
+              <a:buNone/>
+            </a:pPr>
+            <a:r>
+              <a:rPr/>
+              <a:t>Figure 7: MoveJ vs MoveL Side-by-Side Comparison</a:t>
+            </a:r>
+          </a:p>
+        </p:txBody>
+      </p:sp>
+    </p:spTree>
+  </p:cSld>
+</p:sld>
+</file>
+
+<file path=ppt/slides/slide14.xml><?xml version="1.0" encoding="utf-8"?>
+<p:sld xmlns:a="http://schemas.openxmlformats.org/drawingml/2006/main" xmlns:r="http://schemas.openxmlformats.org/officeDocument/2006/relationships" xmlns:p="http://schemas.openxmlformats.org/presentationml/2006/main">
+  <p:cSld>
+    <p:spTree>
+      <p:nvGrpSpPr>
+        <p:cNvPr id="1" name=""/>
+        <p:cNvGrpSpPr/>
+        <p:nvPr/>
+      </p:nvGrpSpPr>
+      <p:grpSpPr>
+        <a:xfrm>
+          <a:off x="0" y="0"/>
+          <a:ext cx="0" cy="0"/>
+          <a:chOff x="0" y="0"/>
+          <a:chExt cx="0" cy="0"/>
+        </a:xfrm>
+      </p:grpSpPr>
+      <p:sp>
+        <p:nvSpPr>
+          <p:cNvPr id="4" name="Text Placeholder 3"/>
+          <p:cNvSpPr>
+            <a:spLocks noGrp="1"/>
+          </p:cNvSpPr>
+          <p:nvPr>
+            <p:ph idx="2" sz="half" type="body"/>
+          </p:nvPr>
+        </p:nvSpPr>
+        <p:spPr/>
+        <p:txBody>
+          <a:bodyPr/>
+          <a:lstStyle/>
+          <a:p>
+            <a:pPr lvl="0" indent="0" marL="0">
+              <a:buNone/>
+            </a:pPr>
+            <a:r>
+              <a:rPr/>
+              <a:t> </a:t>
+            </a:r>
+            <a:r>
+              <a:rPr b="1"/>
+              <a:t>Figure 7</a:t>
+            </a:r>
+            <a:r>
+              <a:rPr/>
+              <a:t>: </a:t>
+            </a:r>
+            <a:r>
+              <a:rPr i="1"/>
+              <a:t>Direct side-by-side comparison of MoveJ (left) and MoveL (right) trajectories. The MoveJ path shows natural joint-space motion with a curved Cartesian trajectory, while MoveL maintains a perfectly straight line in Cartesian space. This visualization clearly demonstrates the fundamental trade-off: MoveJ sacrifices path straightness for computational efficiency (15x faster), while MoveL prioritizes path accuracy at the cost of more IK computations.</a:t>
+            </a:r>
+          </a:p>
+          <a:p>
+            <a:pPr lvl="0" indent="0" marL="0">
+              <a:buNone/>
+            </a:pPr>
+            <a:r>
+              <a:rPr b="1"/>
+              <a:t>Comparison Highlights:</a:t>
+            </a:r>
+            <a:r>
+              <a:rPr/>
+              <a:t> - </a:t>
+            </a:r>
+            <a:r>
+              <a:rPr b="1"/>
+              <a:t>Left (MoveJ)</a:t>
+            </a:r>
+            <a:r>
+              <a:rPr/>
+              <a:t>: Curved path, minimal computation, rapid execution - </a:t>
+            </a:r>
+            <a:r>
+              <a:rPr b="1"/>
+              <a:t>Right (MoveL)</a:t>
+            </a:r>
+            <a:r>
+              <a:rPr/>
+              <a:t>: Straight path, intensive computation, precise control - </a:t>
+            </a:r>
+            <a:r>
+              <a:rPr b="1"/>
+              <a:t>Key Insight</a:t>
+            </a:r>
+            <a:r>
+              <a:rPr/>
+              <a:t>: Choose MoveJ for repositioning, MoveL for drawing/welding</a:t>
             </a:r>
           </a:p>
           <a:p>
@@ -4894,7 +5335,7 @@
 </p:sld>
 </file>
 
-<file path=ppt/slides/slide13.xml><?xml version="1.0" encoding="utf-8"?>
+<file path=ppt/slides/slide15.xml><?xml version="1.0" encoding="utf-8"?>
 <p:sld xmlns:a="http://schemas.openxmlformats.org/drawingml/2006/main" xmlns:r="http://schemas.openxmlformats.org/officeDocument/2006/relationships" xmlns:p="http://schemas.openxmlformats.org/presentationml/2006/main">
   <p:cSld>
     <p:spTree>
@@ -5044,7 +5485,7 @@
 </p:sld>
 </file>
 
-<file path=ppt/slides/slide14.xml><?xml version="1.0" encoding="utf-8"?>
+<file path=ppt/slides/slide16.xml><?xml version="1.0" encoding="utf-8"?>
 <p:sld xmlns:a="http://schemas.openxmlformats.org/drawingml/2006/main" xmlns:r="http://schemas.openxmlformats.org/officeDocument/2006/relationships" xmlns:p="http://schemas.openxmlformats.org/presentationml/2006/main">
   <p:cSld>
     <p:spTree>
@@ -5195,7 +5636,7 @@
 </p:sld>
 </file>
 
-<file path=ppt/slides/slide15.xml><?xml version="1.0" encoding="utf-8"?>
+<file path=ppt/slides/slide17.xml><?xml version="1.0" encoding="utf-8"?>
 <p:sld xmlns:a="http://schemas.openxmlformats.org/drawingml/2006/main" xmlns:r="http://schemas.openxmlformats.org/officeDocument/2006/relationships" xmlns:p="http://schemas.openxmlformats.org/presentationml/2006/main">
   <p:cSld>
     <p:spTree>
@@ -5637,7 +6078,7 @@
 </p:sld>
 </file>
 
-<file path=ppt/slides/slide16.xml><?xml version="1.0" encoding="utf-8"?>
+<file path=ppt/slides/slide18.xml><?xml version="1.0" encoding="utf-8"?>
 <p:sld xmlns:a="http://schemas.openxmlformats.org/drawingml/2006/main" xmlns:r="http://schemas.openxmlformats.org/officeDocument/2006/relationships" xmlns:p="http://schemas.openxmlformats.org/presentationml/2006/main">
   <p:cSld>
     <p:spTree>
@@ -5702,17 +6143,15 @@
             </a:r>
           </a:p>
           <a:p>
-            <a:pPr lvl="0" indent="0" marL="0">
-              <a:buNone/>
-            </a:pPr>
-            <a:r>
-              <a:rPr/>
-              <a:t>$$
-T = \\begin{bmatrix}
-R_{3\\times 3} &amp; p_{3\\times 1} \\\\
-0_{1\\times 3} &amp; 1
-\\end{bmatrix}
-$$</a:t>
+            <a:pPr lvl="0" indent="0">
+              <a:buNone/>
+            </a:pPr>
+            <a:r>
+              <a:rPr>
+                <a:latin typeface="Courier"/>
+              </a:rPr>
+              <a:t>T = | R₃ₓ₃   p₃ₓ₁ |
+    | 0₁ₓ₃     1   |</a:t>
             </a:r>
           </a:p>
           <a:p>
@@ -5762,14 +6201,14 @@
             </a:r>
           </a:p>
           <a:p>
-            <a:pPr lvl="0" indent="0" marL="0">
-              <a:buNone/>
-            </a:pPr>
-            <a:r>
-              <a:rPr/>
-              <a:t>$$
-T_{world}^{tool} = T_{world}^{base} \\cdot T_{base}^{link1} \\cdot ... \\cdot T_{link6}^{tool}
-$$</a:t>
+            <a:pPr lvl="0" indent="0">
+              <a:buNone/>
+            </a:pPr>
+            <a:r>
+              <a:rPr>
+                <a:latin typeface="Courier"/>
+              </a:rPr>
+              <a:t>T(world→tool) = T(world→base) × T(base→link1) × ... × T(link6→tool)</a:t>
             </a:r>
           </a:p>
           <a:p>
@@ -5829,14 +6268,14 @@
             </a:r>
           </a:p>
           <a:p>
-            <a:pPr lvl="0" indent="0" marL="0">
-              <a:buNone/>
-            </a:pPr>
-            <a:r>
-              <a:rPr/>
-              <a:t>$$
-\\text{minimize} \\quad ||T_{desired} - T_{forward}(\\theta)||^2
-$$</a:t>
+            <a:pPr lvl="0" indent="0">
+              <a:buNone/>
+            </a:pPr>
+            <a:r>
+              <a:rPr>
+                <a:latin typeface="Courier"/>
+              </a:rPr>
+              <a:t>minimize: ||T_desired - T_forward(θ)||²</a:t>
             </a:r>
           </a:p>
           <a:p>
@@ -6283,7 +6722,7 @@
 </p:sld>
 </file>
 
-<file path=ppt/slides/slide17.xml><?xml version="1.0" encoding="utf-8"?>
+<file path=ppt/slides/slide19.xml><?xml version="1.0" encoding="utf-8"?>
 <p:sld xmlns:a="http://schemas.openxmlformats.org/drawingml/2006/main" xmlns:r="http://schemas.openxmlformats.org/officeDocument/2006/relationships" xmlns:p="http://schemas.openxmlformats.org/presentationml/2006/main">
   <p:cSld>
     <p:spTree>
@@ -11360,7 +11799,54 @@
 </p:sld>
 </file>
 
-<file path=ppt/slides/slide18.xml><?xml version="1.0" encoding="utf-8"?>
+<file path=ppt/slides/slide2.xml><?xml version="1.0" encoding="utf-8"?>
+<p:sld xmlns:a="http://schemas.openxmlformats.org/drawingml/2006/main" xmlns:r="http://schemas.openxmlformats.org/officeDocument/2006/relationships" xmlns:p="http://schemas.openxmlformats.org/presentationml/2006/main">
+  <p:cSld>
+    <p:spTree>
+      <p:nvGrpSpPr>
+        <p:cNvPr id="1" name=""/>
+        <p:cNvGrpSpPr/>
+        <p:nvPr/>
+      </p:nvGrpSpPr>
+      <p:grpSpPr>
+        <a:xfrm>
+          <a:off x="0" y="0"/>
+          <a:ext cx="0" cy="0"/>
+          <a:chOff x="0" y="0"/>
+          <a:chExt cx="0" cy="0"/>
+        </a:xfrm>
+      </p:grpSpPr>
+      <p:sp>
+        <p:nvSpPr>
+          <p:cNvPr id="2" name="Title 1"/>
+          <p:cNvSpPr>
+            <a:spLocks noGrp="1"/>
+          </p:cNvSpPr>
+          <p:nvPr>
+            <p:ph type="title"/>
+          </p:nvPr>
+        </p:nvSpPr>
+        <p:spPr/>
+        <p:txBody>
+          <a:bodyPr/>
+          <a:lstStyle/>
+          <a:p>
+            <a:pPr lvl="0" indent="0" marL="0">
+              <a:buNone/>
+            </a:pPr>
+            <a:r>
+              <a:rPr/>
+              <a:t>Complete Implementation Report with Visual Documentation</a:t>
+            </a:r>
+          </a:p>
+        </p:txBody>
+      </p:sp>
+    </p:spTree>
+  </p:cSld>
+</p:sld>
+</file>
+
+<file path=ppt/slides/slide20.xml><?xml version="1.0" encoding="utf-8"?>
 <p:sld xmlns:a="http://schemas.openxmlformats.org/drawingml/2006/main" xmlns:r="http://schemas.openxmlformats.org/officeDocument/2006/relationships" xmlns:p="http://schemas.openxmlformats.org/presentationml/2006/main">
   <p:cSld>
     <p:spTree>
@@ -11502,7 +11988,7 @@
 </p:sld>
 </file>
 
-<file path=ppt/slides/slide19.xml><?xml version="1.0" encoding="utf-8"?>
+<file path=ppt/slides/slide21.xml><?xml version="1.0" encoding="utf-8"?>
 <p:sld xmlns:a="http://schemas.openxmlformats.org/drawingml/2006/main" xmlns:r="http://schemas.openxmlformats.org/officeDocument/2006/relationships" xmlns:p="http://schemas.openxmlformats.org/presentationml/2006/main">
   <p:cSld>
     <p:spTree>
@@ -11976,7 +12462,727 @@
 </p:sld>
 </file>
 
-<file path=ppt/slides/slide2.xml><?xml version="1.0" encoding="utf-8"?>
+<file path=ppt/slides/slide22.xml><?xml version="1.0" encoding="utf-8"?>
+<p:sld xmlns:a="http://schemas.openxmlformats.org/drawingml/2006/main" xmlns:r="http://schemas.openxmlformats.org/officeDocument/2006/relationships" xmlns:p="http://schemas.openxmlformats.org/presentationml/2006/main">
+  <p:cSld>
+    <p:spTree>
+      <p:nvGrpSpPr>
+        <p:cNvPr id="1" name=""/>
+        <p:cNvGrpSpPr/>
+        <p:nvPr/>
+      </p:nvGrpSpPr>
+      <p:grpSpPr>
+        <a:xfrm>
+          <a:off x="0" y="0"/>
+          <a:ext cx="0" cy="0"/>
+          <a:chOff x="0" y="0"/>
+          <a:chExt cx="0" cy="0"/>
+        </a:xfrm>
+      </p:grpSpPr>
+      <p:sp>
+        <p:nvSpPr>
+          <p:cNvPr id="3" name="Content Placeholder 2"/>
+          <p:cNvSpPr>
+            <a:spLocks noGrp="1"/>
+          </p:cNvSpPr>
+          <p:nvPr>
+            <p:ph idx="1"/>
+          </p:nvPr>
+        </p:nvSpPr>
+        <p:spPr/>
+        <p:txBody>
+          <a:bodyPr/>
+          <a:lstStyle/>
+          <a:p>
+            <a:pPr lvl="0" indent="0" marL="0">
+              <a:spcBef>
+                <a:spcPts val="3000"/>
+              </a:spcBef>
+              <a:buNone/>
+            </a:pPr>
+            <a:r>
+              <a:rPr b="1"/>
+              <a:t>5.2 Performance Breakdown</a:t>
+            </a:r>
+          </a:p>
+          <a:p>
+            <a:pPr lvl="0" indent="0" marL="0">
+              <a:buNone/>
+            </a:pPr>
+            <a:r>
+              <a:rPr b="1"/>
+              <a:t>MoveL Time Distribution:</a:t>
+            </a:r>
+          </a:p>
+          <a:p>
+            <a:pPr lvl="0" indent="0">
+              <a:buNone/>
+            </a:pPr>
+            <a:r>
+              <a:rPr>
+                <a:latin typeface="Courier"/>
+              </a:rPr>
+              <a:t>Total: 1500 ms
+├── IK Solving: 1350 ms (90%)
+├── Visualization: 120 ms (8%)
+└── Computation: 30 ms (2%)</a:t>
+            </a:r>
+          </a:p>
+          <a:p>
+            <a:pPr lvl="0" indent="0" marL="0">
+              <a:buNone/>
+            </a:pPr>
+            <a:r>
+              <a:rPr b="1"/>
+              <a:t>MoveJ Time Distribution:</a:t>
+            </a:r>
+          </a:p>
+          <a:p>
+            <a:pPr lvl="0" indent="0">
+              <a:buNone/>
+            </a:pPr>
+            <a:r>
+              <a:rPr>
+                <a:latin typeface="Courier"/>
+              </a:rPr>
+              <a:t>Total: 100 ms
+├── IK Solving: 100 ms (100%)
+├── Visualization: 0 ms (negligible)
+└── Computation: 0 ms (negligible)</a:t>
+            </a:r>
+          </a:p>
+          <a:p>
+            <a:pPr lvl="0" indent="0" marL="0">
+              <a:spcBef>
+                <a:spcPts val="3000"/>
+              </a:spcBef>
+              <a:buNone/>
+            </a:pPr>
+            <a:r>
+              <a:rPr b="1"/>
+              <a:t>5.3 Optimization Techniques Applied</a:t>
+            </a:r>
+          </a:p>
+          <a:p>
+            <a:pPr lvl="0" indent="0" marL="0">
+              <a:buNone/>
+            </a:pPr>
+            <a:r>
+              <a:rPr b="1"/>
+              <a:t>1. Warm Starting IK Solver</a:t>
+            </a:r>
+          </a:p>
+          <a:p>
+            <a:pPr lvl="0" indent="0">
+              <a:buNone/>
+            </a:pPr>
+            <a:r>
+              <a:rPr>
+                <a:solidFill>
+                  <a:srgbClr val="19177C"/>
+                </a:solidFill>
+                <a:latin typeface="Courier"/>
+              </a:rPr>
+              <a:t>initialGuess</a:t>
+            </a:r>
+            <a:r>
+              <a:rPr>
+                <a:latin typeface="Courier"/>
+              </a:rPr>
+              <a:t> </a:t>
+            </a:r>
+            <a:r>
+              <a:rPr>
+                <a:solidFill>
+                  <a:srgbClr val="666666"/>
+                </a:solidFill>
+                <a:latin typeface="Courier"/>
+              </a:rPr>
+              <a:t>=</a:t>
+            </a:r>
+            <a:r>
+              <a:rPr>
+                <a:latin typeface="Courier"/>
+              </a:rPr>
+              <a:t> </a:t>
+            </a:r>
+            <a:r>
+              <a:rPr>
+                <a:solidFill>
+                  <a:srgbClr val="19177C"/>
+                </a:solidFill>
+                <a:latin typeface="Courier"/>
+              </a:rPr>
+              <a:t>robot</a:t>
+            </a:r>
+            <a:r>
+              <a:rPr>
+                <a:latin typeface="Courier"/>
+              </a:rPr>
+              <a:t>.</a:t>
+            </a:r>
+            <a:r>
+              <a:rPr>
+                <a:solidFill>
+                  <a:srgbClr val="19177C"/>
+                </a:solidFill>
+                <a:latin typeface="Courier"/>
+              </a:rPr>
+              <a:t>homeConfiguration</a:t>
+            </a:r>
+            <a:r>
+              <a:rPr>
+                <a:solidFill>
+                  <a:srgbClr val="666666"/>
+                </a:solidFill>
+                <a:latin typeface="Courier"/>
+              </a:rPr>
+              <a:t>;</a:t>
+            </a:r>
+            <a:r>
+              <a:rPr>
+                <a:latin typeface="Courier"/>
+              </a:rPr>
+              <a:t>  </a:t>
+            </a:r>
+            <a:r>
+              <a:rPr i="1">
+                <a:solidFill>
+                  <a:srgbClr val="60A0B0"/>
+                </a:solidFill>
+                <a:latin typeface="Courier"/>
+              </a:rPr>
+              <a:t>% First call</a:t>
+            </a:r>
+            <a:br/>
+            <a:r>
+              <a:rPr>
+                <a:latin typeface="Courier"/>
+              </a:rPr>
+              <a:t>[</a:t>
+            </a:r>
+            <a:r>
+              <a:rPr>
+                <a:solidFill>
+                  <a:srgbClr val="19177C"/>
+                </a:solidFill>
+                <a:latin typeface="Courier"/>
+              </a:rPr>
+              <a:t>config_sol</a:t>
+            </a:r>
+            <a:r>
+              <a:rPr>
+                <a:solidFill>
+                  <a:srgbClr val="666666"/>
+                </a:solidFill>
+                <a:latin typeface="Courier"/>
+              </a:rPr>
+              <a:t>,</a:t>
+            </a:r>
+            <a:r>
+              <a:rPr>
+                <a:latin typeface="Courier"/>
+              </a:rPr>
+              <a:t> </a:t>
+            </a:r>
+            <a:r>
+              <a:rPr>
+                <a:solidFill>
+                  <a:srgbClr val="666666"/>
+                </a:solidFill>
+                <a:latin typeface="Courier"/>
+              </a:rPr>
+              <a:t>~</a:t>
+            </a:r>
+            <a:r>
+              <a:rPr>
+                <a:latin typeface="Courier"/>
+              </a:rPr>
+              <a:t>] </a:t>
+            </a:r>
+            <a:r>
+              <a:rPr>
+                <a:solidFill>
+                  <a:srgbClr val="666666"/>
+                </a:solidFill>
+                <a:latin typeface="Courier"/>
+              </a:rPr>
+              <a:t>=</a:t>
+            </a:r>
+            <a:r>
+              <a:rPr>
+                <a:latin typeface="Courier"/>
+              </a:rPr>
+              <a:t> </a:t>
+            </a:r>
+            <a:r>
+              <a:rPr>
+                <a:solidFill>
+                  <a:srgbClr val="19177C"/>
+                </a:solidFill>
+                <a:latin typeface="Courier"/>
+              </a:rPr>
+              <a:t>ik</a:t>
+            </a:r>
+            <a:r>
+              <a:rPr>
+                <a:latin typeface="Courier"/>
+              </a:rPr>
+              <a:t>(</a:t>
+            </a:r>
+            <a:r>
+              <a:rPr>
+                <a:solidFill>
+                  <a:srgbClr val="666666"/>
+                </a:solidFill>
+                <a:latin typeface="Courier"/>
+              </a:rPr>
+              <a:t>...,</a:t>
+            </a:r>
+            <a:r>
+              <a:rPr>
+                <a:latin typeface="Courier"/>
+              </a:rPr>
+              <a:t> </a:t>
+            </a:r>
+            <a:r>
+              <a:rPr>
+                <a:solidFill>
+                  <a:srgbClr val="19177C"/>
+                </a:solidFill>
+                <a:latin typeface="Courier"/>
+              </a:rPr>
+              <a:t>initialGuess</a:t>
+            </a:r>
+            <a:r>
+              <a:rPr>
+                <a:latin typeface="Courier"/>
+              </a:rPr>
+              <a:t>)</a:t>
+            </a:r>
+            <a:r>
+              <a:rPr>
+                <a:solidFill>
+                  <a:srgbClr val="666666"/>
+                </a:solidFill>
+                <a:latin typeface="Courier"/>
+              </a:rPr>
+              <a:t>;</a:t>
+            </a:r>
+            <a:br/>
+            <a:r>
+              <a:rPr>
+                <a:solidFill>
+                  <a:srgbClr val="19177C"/>
+                </a:solidFill>
+                <a:latin typeface="Courier"/>
+              </a:rPr>
+              <a:t>initialGuess</a:t>
+            </a:r>
+            <a:r>
+              <a:rPr>
+                <a:latin typeface="Courier"/>
+              </a:rPr>
+              <a:t> </a:t>
+            </a:r>
+            <a:r>
+              <a:rPr>
+                <a:solidFill>
+                  <a:srgbClr val="666666"/>
+                </a:solidFill>
+                <a:latin typeface="Courier"/>
+              </a:rPr>
+              <a:t>=</a:t>
+            </a:r>
+            <a:r>
+              <a:rPr>
+                <a:latin typeface="Courier"/>
+              </a:rPr>
+              <a:t> </a:t>
+            </a:r>
+            <a:r>
+              <a:rPr>
+                <a:solidFill>
+                  <a:srgbClr val="19177C"/>
+                </a:solidFill>
+                <a:latin typeface="Courier"/>
+              </a:rPr>
+              <a:t>config_sol</a:t>
+            </a:r>
+            <a:r>
+              <a:rPr>
+                <a:solidFill>
+                  <a:srgbClr val="666666"/>
+                </a:solidFill>
+                <a:latin typeface="Courier"/>
+              </a:rPr>
+              <a:t>;</a:t>
+            </a:r>
+            <a:r>
+              <a:rPr>
+                <a:latin typeface="Courier"/>
+              </a:rPr>
+              <a:t>  </a:t>
+            </a:r>
+            <a:r>
+              <a:rPr i="1">
+                <a:solidFill>
+                  <a:srgbClr val="60A0B0"/>
+                </a:solidFill>
+                <a:latin typeface="Courier"/>
+              </a:rPr>
+              <a:t>% Use for next call (30% faster)</a:t>
+            </a:r>
+          </a:p>
+          <a:p>
+            <a:pPr lvl="0" indent="0" marL="0">
+              <a:buNone/>
+            </a:pPr>
+            <a:r>
+              <a:rPr b="1"/>
+              <a:t>2. Visualization Throttling</a:t>
+            </a:r>
+          </a:p>
+          <a:p>
+            <a:pPr lvl="0" indent="0">
+              <a:buNone/>
+            </a:pPr>
+            <a:r>
+              <a:rPr b="1">
+                <a:solidFill>
+                  <a:srgbClr val="007020"/>
+                </a:solidFill>
+                <a:latin typeface="Courier"/>
+              </a:rPr>
+              <a:t>if</a:t>
+            </a:r>
+            <a:r>
+              <a:rPr>
+                <a:latin typeface="Courier"/>
+              </a:rPr>
+              <a:t> </a:t>
+            </a:r>
+            <a:r>
+              <a:rPr>
+                <a:solidFill>
+                  <a:srgbClr val="19177C"/>
+                </a:solidFill>
+                <a:latin typeface="Courier"/>
+              </a:rPr>
+              <a:t>mod</a:t>
+            </a:r>
+            <a:r>
+              <a:rPr>
+                <a:latin typeface="Courier"/>
+              </a:rPr>
+              <a:t>(</a:t>
+            </a:r>
+            <a:r>
+              <a:rPr>
+                <a:solidFill>
+                  <a:srgbClr val="19177C"/>
+                </a:solidFill>
+                <a:latin typeface="Courier"/>
+              </a:rPr>
+              <a:t>i</a:t>
+            </a:r>
+            <a:r>
+              <a:rPr>
+                <a:solidFill>
+                  <a:srgbClr val="666666"/>
+                </a:solidFill>
+                <a:latin typeface="Courier"/>
+              </a:rPr>
+              <a:t>,</a:t>
+            </a:r>
+            <a:r>
+              <a:rPr>
+                <a:latin typeface="Courier"/>
+              </a:rPr>
+              <a:t> </a:t>
+            </a:r>
+            <a:r>
+              <a:rPr>
+                <a:solidFill>
+                  <a:srgbClr val="40A070"/>
+                </a:solidFill>
+                <a:latin typeface="Courier"/>
+              </a:rPr>
+              <a:t>5</a:t>
+            </a:r>
+            <a:r>
+              <a:rPr>
+                <a:latin typeface="Courier"/>
+              </a:rPr>
+              <a:t>) </a:t>
+            </a:r>
+            <a:r>
+              <a:rPr>
+                <a:solidFill>
+                  <a:srgbClr val="666666"/>
+                </a:solidFill>
+                <a:latin typeface="Courier"/>
+              </a:rPr>
+              <a:t>==</a:t>
+            </a:r>
+            <a:r>
+              <a:rPr>
+                <a:latin typeface="Courier"/>
+              </a:rPr>
+              <a:t> </a:t>
+            </a:r>
+            <a:r>
+              <a:rPr>
+                <a:solidFill>
+                  <a:srgbClr val="40A070"/>
+                </a:solidFill>
+                <a:latin typeface="Courier"/>
+              </a:rPr>
+              <a:t>0</a:t>
+            </a:r>
+            <a:r>
+              <a:rPr>
+                <a:latin typeface="Courier"/>
+              </a:rPr>
+              <a:t>  </a:t>
+            </a:r>
+            <a:r>
+              <a:rPr i="1">
+                <a:solidFill>
+                  <a:srgbClr val="60A0B0"/>
+                </a:solidFill>
+                <a:latin typeface="Courier"/>
+              </a:rPr>
+              <a:t>% Only visualize every 5th point</a:t>
+            </a:r>
+            <a:br/>
+            <a:r>
+              <a:rPr>
+                <a:latin typeface="Courier"/>
+              </a:rPr>
+              <a:t>    </a:t>
+            </a:r>
+            <a:r>
+              <a:rPr>
+                <a:solidFill>
+                  <a:srgbClr val="19177C"/>
+                </a:solidFill>
+                <a:latin typeface="Courier"/>
+              </a:rPr>
+              <a:t>show</a:t>
+            </a:r>
+            <a:r>
+              <a:rPr>
+                <a:latin typeface="Courier"/>
+              </a:rPr>
+              <a:t>(</a:t>
+            </a:r>
+            <a:r>
+              <a:rPr>
+                <a:solidFill>
+                  <a:srgbClr val="19177C"/>
+                </a:solidFill>
+                <a:latin typeface="Courier"/>
+              </a:rPr>
+              <a:t>robot</a:t>
+            </a:r>
+            <a:r>
+              <a:rPr>
+                <a:solidFill>
+                  <a:srgbClr val="666666"/>
+                </a:solidFill>
+                <a:latin typeface="Courier"/>
+              </a:rPr>
+              <a:t>,</a:t>
+            </a:r>
+            <a:r>
+              <a:rPr>
+                <a:latin typeface="Courier"/>
+              </a:rPr>
+              <a:t> </a:t>
+            </a:r>
+            <a:r>
+              <a:rPr>
+                <a:solidFill>
+                  <a:srgbClr val="19177C"/>
+                </a:solidFill>
+                <a:latin typeface="Courier"/>
+              </a:rPr>
+              <a:t>config_sol</a:t>
+            </a:r>
+            <a:r>
+              <a:rPr>
+                <a:latin typeface="Courier"/>
+              </a:rPr>
+              <a:t>)</a:t>
+            </a:r>
+            <a:r>
+              <a:rPr>
+                <a:solidFill>
+                  <a:srgbClr val="666666"/>
+                </a:solidFill>
+                <a:latin typeface="Courier"/>
+              </a:rPr>
+              <a:t>;</a:t>
+            </a:r>
+            <a:br/>
+            <a:r>
+              <a:rPr b="1">
+                <a:solidFill>
+                  <a:srgbClr val="007020"/>
+                </a:solidFill>
+                <a:latin typeface="Courier"/>
+              </a:rPr>
+              <a:t>end</a:t>
+            </a:r>
+          </a:p>
+          <a:p>
+            <a:pPr lvl="0" indent="0" marL="0">
+              <a:buNone/>
+            </a:pPr>
+            <a:r>
+              <a:rPr b="1"/>
+              <a:t>3. Figure Visibility Control</a:t>
+            </a:r>
+          </a:p>
+          <a:p>
+            <a:pPr lvl="0" indent="0">
+              <a:buNone/>
+            </a:pPr>
+            <a:r>
+              <a:rPr>
+                <a:solidFill>
+                  <a:srgbClr val="19177C"/>
+                </a:solidFill>
+                <a:latin typeface="Courier"/>
+              </a:rPr>
+              <a:t>figure</a:t>
+            </a:r>
+            <a:r>
+              <a:rPr>
+                <a:latin typeface="Courier"/>
+              </a:rPr>
+              <a:t>(</a:t>
+            </a:r>
+            <a:r>
+              <a:rPr>
+                <a:solidFill>
+                  <a:srgbClr val="BB6688"/>
+                </a:solidFill>
+                <a:latin typeface="Courier"/>
+              </a:rPr>
+              <a:t>'Visible'</a:t>
+            </a:r>
+            <a:r>
+              <a:rPr>
+                <a:solidFill>
+                  <a:srgbClr val="666666"/>
+                </a:solidFill>
+                <a:latin typeface="Courier"/>
+              </a:rPr>
+              <a:t>,</a:t>
+            </a:r>
+            <a:r>
+              <a:rPr>
+                <a:latin typeface="Courier"/>
+              </a:rPr>
+              <a:t> </a:t>
+            </a:r>
+            <a:r>
+              <a:rPr>
+                <a:solidFill>
+                  <a:srgbClr val="BB6688"/>
+                </a:solidFill>
+                <a:latin typeface="Courier"/>
+              </a:rPr>
+              <a:t>'off'</a:t>
+            </a:r>
+            <a:r>
+              <a:rPr>
+                <a:latin typeface="Courier"/>
+              </a:rPr>
+              <a:t>)</a:t>
+            </a:r>
+            <a:r>
+              <a:rPr>
+                <a:solidFill>
+                  <a:srgbClr val="666666"/>
+                </a:solidFill>
+                <a:latin typeface="Courier"/>
+              </a:rPr>
+              <a:t>;</a:t>
+            </a:r>
+            <a:r>
+              <a:rPr>
+                <a:latin typeface="Courier"/>
+              </a:rPr>
+              <a:t>  </a:t>
+            </a:r>
+            <a:r>
+              <a:rPr i="1">
+                <a:solidFill>
+                  <a:srgbClr val="60A0B0"/>
+                </a:solidFill>
+                <a:latin typeface="Courier"/>
+              </a:rPr>
+              <a:t>% Background rendering for batch operations</a:t>
+            </a:r>
+          </a:p>
+          <a:p>
+            <a:pPr lvl="0" indent="0" marL="0">
+              <a:spcBef>
+                <a:spcPts val="3000"/>
+              </a:spcBef>
+              <a:buNone/>
+            </a:pPr>
+            <a:r>
+              <a:rPr b="1"/>
+              <a:t>5.4 Scalability Analysis</a:t>
+            </a:r>
+          </a:p>
+          <a:p>
+            <a:pPr lvl="0" indent="0" marL="0">
+              <a:buNone/>
+            </a:pPr>
+            <a:r>
+              <a:rPr/>
+              <a:t>For a path with N waypoints:</a:t>
+            </a:r>
+          </a:p>
+          <a:p>
+            <a:pPr lvl="0" indent="0" marL="0">
+              <a:buNone/>
+            </a:pPr>
+            <a:r>
+              <a:rPr b="1"/>
+              <a:t>MoveL:</a:t>
+            </a:r>
+            <a:r>
+              <a:rPr/>
+              <a:t> - Time: O(N × 50ms) = linear in waypoints - Memory: O(N × DOF) - Recommended: N = 20-50 for smooth motion</a:t>
+            </a:r>
+          </a:p>
+          <a:p>
+            <a:pPr lvl="0" indent="0" marL="0">
+              <a:buNone/>
+            </a:pPr>
+            <a:r>
+              <a:rPr b="1"/>
+              <a:t>MoveJ:</a:t>
+            </a:r>
+            <a:r>
+              <a:rPr/>
+              <a:t> - Time: O(2 × 50ms) = constant (independent of path) - Memory: O(DOF) - Recommended: Always use 2 IK calls (endpoints only)</a:t>
+            </a:r>
+          </a:p>
+        </p:txBody>
+      </p:sp>
+    </p:spTree>
+  </p:cSld>
+</p:sld>
+</file>
+
+<file path=ppt/slides/slide23.xml><?xml version="1.0" encoding="utf-8"?>
 <p:sld xmlns:a="http://schemas.openxmlformats.org/drawingml/2006/main" xmlns:r="http://schemas.openxmlformats.org/officeDocument/2006/relationships" xmlns:p="http://schemas.openxmlformats.org/presentationml/2006/main">
   <p:cSld>
     <p:spTree>
@@ -12013,773 +13219,6 @@
             </a:pPr>
             <a:r>
               <a:rPr/>
-              <a:t>Complete Implementation Report with Visual Documentation</a:t>
-            </a:r>
-          </a:p>
-        </p:txBody>
-      </p:sp>
-    </p:spTree>
-  </p:cSld>
-</p:sld>
-</file>
-
-<file path=ppt/slides/slide20.xml><?xml version="1.0" encoding="utf-8"?>
-<p:sld xmlns:a="http://schemas.openxmlformats.org/drawingml/2006/main" xmlns:r="http://schemas.openxmlformats.org/officeDocument/2006/relationships" xmlns:p="http://schemas.openxmlformats.org/presentationml/2006/main">
-  <p:cSld>
-    <p:spTree>
-      <p:nvGrpSpPr>
-        <p:cNvPr id="1" name=""/>
-        <p:cNvGrpSpPr/>
-        <p:nvPr/>
-      </p:nvGrpSpPr>
-      <p:grpSpPr>
-        <a:xfrm>
-          <a:off x="0" y="0"/>
-          <a:ext cx="0" cy="0"/>
-          <a:chOff x="0" y="0"/>
-          <a:chExt cx="0" cy="0"/>
-        </a:xfrm>
-      </p:grpSpPr>
-      <p:sp>
-        <p:nvSpPr>
-          <p:cNvPr id="3" name="Content Placeholder 2"/>
-          <p:cNvSpPr>
-            <a:spLocks noGrp="1"/>
-          </p:cNvSpPr>
-          <p:nvPr>
-            <p:ph idx="1"/>
-          </p:nvPr>
-        </p:nvSpPr>
-        <p:spPr/>
-        <p:txBody>
-          <a:bodyPr/>
-          <a:lstStyle/>
-          <a:p>
-            <a:pPr lvl="0" indent="0" marL="0">
-              <a:spcBef>
-                <a:spcPts val="3000"/>
-              </a:spcBef>
-              <a:buNone/>
-            </a:pPr>
-            <a:r>
-              <a:rPr b="1"/>
-              <a:t>5.2 Performance Breakdown</a:t>
-            </a:r>
-          </a:p>
-          <a:p>
-            <a:pPr lvl="0" indent="0" marL="0">
-              <a:buNone/>
-            </a:pPr>
-            <a:r>
-              <a:rPr b="1"/>
-              <a:t>MoveL Time Distribution:</a:t>
-            </a:r>
-          </a:p>
-          <a:p>
-            <a:pPr lvl="0" indent="0">
-              <a:buNone/>
-            </a:pPr>
-            <a:r>
-              <a:rPr>
-                <a:latin typeface="Courier"/>
-              </a:rPr>
-              <a:t>Total: 1500 ms
-├── IK Solving: 1350 ms (90%)
-├── Visualization: 120 ms (8%)
-└── Computation: 30 ms (2%)</a:t>
-            </a:r>
-          </a:p>
-          <a:p>
-            <a:pPr lvl="0" indent="0" marL="0">
-              <a:buNone/>
-            </a:pPr>
-            <a:r>
-              <a:rPr b="1"/>
-              <a:t>MoveJ Time Distribution:</a:t>
-            </a:r>
-          </a:p>
-          <a:p>
-            <a:pPr lvl="0" indent="0">
-              <a:buNone/>
-            </a:pPr>
-            <a:r>
-              <a:rPr>
-                <a:latin typeface="Courier"/>
-              </a:rPr>
-              <a:t>Total: 100 ms
-├── IK Solving: 100 ms (100%)
-├── Visualization: 0 ms (negligible)
-└── Computation: 0 ms (negligible)</a:t>
-            </a:r>
-          </a:p>
-          <a:p>
-            <a:pPr lvl="0" indent="0" marL="0">
-              <a:spcBef>
-                <a:spcPts val="3000"/>
-              </a:spcBef>
-              <a:buNone/>
-            </a:pPr>
-            <a:r>
-              <a:rPr b="1"/>
-              <a:t>5.3 Optimization Techniques Applied</a:t>
-            </a:r>
-          </a:p>
-          <a:p>
-            <a:pPr lvl="0" indent="0" marL="0">
-              <a:buNone/>
-            </a:pPr>
-            <a:r>
-              <a:rPr b="1"/>
-              <a:t>1. Warm Starting IK Solver</a:t>
-            </a:r>
-          </a:p>
-          <a:p>
-            <a:pPr lvl="0" indent="0">
-              <a:buNone/>
-            </a:pPr>
-            <a:r>
-              <a:rPr>
-                <a:solidFill>
-                  <a:srgbClr val="19177C"/>
-                </a:solidFill>
-                <a:latin typeface="Courier"/>
-              </a:rPr>
-              <a:t>initialGuess</a:t>
-            </a:r>
-            <a:r>
-              <a:rPr>
-                <a:latin typeface="Courier"/>
-              </a:rPr>
-              <a:t> </a:t>
-            </a:r>
-            <a:r>
-              <a:rPr>
-                <a:solidFill>
-                  <a:srgbClr val="666666"/>
-                </a:solidFill>
-                <a:latin typeface="Courier"/>
-              </a:rPr>
-              <a:t>=</a:t>
-            </a:r>
-            <a:r>
-              <a:rPr>
-                <a:latin typeface="Courier"/>
-              </a:rPr>
-              <a:t> </a:t>
-            </a:r>
-            <a:r>
-              <a:rPr>
-                <a:solidFill>
-                  <a:srgbClr val="19177C"/>
-                </a:solidFill>
-                <a:latin typeface="Courier"/>
-              </a:rPr>
-              <a:t>robot</a:t>
-            </a:r>
-            <a:r>
-              <a:rPr>
-                <a:latin typeface="Courier"/>
-              </a:rPr>
-              <a:t>.</a:t>
-            </a:r>
-            <a:r>
-              <a:rPr>
-                <a:solidFill>
-                  <a:srgbClr val="19177C"/>
-                </a:solidFill>
-                <a:latin typeface="Courier"/>
-              </a:rPr>
-              <a:t>homeConfiguration</a:t>
-            </a:r>
-            <a:r>
-              <a:rPr>
-                <a:solidFill>
-                  <a:srgbClr val="666666"/>
-                </a:solidFill>
-                <a:latin typeface="Courier"/>
-              </a:rPr>
-              <a:t>;</a:t>
-            </a:r>
-            <a:r>
-              <a:rPr>
-                <a:latin typeface="Courier"/>
-              </a:rPr>
-              <a:t>  </a:t>
-            </a:r>
-            <a:r>
-              <a:rPr i="1">
-                <a:solidFill>
-                  <a:srgbClr val="60A0B0"/>
-                </a:solidFill>
-                <a:latin typeface="Courier"/>
-              </a:rPr>
-              <a:t>% First call</a:t>
-            </a:r>
-            <a:br/>
-            <a:r>
-              <a:rPr>
-                <a:latin typeface="Courier"/>
-              </a:rPr>
-              <a:t>[</a:t>
-            </a:r>
-            <a:r>
-              <a:rPr>
-                <a:solidFill>
-                  <a:srgbClr val="19177C"/>
-                </a:solidFill>
-                <a:latin typeface="Courier"/>
-              </a:rPr>
-              <a:t>config_sol</a:t>
-            </a:r>
-            <a:r>
-              <a:rPr>
-                <a:solidFill>
-                  <a:srgbClr val="666666"/>
-                </a:solidFill>
-                <a:latin typeface="Courier"/>
-              </a:rPr>
-              <a:t>,</a:t>
-            </a:r>
-            <a:r>
-              <a:rPr>
-                <a:latin typeface="Courier"/>
-              </a:rPr>
-              <a:t> </a:t>
-            </a:r>
-            <a:r>
-              <a:rPr>
-                <a:solidFill>
-                  <a:srgbClr val="666666"/>
-                </a:solidFill>
-                <a:latin typeface="Courier"/>
-              </a:rPr>
-              <a:t>~</a:t>
-            </a:r>
-            <a:r>
-              <a:rPr>
-                <a:latin typeface="Courier"/>
-              </a:rPr>
-              <a:t>] </a:t>
-            </a:r>
-            <a:r>
-              <a:rPr>
-                <a:solidFill>
-                  <a:srgbClr val="666666"/>
-                </a:solidFill>
-                <a:latin typeface="Courier"/>
-              </a:rPr>
-              <a:t>=</a:t>
-            </a:r>
-            <a:r>
-              <a:rPr>
-                <a:latin typeface="Courier"/>
-              </a:rPr>
-              <a:t> </a:t>
-            </a:r>
-            <a:r>
-              <a:rPr>
-                <a:solidFill>
-                  <a:srgbClr val="19177C"/>
-                </a:solidFill>
-                <a:latin typeface="Courier"/>
-              </a:rPr>
-              <a:t>ik</a:t>
-            </a:r>
-            <a:r>
-              <a:rPr>
-                <a:latin typeface="Courier"/>
-              </a:rPr>
-              <a:t>(</a:t>
-            </a:r>
-            <a:r>
-              <a:rPr>
-                <a:solidFill>
-                  <a:srgbClr val="666666"/>
-                </a:solidFill>
-                <a:latin typeface="Courier"/>
-              </a:rPr>
-              <a:t>...,</a:t>
-            </a:r>
-            <a:r>
-              <a:rPr>
-                <a:latin typeface="Courier"/>
-              </a:rPr>
-              <a:t> </a:t>
-            </a:r>
-            <a:r>
-              <a:rPr>
-                <a:solidFill>
-                  <a:srgbClr val="19177C"/>
-                </a:solidFill>
-                <a:latin typeface="Courier"/>
-              </a:rPr>
-              <a:t>initialGuess</a:t>
-            </a:r>
-            <a:r>
-              <a:rPr>
-                <a:latin typeface="Courier"/>
-              </a:rPr>
-              <a:t>)</a:t>
-            </a:r>
-            <a:r>
-              <a:rPr>
-                <a:solidFill>
-                  <a:srgbClr val="666666"/>
-                </a:solidFill>
-                <a:latin typeface="Courier"/>
-              </a:rPr>
-              <a:t>;</a:t>
-            </a:r>
-            <a:br/>
-            <a:r>
-              <a:rPr>
-                <a:solidFill>
-                  <a:srgbClr val="19177C"/>
-                </a:solidFill>
-                <a:latin typeface="Courier"/>
-              </a:rPr>
-              <a:t>initialGuess</a:t>
-            </a:r>
-            <a:r>
-              <a:rPr>
-                <a:latin typeface="Courier"/>
-              </a:rPr>
-              <a:t> </a:t>
-            </a:r>
-            <a:r>
-              <a:rPr>
-                <a:solidFill>
-                  <a:srgbClr val="666666"/>
-                </a:solidFill>
-                <a:latin typeface="Courier"/>
-              </a:rPr>
-              <a:t>=</a:t>
-            </a:r>
-            <a:r>
-              <a:rPr>
-                <a:latin typeface="Courier"/>
-              </a:rPr>
-              <a:t> </a:t>
-            </a:r>
-            <a:r>
-              <a:rPr>
-                <a:solidFill>
-                  <a:srgbClr val="19177C"/>
-                </a:solidFill>
-                <a:latin typeface="Courier"/>
-              </a:rPr>
-              <a:t>config_sol</a:t>
-            </a:r>
-            <a:r>
-              <a:rPr>
-                <a:solidFill>
-                  <a:srgbClr val="666666"/>
-                </a:solidFill>
-                <a:latin typeface="Courier"/>
-              </a:rPr>
-              <a:t>;</a:t>
-            </a:r>
-            <a:r>
-              <a:rPr>
-                <a:latin typeface="Courier"/>
-              </a:rPr>
-              <a:t>  </a:t>
-            </a:r>
-            <a:r>
-              <a:rPr i="1">
-                <a:solidFill>
-                  <a:srgbClr val="60A0B0"/>
-                </a:solidFill>
-                <a:latin typeface="Courier"/>
-              </a:rPr>
-              <a:t>% Use for next call (30% faster)</a:t>
-            </a:r>
-          </a:p>
-          <a:p>
-            <a:pPr lvl="0" indent="0" marL="0">
-              <a:buNone/>
-            </a:pPr>
-            <a:r>
-              <a:rPr b="1"/>
-              <a:t>2. Visualization Throttling</a:t>
-            </a:r>
-          </a:p>
-          <a:p>
-            <a:pPr lvl="0" indent="0">
-              <a:buNone/>
-            </a:pPr>
-            <a:r>
-              <a:rPr b="1">
-                <a:solidFill>
-                  <a:srgbClr val="007020"/>
-                </a:solidFill>
-                <a:latin typeface="Courier"/>
-              </a:rPr>
-              <a:t>if</a:t>
-            </a:r>
-            <a:r>
-              <a:rPr>
-                <a:latin typeface="Courier"/>
-              </a:rPr>
-              <a:t> </a:t>
-            </a:r>
-            <a:r>
-              <a:rPr>
-                <a:solidFill>
-                  <a:srgbClr val="19177C"/>
-                </a:solidFill>
-                <a:latin typeface="Courier"/>
-              </a:rPr>
-              <a:t>mod</a:t>
-            </a:r>
-            <a:r>
-              <a:rPr>
-                <a:latin typeface="Courier"/>
-              </a:rPr>
-              <a:t>(</a:t>
-            </a:r>
-            <a:r>
-              <a:rPr>
-                <a:solidFill>
-                  <a:srgbClr val="19177C"/>
-                </a:solidFill>
-                <a:latin typeface="Courier"/>
-              </a:rPr>
-              <a:t>i</a:t>
-            </a:r>
-            <a:r>
-              <a:rPr>
-                <a:solidFill>
-                  <a:srgbClr val="666666"/>
-                </a:solidFill>
-                <a:latin typeface="Courier"/>
-              </a:rPr>
-              <a:t>,</a:t>
-            </a:r>
-            <a:r>
-              <a:rPr>
-                <a:latin typeface="Courier"/>
-              </a:rPr>
-              <a:t> </a:t>
-            </a:r>
-            <a:r>
-              <a:rPr>
-                <a:solidFill>
-                  <a:srgbClr val="40A070"/>
-                </a:solidFill>
-                <a:latin typeface="Courier"/>
-              </a:rPr>
-              <a:t>5</a:t>
-            </a:r>
-            <a:r>
-              <a:rPr>
-                <a:latin typeface="Courier"/>
-              </a:rPr>
-              <a:t>) </a:t>
-            </a:r>
-            <a:r>
-              <a:rPr>
-                <a:solidFill>
-                  <a:srgbClr val="666666"/>
-                </a:solidFill>
-                <a:latin typeface="Courier"/>
-              </a:rPr>
-              <a:t>==</a:t>
-            </a:r>
-            <a:r>
-              <a:rPr>
-                <a:latin typeface="Courier"/>
-              </a:rPr>
-              <a:t> </a:t>
-            </a:r>
-            <a:r>
-              <a:rPr>
-                <a:solidFill>
-                  <a:srgbClr val="40A070"/>
-                </a:solidFill>
-                <a:latin typeface="Courier"/>
-              </a:rPr>
-              <a:t>0</a:t>
-            </a:r>
-            <a:r>
-              <a:rPr>
-                <a:latin typeface="Courier"/>
-              </a:rPr>
-              <a:t>  </a:t>
-            </a:r>
-            <a:r>
-              <a:rPr i="1">
-                <a:solidFill>
-                  <a:srgbClr val="60A0B0"/>
-                </a:solidFill>
-                <a:latin typeface="Courier"/>
-              </a:rPr>
-              <a:t>% Only visualize every 5th point</a:t>
-            </a:r>
-            <a:br/>
-            <a:r>
-              <a:rPr>
-                <a:latin typeface="Courier"/>
-              </a:rPr>
-              <a:t>    </a:t>
-            </a:r>
-            <a:r>
-              <a:rPr>
-                <a:solidFill>
-                  <a:srgbClr val="19177C"/>
-                </a:solidFill>
-                <a:latin typeface="Courier"/>
-              </a:rPr>
-              <a:t>show</a:t>
-            </a:r>
-            <a:r>
-              <a:rPr>
-                <a:latin typeface="Courier"/>
-              </a:rPr>
-              <a:t>(</a:t>
-            </a:r>
-            <a:r>
-              <a:rPr>
-                <a:solidFill>
-                  <a:srgbClr val="19177C"/>
-                </a:solidFill>
-                <a:latin typeface="Courier"/>
-              </a:rPr>
-              <a:t>robot</a:t>
-            </a:r>
-            <a:r>
-              <a:rPr>
-                <a:solidFill>
-                  <a:srgbClr val="666666"/>
-                </a:solidFill>
-                <a:latin typeface="Courier"/>
-              </a:rPr>
-              <a:t>,</a:t>
-            </a:r>
-            <a:r>
-              <a:rPr>
-                <a:latin typeface="Courier"/>
-              </a:rPr>
-              <a:t> </a:t>
-            </a:r>
-            <a:r>
-              <a:rPr>
-                <a:solidFill>
-                  <a:srgbClr val="19177C"/>
-                </a:solidFill>
-                <a:latin typeface="Courier"/>
-              </a:rPr>
-              <a:t>config_sol</a:t>
-            </a:r>
-            <a:r>
-              <a:rPr>
-                <a:latin typeface="Courier"/>
-              </a:rPr>
-              <a:t>)</a:t>
-            </a:r>
-            <a:r>
-              <a:rPr>
-                <a:solidFill>
-                  <a:srgbClr val="666666"/>
-                </a:solidFill>
-                <a:latin typeface="Courier"/>
-              </a:rPr>
-              <a:t>;</a:t>
-            </a:r>
-            <a:br/>
-            <a:r>
-              <a:rPr b="1">
-                <a:solidFill>
-                  <a:srgbClr val="007020"/>
-                </a:solidFill>
-                <a:latin typeface="Courier"/>
-              </a:rPr>
-              <a:t>end</a:t>
-            </a:r>
-          </a:p>
-          <a:p>
-            <a:pPr lvl="0" indent="0" marL="0">
-              <a:buNone/>
-            </a:pPr>
-            <a:r>
-              <a:rPr b="1"/>
-              <a:t>3. Figure Visibility Control</a:t>
-            </a:r>
-          </a:p>
-          <a:p>
-            <a:pPr lvl="0" indent="0">
-              <a:buNone/>
-            </a:pPr>
-            <a:r>
-              <a:rPr>
-                <a:solidFill>
-                  <a:srgbClr val="19177C"/>
-                </a:solidFill>
-                <a:latin typeface="Courier"/>
-              </a:rPr>
-              <a:t>figure</a:t>
-            </a:r>
-            <a:r>
-              <a:rPr>
-                <a:latin typeface="Courier"/>
-              </a:rPr>
-              <a:t>(</a:t>
-            </a:r>
-            <a:r>
-              <a:rPr>
-                <a:solidFill>
-                  <a:srgbClr val="BB6688"/>
-                </a:solidFill>
-                <a:latin typeface="Courier"/>
-              </a:rPr>
-              <a:t>'Visible'</a:t>
-            </a:r>
-            <a:r>
-              <a:rPr>
-                <a:solidFill>
-                  <a:srgbClr val="666666"/>
-                </a:solidFill>
-                <a:latin typeface="Courier"/>
-              </a:rPr>
-              <a:t>,</a:t>
-            </a:r>
-            <a:r>
-              <a:rPr>
-                <a:latin typeface="Courier"/>
-              </a:rPr>
-              <a:t> </a:t>
-            </a:r>
-            <a:r>
-              <a:rPr>
-                <a:solidFill>
-                  <a:srgbClr val="BB6688"/>
-                </a:solidFill>
-                <a:latin typeface="Courier"/>
-              </a:rPr>
-              <a:t>'off'</a:t>
-            </a:r>
-            <a:r>
-              <a:rPr>
-                <a:latin typeface="Courier"/>
-              </a:rPr>
-              <a:t>)</a:t>
-            </a:r>
-            <a:r>
-              <a:rPr>
-                <a:solidFill>
-                  <a:srgbClr val="666666"/>
-                </a:solidFill>
-                <a:latin typeface="Courier"/>
-              </a:rPr>
-              <a:t>;</a:t>
-            </a:r>
-            <a:r>
-              <a:rPr>
-                <a:latin typeface="Courier"/>
-              </a:rPr>
-              <a:t>  </a:t>
-            </a:r>
-            <a:r>
-              <a:rPr i="1">
-                <a:solidFill>
-                  <a:srgbClr val="60A0B0"/>
-                </a:solidFill>
-                <a:latin typeface="Courier"/>
-              </a:rPr>
-              <a:t>% Background rendering for batch operations</a:t>
-            </a:r>
-          </a:p>
-          <a:p>
-            <a:pPr lvl="0" indent="0" marL="0">
-              <a:spcBef>
-                <a:spcPts val="3000"/>
-              </a:spcBef>
-              <a:buNone/>
-            </a:pPr>
-            <a:r>
-              <a:rPr b="1"/>
-              <a:t>5.4 Scalability Analysis</a:t>
-            </a:r>
-          </a:p>
-          <a:p>
-            <a:pPr lvl="0" indent="0" marL="0">
-              <a:buNone/>
-            </a:pPr>
-            <a:r>
-              <a:rPr/>
-              <a:t>For a path with N waypoints:</a:t>
-            </a:r>
-          </a:p>
-          <a:p>
-            <a:pPr lvl="0" indent="0" marL="0">
-              <a:buNone/>
-            </a:pPr>
-            <a:r>
-              <a:rPr b="1"/>
-              <a:t>MoveL:</a:t>
-            </a:r>
-            <a:r>
-              <a:rPr/>
-              <a:t> - Time: O(N × 50ms) = linear in waypoints - Memory: O(N × DOF) - Recommended: N = 20-50 for smooth motion</a:t>
-            </a:r>
-          </a:p>
-          <a:p>
-            <a:pPr lvl="0" indent="0" marL="0">
-              <a:buNone/>
-            </a:pPr>
-            <a:r>
-              <a:rPr b="1"/>
-              <a:t>MoveJ:</a:t>
-            </a:r>
-            <a:r>
-              <a:rPr/>
-              <a:t> - Time: O(2 × 50ms) = constant (independent of path) - Memory: O(DOF) - Recommended: Always use 2 IK calls (endpoints only)</a:t>
-            </a:r>
-          </a:p>
-        </p:txBody>
-      </p:sp>
-    </p:spTree>
-  </p:cSld>
-</p:sld>
-</file>
-
-<file path=ppt/slides/slide21.xml><?xml version="1.0" encoding="utf-8"?>
-<p:sld xmlns:a="http://schemas.openxmlformats.org/drawingml/2006/main" xmlns:r="http://schemas.openxmlformats.org/officeDocument/2006/relationships" xmlns:p="http://schemas.openxmlformats.org/presentationml/2006/main">
-  <p:cSld>
-    <p:spTree>
-      <p:nvGrpSpPr>
-        <p:cNvPr id="1" name=""/>
-        <p:cNvGrpSpPr/>
-        <p:nvPr/>
-      </p:nvGrpSpPr>
-      <p:grpSpPr>
-        <a:xfrm>
-          <a:off x="0" y="0"/>
-          <a:ext cx="0" cy="0"/>
-          <a:chOff x="0" y="0"/>
-          <a:chExt cx="0" cy="0"/>
-        </a:xfrm>
-      </p:grpSpPr>
-      <p:sp>
-        <p:nvSpPr>
-          <p:cNvPr id="2" name="Title 1"/>
-          <p:cNvSpPr>
-            <a:spLocks noGrp="1"/>
-          </p:cNvSpPr>
-          <p:nvPr>
-            <p:ph type="title"/>
-          </p:nvPr>
-        </p:nvSpPr>
-        <p:spPr/>
-        <p:txBody>
-          <a:bodyPr/>
-          <a:lstStyle/>
-          <a:p>
-            <a:pPr lvl="0" indent="0" marL="0">
-              <a:buNone/>
-            </a:pPr>
-            <a:r>
-              <a:rPr/>
               <a:t>6. Testing and Validation</a:t>
             </a:r>
           </a:p>
@@ -14952,7 +15391,7 @@
 </p:sld>
 </file>
 
-<file path=ppt/slides/slide22.xml><?xml version="1.0" encoding="utf-8"?>
+<file path=ppt/slides/slide24.xml><?xml version="1.0" encoding="utf-8"?>
 <p:sld xmlns:a="http://schemas.openxmlformats.org/drawingml/2006/main" xmlns:r="http://schemas.openxmlformats.org/officeDocument/2006/relationships" xmlns:p="http://schemas.openxmlformats.org/presentationml/2006/main">
   <p:cSld>
     <p:spTree>
@@ -15170,6 +15609,68 @@
                       <a:r>
                         <a:rPr/>
                         <a:t>Initial problem state</a:t>
+                      </a:r>
+                    </a:p>
+                  </a:txBody>
+                </a:tc>
+                <a:tc>
+                  <a:txBody>
+                    <a:bodyPr/>
+                    <a:lstStyle/>
+                    <a:p>
+                      <a:pPr lvl="0" indent="0" marL="0">
+                        <a:buNone/>
+                      </a:pPr>
+                      <a:r>
+                        <a:rPr/>
+                        <a:t>✅ Complete</a:t>
+                      </a:r>
+                    </a:p>
+                  </a:txBody>
+                </a:tc>
+              </a:tr>
+              <a:tr h="0">
+                <a:tc>
+                  <a:txBody>
+                    <a:bodyPr/>
+                    <a:lstStyle/>
+                    <a:p>
+                      <a:pPr lvl="0" indent="0" marL="0">
+                        <a:buNone/>
+                      </a:pPr>
+                      <a:r>
+                        <a:rPr b="1"/>
+                        <a:t>Figure 2</a:t>
+                      </a:r>
+                    </a:p>
+                  </a:txBody>
+                </a:tc>
+                <a:tc>
+                  <a:txBody>
+                    <a:bodyPr/>
+                    <a:lstStyle/>
+                    <a:p>
+                      <a:pPr lvl="0" indent="0" marL="0">
+                        <a:buNone/>
+                      </a:pPr>
+                      <a:r>
+                        <a:rPr/>
+                        <a:t>fig2_quaternion_visualization.png</a:t>
+                      </a:r>
+                    </a:p>
+                  </a:txBody>
+                </a:tc>
+                <a:tc>
+                  <a:txBody>
+                    <a:bodyPr/>
+                    <a:lstStyle/>
+                    <a:p>
+                      <a:pPr lvl="0" indent="0" marL="0">
+                        <a:buNone/>
+                      </a:pPr>
+                      <a:r>
+                        <a:rPr/>
+                        <a:t>Quaternion visualization</a:t>
                       </a:r>
                     </a:p>
                   </a:txBody>
@@ -15449,6 +15950,68 @@
                       </a:pPr>
                       <a:r>
                         <a:rPr b="1"/>
+                        <a:t>Figure 7</a:t>
+                      </a:r>
+                    </a:p>
+                  </a:txBody>
+                </a:tc>
+                <a:tc>
+                  <a:txBody>
+                    <a:bodyPr/>
+                    <a:lstStyle/>
+                    <a:p>
+                      <a:pPr lvl="0" indent="0" marL="0">
+                        <a:buNone/>
+                      </a:pPr>
+                      <a:r>
+                        <a:rPr/>
+                        <a:t>fig7_comparison.png</a:t>
+                      </a:r>
+                    </a:p>
+                  </a:txBody>
+                </a:tc>
+                <a:tc>
+                  <a:txBody>
+                    <a:bodyPr/>
+                    <a:lstStyle/>
+                    <a:p>
+                      <a:pPr lvl="0" indent="0" marL="0">
+                        <a:buNone/>
+                      </a:pPr>
+                      <a:r>
+                        <a:rPr/>
+                        <a:t>MoveJ vs MoveL comparison</a:t>
+                      </a:r>
+                    </a:p>
+                  </a:txBody>
+                </a:tc>
+                <a:tc>
+                  <a:txBody>
+                    <a:bodyPr/>
+                    <a:lstStyle/>
+                    <a:p>
+                      <a:pPr lvl="0" indent="0" marL="0">
+                        <a:buNone/>
+                      </a:pPr>
+                      <a:r>
+                        <a:rPr/>
+                        <a:t>✅ Complete</a:t>
+                      </a:r>
+                    </a:p>
+                  </a:txBody>
+                </a:tc>
+              </a:tr>
+              <a:tr h="0">
+                <a:tc>
+                  <a:txBody>
+                    <a:bodyPr/>
+                    <a:lstStyle/>
+                    <a:p>
+                      <a:pPr lvl="0" indent="0" marL="0">
+                        <a:buNone/>
+                      </a:pPr>
+                      <a:r>
+                        <a:rPr b="1"/>
                         <a:t>Figure 8</a:t>
                       </a:r>
                     </a:p>
@@ -15633,7 +16196,7 @@
 </p:sld>
 </file>
 
-<file path=ppt/slides/slide23.xml><?xml version="1.0" encoding="utf-8"?>
+<file path=ppt/slides/slide25.xml><?xml version="1.0" encoding="utf-8"?>
 <p:sld xmlns:a="http://schemas.openxmlformats.org/drawingml/2006/main" xmlns:r="http://schemas.openxmlformats.org/officeDocument/2006/relationships" xmlns:p="http://schemas.openxmlformats.org/presentationml/2006/main">
   <p:cSld>
     <p:spTree>
@@ -15666,19 +16229,6 @@
           <a:lstStyle/>
           <a:p>
             <a:pPr lvl="0" indent="0" marL="0">
-              <a:buNone/>
-            </a:pPr>
-            <a:r>
-              <a:rPr b="1"/>
-              <a:t>Note</a:t>
-            </a:r>
-            <a:r>
-              <a:rPr/>
-              <a:t>: Figures 2 (Quaternion Visualization) and 7 (Side-by-side Comparison) can be generated if needed but are not critical for report completeness.</a:t>
-            </a:r>
-          </a:p>
-          <a:p>
-            <a:pPr lvl="0" indent="0" marL="0">
               <a:spcBef>
                 <a:spcPts val="3000"/>
               </a:spcBef>
@@ -15717,15 +16267,17 @@
                 <a:latin typeface="Courier"/>
               </a:rPr>
               <a:t>figures/
-├── fig1_error_message.png (72.76 KB)
+├── fig1_error_message.png (73.12 KB)
+├── fig2_quaternion_visualization.png (146.06 KB)
 ├── fig3_test_results.png (151.83 KB)
 ├── fig4_movl_path.png (171.24 KB)
 ├── fig5_slerp_comparison.png (199.81 KB)
 ├── fig6_movej_path.png (180.91 KB)
+├── fig7_comparison.png (109.68 KB)
 ├── fig8_frame_hierarchy.png (126.64 KB)
 ├── fig9_pentagon_path.png (173.24 KB)
 └── fig10_performance_chart.png (103.35 KB)
-Total: 8 figures, 1179.78 KB</a:t>
+Total: 10 figures, 1435.12 KB</a:t>
             </a:r>
           </a:p>
         </p:txBody>
@@ -15735,7 +16287,7 @@
 </p:sld>
 </file>
 
-<file path=ppt/slides/slide24.xml><?xml version="1.0" encoding="utf-8"?>
+<file path=ppt/slides/slide26.xml><?xml version="1.0" encoding="utf-8"?>
 <p:sld xmlns:a="http://schemas.openxmlformats.org/drawingml/2006/main" xmlns:r="http://schemas.openxmlformats.org/officeDocument/2006/relationships" xmlns:p="http://schemas.openxmlformats.org/presentationml/2006/main">
   <p:cSld>
     <p:spTree>
@@ -16403,7 +16955,7 @@
 </p:sld>
 </file>
 
-<file path=ppt/slides/slide25.xml><?xml version="1.0" encoding="utf-8"?>
+<file path=ppt/slides/slide27.xml><?xml version="1.0" encoding="utf-8"?>
 <p:sld xmlns:a="http://schemas.openxmlformats.org/drawingml/2006/main" xmlns:r="http://schemas.openxmlformats.org/officeDocument/2006/relationships" xmlns:p="http://schemas.openxmlformats.org/presentationml/2006/main">
   <p:cSld>
     <p:spTree>
@@ -16612,594 +17164,6 @@
             <a:r>
               <a:rPr/>
               <a:t> - Demonstrates academic understanding of industrial requirements - Shows potential for MATLAB-based robot simulation - Validates conversion methodologies for legacy code migration</a:t>
-            </a:r>
-          </a:p>
-        </p:txBody>
-      </p:sp>
-    </p:spTree>
-  </p:cSld>
-</p:sld>
-</file>
-
-<file path=ppt/slides/slide26.xml><?xml version="1.0" encoding="utf-8"?>
-<p:sld xmlns:a="http://schemas.openxmlformats.org/drawingml/2006/main" xmlns:r="http://schemas.openxmlformats.org/officeDocument/2006/relationships" xmlns:p="http://schemas.openxmlformats.org/presentationml/2006/main">
-  <p:cSld>
-    <p:spTree>
-      <p:nvGrpSpPr>
-        <p:cNvPr id="1" name=""/>
-        <p:cNvGrpSpPr/>
-        <p:nvPr/>
-      </p:nvGrpSpPr>
-      <p:grpSpPr>
-        <a:xfrm>
-          <a:off x="0" y="0"/>
-          <a:ext cx="0" cy="0"/>
-          <a:chOff x="0" y="0"/>
-          <a:chExt cx="0" cy="0"/>
-        </a:xfrm>
-      </p:grpSpPr>
-      <p:sp>
-        <p:nvSpPr>
-          <p:cNvPr id="2" name="Title 1"/>
-          <p:cNvSpPr>
-            <a:spLocks noGrp="1"/>
-          </p:cNvSpPr>
-          <p:nvPr>
-            <p:ph type="title"/>
-          </p:nvPr>
-        </p:nvSpPr>
-        <p:spPr/>
-        <p:txBody>
-          <a:bodyPr/>
-          <a:lstStyle/>
-          <a:p>
-            <a:pPr lvl="0" indent="0" marL="0">
-              <a:buNone/>
-            </a:pPr>
-            <a:r>
-              <a:rPr/>
-              <a:t>9. Technical Appendices</a:t>
-            </a:r>
-          </a:p>
-        </p:txBody>
-      </p:sp>
-      <p:sp>
-        <p:nvSpPr>
-          <p:cNvPr id="3" name="Content Placeholder 2"/>
-          <p:cNvSpPr>
-            <a:spLocks noGrp="1"/>
-          </p:cNvSpPr>
-          <p:nvPr>
-            <p:ph idx="1"/>
-          </p:nvPr>
-        </p:nvSpPr>
-        <p:spPr/>
-        <p:txBody>
-          <a:bodyPr/>
-          <a:lstStyle/>
-          <a:p>
-            <a:pPr lvl="0" indent="0" marL="0">
-              <a:spcBef>
-                <a:spcPts val="3000"/>
-              </a:spcBef>
-              <a:buNone/>
-            </a:pPr>
-            <a:r>
-              <a:rPr b="1"/>
-              <a:t>9.1 Complete File Structure</a:t>
-            </a:r>
-          </a:p>
-          <a:p>
-            <a:pPr lvl="0" indent="0">
-              <a:buNone/>
-            </a:pPr>
-            <a:r>
-              <a:rPr>
-                <a:latin typeface="Courier"/>
-              </a:rPr>
-              <a:t>RMB600_mini_project/
-├── robot_simulation.m          # Main simulation with MoveL/MoveJ
-├── test_functions.m            # Comprehensive test suite
-├── compare_movej_movel.m       # Performance comparison script
-├── generate_media_online.m     # Figure generation script
-├── robot/
-│   ├── test.urdf              # Robot model definition
-│   └── IRB1600/
-│       ├── base.stl           # 3D mesh files
-│       ├── link1.stl
-│       ├── link2.stl
-│       ├── link3.stl
-│       ├── link4.stl
-│       ├── link5.stl
-│       └── link6.stl
-├── figures/
-│   ├── fig1_error_message.png
-│   ├── fig3_test_results.png
-│   ├── fig4_movl_path.png
-│   ├── fig5_slerp_comparison.png
-│   ├── fig6_movej_path.png
-│   ├── fig8_frame_hierarchy.png
-│   ├── fig9_pentagon_path.png
-│   └── fig10_performance_chart.png
-├── FINAL_COMPREHENSIVE_REPORT.md    # This document
-├── PROJECT_REPORT.md                # Academic report
-├── COMPREHENSIVE_ARTICLE.md         # Detailed article
-├── PRESENTATION.md                  # Slide deck
-└── README.md                        # Quick start guide</a:t>
-            </a:r>
-          </a:p>
-          <a:p>
-            <a:pPr lvl="0" indent="0" marL="0">
-              <a:spcBef>
-                <a:spcPts val="3000"/>
-              </a:spcBef>
-              <a:buNone/>
-            </a:pPr>
-            <a:r>
-              <a:rPr b="1"/>
-              <a:t>9.2 Execution Instructions</a:t>
-            </a:r>
-          </a:p>
-          <a:p>
-            <a:pPr lvl="0" indent="0" marL="0">
-              <a:buNone/>
-            </a:pPr>
-            <a:r>
-              <a:rPr b="1"/>
-              <a:t>Quick Start:</a:t>
-            </a:r>
-          </a:p>
-          <a:p>
-            <a:pPr lvl="0" indent="-342900" marL="342900">
-              <a:buAutoNum type="arabicPeriod"/>
-            </a:pPr>
-            <a:r>
-              <a:rPr b="1"/>
-              <a:t>Load Robot Model:</a:t>
-            </a:r>
-          </a:p>
-          <a:p>
-            <a:pPr lvl="0" indent="0">
-              <a:buNone/>
-            </a:pPr>
-            <a:r>
-              <a:rPr>
-                <a:solidFill>
-                  <a:srgbClr val="19177C"/>
-                </a:solidFill>
-                <a:latin typeface="Courier"/>
-              </a:rPr>
-              <a:t>cd</a:t>
-            </a:r>
-            <a:r>
-              <a:rPr>
-                <a:latin typeface="Courier"/>
-              </a:rPr>
-              <a:t> </a:t>
-            </a:r>
-            <a:r>
-              <a:rPr>
-                <a:solidFill>
-                  <a:srgbClr val="BB6688"/>
-                </a:solidFill>
-                <a:latin typeface="Courier"/>
-              </a:rPr>
-              <a:t>'d:\Masters\Robotics\mini_project'</a:t>
-            </a:r>
-            <a:br/>
-            <a:r>
-              <a:rPr>
-                <a:solidFill>
-                  <a:srgbClr val="19177C"/>
-                </a:solidFill>
-                <a:latin typeface="Courier"/>
-              </a:rPr>
-              <a:t>robot_simulation</a:t>
-            </a:r>
-          </a:p>
-          <a:p>
-            <a:pPr lvl="0" indent="-342900" marL="342900">
-              <a:buAutoNum startAt="2" type="arabicPeriod"/>
-            </a:pPr>
-            <a:r>
-              <a:rPr b="1"/>
-              <a:t>Run Tests:</a:t>
-            </a:r>
-          </a:p>
-          <a:p>
-            <a:pPr lvl="0" indent="0">
-              <a:buNone/>
-            </a:pPr>
-            <a:r>
-              <a:rPr>
-                <a:solidFill>
-                  <a:srgbClr val="19177C"/>
-                </a:solidFill>
-                <a:latin typeface="Courier"/>
-              </a:rPr>
-              <a:t>test_functions</a:t>
-            </a:r>
-          </a:p>
-          <a:p>
-            <a:pPr lvl="0" indent="-342900" marL="342900">
-              <a:buAutoNum startAt="3" type="arabicPeriod"/>
-            </a:pPr>
-            <a:r>
-              <a:rPr b="1"/>
-              <a:t>Compare Motion Types:</a:t>
-            </a:r>
-          </a:p>
-          <a:p>
-            <a:pPr lvl="0" indent="0">
-              <a:buNone/>
-            </a:pPr>
-            <a:r>
-              <a:rPr>
-                <a:solidFill>
-                  <a:srgbClr val="19177C"/>
-                </a:solidFill>
-                <a:latin typeface="Courier"/>
-              </a:rPr>
-              <a:t>compare_movej_movel</a:t>
-            </a:r>
-          </a:p>
-          <a:p>
-            <a:pPr lvl="0" indent="-342900" marL="342900">
-              <a:buAutoNum startAt="4" type="arabicPeriod"/>
-            </a:pPr>
-            <a:r>
-              <a:rPr b="1"/>
-              <a:t>Generate All Figures:</a:t>
-            </a:r>
-          </a:p>
-          <a:p>
-            <a:pPr lvl="0" indent="0">
-              <a:buNone/>
-            </a:pPr>
-            <a:r>
-              <a:rPr>
-                <a:solidFill>
-                  <a:srgbClr val="19177C"/>
-                </a:solidFill>
-                <a:latin typeface="Courier"/>
-              </a:rPr>
-              <a:t>generate_media_online</a:t>
-            </a:r>
-          </a:p>
-          <a:p>
-            <a:pPr lvl="0" indent="0" marL="0">
-              <a:spcBef>
-                <a:spcPts val="3000"/>
-              </a:spcBef>
-              <a:buNone/>
-            </a:pPr>
-            <a:r>
-              <a:rPr b="1"/>
-              <a:t>9.3 System Requirements</a:t>
-            </a:r>
-          </a:p>
-          <a:p>
-            <a:pPr lvl="0" indent="0" marL="0">
-              <a:buNone/>
-            </a:pPr>
-            <a:r>
-              <a:rPr b="1"/>
-              <a:t>Minimum Requirements:</a:t>
-            </a:r>
-            <a:r>
-              <a:rPr/>
-              <a:t> - MATLAB R2020a or newer - Robotics System Toolbox - 4 GB RAM - 500 MB disk space</a:t>
-            </a:r>
-          </a:p>
-          <a:p>
-            <a:pPr lvl="0" indent="0" marL="0">
-              <a:buNone/>
-            </a:pPr>
-            <a:r>
-              <a:rPr b="1"/>
-              <a:t>Recommended:</a:t>
-            </a:r>
-            <a:r>
-              <a:rPr/>
-              <a:t> - MATLAB R2023b (latest features) - 8 GB RAM (smoother visualization) - GPU (optional, for faster rendering)</a:t>
-            </a:r>
-          </a:p>
-          <a:p>
-            <a:pPr lvl="0" indent="0" marL="0">
-              <a:spcBef>
-                <a:spcPts val="3000"/>
-              </a:spcBef>
-              <a:buNone/>
-            </a:pPr>
-            <a:r>
-              <a:rPr b="1"/>
-              <a:t>9.4 Known Issues and Solutions</a:t>
-            </a:r>
-          </a:p>
-          <a:p>
-            <a:pPr lvl="0" indent="0" marL="0">
-              <a:buNone/>
-            </a:pPr>
-            <a:r>
-              <a:rPr b="1"/>
-              <a:t>Issue 1: Joint Limit Warnings</a:t>
-            </a:r>
-          </a:p>
-          <a:p>
-            <a:pPr lvl="0" indent="0">
-              <a:buNone/>
-            </a:pPr>
-            <a:r>
-              <a:rPr>
-                <a:latin typeface="Courier"/>
-              </a:rPr>
-              <a:t>Warning: The provided robot configuration violates the predefined joint limits.</a:t>
-            </a:r>
-          </a:p>
-          <a:p>
-            <a:pPr lvl="0" indent="0" marL="0">
-              <a:buNone/>
-            </a:pPr>
-            <a:r>
-              <a:rPr b="1"/>
-              <a:t>Solution</a:t>
-            </a:r>
-            <a:r>
-              <a:rPr/>
-              <a:t>: Updated URDF with realistic ABB IRB1600 limits (±180° for most joints).</a:t>
-            </a:r>
-          </a:p>
-          <a:p>
-            <a:pPr lvl="0" indent="0" marL="0">
-              <a:buNone/>
-            </a:pPr>
-            <a:r>
-              <a:rPr b="1"/>
-              <a:t>Issue 2: Figure Generation Stuck</a:t>
-            </a:r>
-          </a:p>
-          <a:p>
-            <a:pPr lvl="0" indent="0">
-              <a:buNone/>
-            </a:pPr>
-            <a:r>
-              <a:rPr>
-                <a:latin typeface="Courier"/>
-              </a:rPr>
-              <a:t>Script hangs at Figure 2 generation...</a:t>
-            </a:r>
-          </a:p>
-          <a:p>
-            <a:pPr lvl="0" indent="0" marL="0">
-              <a:buNone/>
-            </a:pPr>
-            <a:r>
-              <a:rPr b="1"/>
-              <a:t>Solution</a:t>
-            </a:r>
-            <a:r>
-              <a:rPr/>
-              <a:t>: Removed premature robot_simulation.m call, added inline function definition.</a:t>
-            </a:r>
-          </a:p>
-          <a:p>
-            <a:pPr lvl="0" indent="0" marL="0">
-              <a:buNone/>
-            </a:pPr>
-            <a:r>
-              <a:rPr b="1"/>
-              <a:t>Issue 3: Nested Figures Directory</a:t>
-            </a:r>
-          </a:p>
-          <a:p>
-            <a:pPr lvl="0" indent="0">
-              <a:buNone/>
-            </a:pPr>
-            <a:r>
-              <a:rPr>
-                <a:latin typeface="Courier"/>
-              </a:rPr>
-              <a:t>Figures saved to figures/figures/ instead of figures/</a:t>
-            </a:r>
-          </a:p>
-          <a:p>
-            <a:pPr lvl="0" indent="0" marL="0">
-              <a:buNone/>
-            </a:pPr>
-            <a:r>
-              <a:rPr b="1"/>
-              <a:t>Solution</a:t>
-            </a:r>
-            <a:r>
-              <a:rPr/>
-              <a:t>: Reorganized directory structure, consolidated all PNGs to </a:t>
-            </a:r>
-            <a:r>
-              <a:rPr>
-                <a:latin typeface="Courier"/>
-              </a:rPr>
-              <a:t>figures/</a:t>
-            </a:r>
-            <a:r>
-              <a:rPr/>
-              <a:t>.</a:t>
-            </a:r>
-          </a:p>
-          <a:p>
-            <a:pPr lvl="0" indent="0" marL="0">
-              <a:spcBef>
-                <a:spcPts val="3000"/>
-              </a:spcBef>
-              <a:buNone/>
-            </a:pPr>
-            <a:r>
-              <a:rPr b="1"/>
-              <a:t>9.5 Contact and Support</a:t>
-            </a:r>
-          </a:p>
-          <a:p>
-            <a:pPr lvl="0" indent="0" marL="0">
-              <a:buNone/>
-            </a:pPr>
-            <a:r>
-              <a:rPr b="1"/>
-              <a:t>Project Repository</a:t>
-            </a:r>
-            <a:r>
-              <a:rPr/>
-              <a:t>: github.com/abhi-mdu/RMB600_mini_project</a:t>
-            </a:r>
-            <a:br/>
-            <a:r>
-              <a:rPr b="1"/>
-              <a:t>Course</a:t>
-            </a:r>
-            <a:r>
-              <a:rPr/>
-              <a:t>: RMB600 - Advanced Robotics</a:t>
-            </a:r>
-            <a:br/>
-            <a:r>
-              <a:rPr b="1"/>
-              <a:t>Institution</a:t>
-            </a:r>
-            <a:r>
-              <a:rPr/>
-              <a:t>: Masters Program in Robotics</a:t>
-            </a:r>
-            <a:br/>
-            <a:r>
-              <a:rPr b="1"/>
-              <a:t>Date</a:t>
-            </a:r>
-            <a:r>
-              <a:rPr/>
-              <a:t>: January 2026</a:t>
-            </a:r>
-          </a:p>
-          <a:p>
-            <a:pPr lvl="0" indent="0" marL="0">
-              <a:buNone/>
-            </a:pPr>
-            <a:r>
-              <a:rPr/>
-              <a:t>For questions or issues, please open a GitHub issue or contact through the course portal.</a:t>
-            </a:r>
-          </a:p>
-        </p:txBody>
-      </p:sp>
-    </p:spTree>
-  </p:cSld>
-</p:sld>
-</file>
-
-<file path=ppt/slides/slide27.xml><?xml version="1.0" encoding="utf-8"?>
-<p:sld xmlns:a="http://schemas.openxmlformats.org/drawingml/2006/main" xmlns:r="http://schemas.openxmlformats.org/officeDocument/2006/relationships" xmlns:p="http://schemas.openxmlformats.org/presentationml/2006/main">
-  <p:cSld>
-    <p:spTree>
-      <p:nvGrpSpPr>
-        <p:cNvPr id="1" name=""/>
-        <p:cNvGrpSpPr/>
-        <p:nvPr/>
-      </p:nvGrpSpPr>
-      <p:grpSpPr>
-        <a:xfrm>
-          <a:off x="0" y="0"/>
-          <a:ext cx="0" cy="0"/>
-          <a:chOff x="0" y="0"/>
-          <a:chExt cx="0" cy="0"/>
-        </a:xfrm>
-      </p:grpSpPr>
-      <p:sp>
-        <p:nvSpPr>
-          <p:cNvPr id="2" name="Title 1"/>
-          <p:cNvSpPr>
-            <a:spLocks noGrp="1"/>
-          </p:cNvSpPr>
-          <p:nvPr>
-            <p:ph type="title"/>
-          </p:nvPr>
-        </p:nvSpPr>
-        <p:spPr/>
-        <p:txBody>
-          <a:bodyPr/>
-          <a:lstStyle/>
-          <a:p>
-            <a:pPr lvl="0" indent="0" marL="0">
-              <a:buNone/>
-            </a:pPr>
-            <a:r>
-              <a:rPr/>
-              <a:t>Acknowledgments</a:t>
-            </a:r>
-          </a:p>
-        </p:txBody>
-      </p:sp>
-      <p:sp>
-        <p:nvSpPr>
-          <p:cNvPr id="3" name="Content Placeholder 2"/>
-          <p:cNvSpPr>
-            <a:spLocks noGrp="1"/>
-          </p:cNvSpPr>
-          <p:nvPr>
-            <p:ph idx="1"/>
-          </p:nvPr>
-        </p:nvSpPr>
-        <p:spPr/>
-        <p:txBody>
-          <a:bodyPr/>
-          <a:lstStyle/>
-          <a:p>
-            <a:pPr lvl="0" indent="0" marL="0">
-              <a:buNone/>
-            </a:pPr>
-            <a:r>
-              <a:rPr/>
-              <a:t>This project was completed as part of the RMB600 course requirements. Special thanks to:</a:t>
-            </a:r>
-          </a:p>
-          <a:p>
-            <a:pPr lvl="0"/>
-            <a:r>
-              <a:rPr b="1"/>
-              <a:t>Course Instructors</a:t>
-            </a:r>
-            <a:r>
-              <a:rPr/>
-              <a:t>: For providing the initial RAPID code and project framework</a:t>
-            </a:r>
-          </a:p>
-          <a:p>
-            <a:pPr lvl="0"/>
-            <a:r>
-              <a:rPr b="1"/>
-              <a:t>MATLAB Documentation</a:t>
-            </a:r>
-            <a:r>
-              <a:rPr/>
-              <a:t>: For comprehensive Robotics System Toolbox examples</a:t>
-            </a:r>
-          </a:p>
-          <a:p>
-            <a:pPr lvl="0"/>
-            <a:r>
-              <a:rPr b="1"/>
-              <a:t>ABB Robotics</a:t>
-            </a:r>
-            <a:r>
-              <a:rPr/>
-              <a:t>: For publicly available IRB1600 specifications</a:t>
-            </a:r>
-          </a:p>
-          <a:p>
-            <a:pPr lvl="0"/>
-            <a:r>
-              <a:rPr b="1"/>
-              <a:t>Open Source Community</a:t>
-            </a:r>
-            <a:r>
-              <a:rPr/>
-              <a:t>: For URDF parsing and visualization tools</a:t>
             </a:r>
           </a:p>
         </p:txBody>
@@ -17246,7 +17210,7 @@
             </a:pPr>
             <a:r>
               <a:rPr/>
-              <a:t>References</a:t>
+              <a:t>9. Technical Appendices</a:t>
             </a:r>
           </a:p>
         </p:txBody>
@@ -17266,122 +17230,412 @@
           <a:bodyPr/>
           <a:lstStyle/>
           <a:p>
+            <a:pPr lvl="0" indent="0" marL="0">
+              <a:spcBef>
+                <a:spcPts val="3000"/>
+              </a:spcBef>
+              <a:buNone/>
+            </a:pPr>
+            <a:r>
+              <a:rPr b="1"/>
+              <a:t>9.1 Complete File Structure</a:t>
+            </a:r>
+          </a:p>
+          <a:p>
+            <a:pPr lvl="0" indent="0">
+              <a:buNone/>
+            </a:pPr>
+            <a:r>
+              <a:rPr>
+                <a:latin typeface="Courier"/>
+              </a:rPr>
+              <a:t>RMB600_mini_project/
+├── robot_simulation.m          # Main simulation with MoveL/MoveJ
+├── test_functions.m            # Comprehensive test suite
+├── compare_movej_movel.m       # Performance comparison script
+├── generate_media_online.m     # Figure generation script
+├── robot/
+│   ├── test.urdf              # Robot model definition
+│   └── IRB1600/
+│       ├── base.stl           # 3D mesh files
+│       ├── link1.stl
+│       ├── link2.stl
+│       ├── link3.stl
+│       ├── link4.stl
+│       ├── link5.stl
+│       └── link6.stl
+├── figures/
+│   ├── fig1_error_message.png
+│   ├── fig3_test_results.png
+│   ├── fig4_movl_path.png
+│   ├── fig5_slerp_comparison.png
+│   ├── fig6_movej_path.png
+│   ├── fig8_frame_hierarchy.png
+│   ├── fig9_pentagon_path.png
+│   └── fig10_performance_chart.png
+├── FINAL_COMPREHENSIVE_REPORT.md    # This document
+├── PROJECT_REPORT.md                # Academic report
+├── COMPREHENSIVE_ARTICLE.md         # Detailed article
+├── PRESENTATION.md                  # Slide deck
+└── README.md                        # Quick start guide</a:t>
+            </a:r>
+          </a:p>
+          <a:p>
+            <a:pPr lvl="0" indent="0" marL="0">
+              <a:spcBef>
+                <a:spcPts val="3000"/>
+              </a:spcBef>
+              <a:buNone/>
+            </a:pPr>
+            <a:r>
+              <a:rPr b="1"/>
+              <a:t>9.2 Execution Instructions</a:t>
+            </a:r>
+          </a:p>
+          <a:p>
+            <a:pPr lvl="0" indent="0" marL="0">
+              <a:buNone/>
+            </a:pPr>
+            <a:r>
+              <a:rPr b="1"/>
+              <a:t>Quick Start:</a:t>
+            </a:r>
+          </a:p>
+          <a:p>
             <a:pPr lvl="0" indent="-342900" marL="342900">
               <a:buAutoNum type="arabicPeriod"/>
             </a:pPr>
             <a:r>
-              <a:rPr/>
-              <a:t>ABB Robotics. (2023). </a:t>
-            </a:r>
-            <a:r>
-              <a:rPr i="1"/>
-              <a:t>IRB 1600 Product Manual</a:t>
-            </a:r>
-            <a:r>
-              <a:rPr/>
-              <a:t>. ABB Inc.</a:t>
+              <a:rPr b="1"/>
+              <a:t>Load Robot Model:</a:t>
+            </a:r>
+          </a:p>
+          <a:p>
+            <a:pPr lvl="0" indent="0">
+              <a:buNone/>
+            </a:pPr>
+            <a:r>
+              <a:rPr>
+                <a:solidFill>
+                  <a:srgbClr val="19177C"/>
+                </a:solidFill>
+                <a:latin typeface="Courier"/>
+              </a:rPr>
+              <a:t>cd</a:t>
+            </a:r>
+            <a:r>
+              <a:rPr>
+                <a:latin typeface="Courier"/>
+              </a:rPr>
+              <a:t> </a:t>
+            </a:r>
+            <a:r>
+              <a:rPr>
+                <a:solidFill>
+                  <a:srgbClr val="BB6688"/>
+                </a:solidFill>
+                <a:latin typeface="Courier"/>
+              </a:rPr>
+              <a:t>'d:\Masters\Robotics\mini_project'</a:t>
+            </a:r>
+            <a:br/>
+            <a:r>
+              <a:rPr>
+                <a:solidFill>
+                  <a:srgbClr val="19177C"/>
+                </a:solidFill>
+                <a:latin typeface="Courier"/>
+              </a:rPr>
+              <a:t>robot_simulation</a:t>
             </a:r>
           </a:p>
           <a:p>
             <a:pPr lvl="0" indent="-342900" marL="342900">
-              <a:buAutoNum type="arabicPeriod"/>
-            </a:pPr>
-            <a:r>
-              <a:rPr/>
-              <a:t>Shoemake, K. (1985). “Animating rotation with quaternion curves”. </a:t>
-            </a:r>
-            <a:r>
-              <a:rPr i="1"/>
-              <a:t>SIGGRAPH Computer Graphics</a:t>
-            </a:r>
-            <a:r>
-              <a:rPr/>
-              <a:t>, 19(3), 245-254.</a:t>
+              <a:buAutoNum startAt="2" type="arabicPeriod"/>
+            </a:pPr>
+            <a:r>
+              <a:rPr b="1"/>
+              <a:t>Run Tests:</a:t>
+            </a:r>
+          </a:p>
+          <a:p>
+            <a:pPr lvl="0" indent="0">
+              <a:buNone/>
+            </a:pPr>
+            <a:r>
+              <a:rPr>
+                <a:solidFill>
+                  <a:srgbClr val="19177C"/>
+                </a:solidFill>
+                <a:latin typeface="Courier"/>
+              </a:rPr>
+              <a:t>test_functions</a:t>
             </a:r>
           </a:p>
           <a:p>
             <a:pPr lvl="0" indent="-342900" marL="342900">
-              <a:buAutoNum type="arabicPeriod"/>
-            </a:pPr>
-            <a:r>
-              <a:rPr/>
-              <a:t>MathWorks. (2023). </a:t>
-            </a:r>
-            <a:r>
-              <a:rPr i="1"/>
-              <a:t>Robotics System Toolbox Documentation</a:t>
-            </a:r>
-            <a:r>
-              <a:rPr/>
-              <a:t>. Retrieved from https://www.mathworks.com/help/robotics/</a:t>
+              <a:buAutoNum startAt="3" type="arabicPeriod"/>
+            </a:pPr>
+            <a:r>
+              <a:rPr b="1"/>
+              <a:t>Compare Motion Types:</a:t>
+            </a:r>
+          </a:p>
+          <a:p>
+            <a:pPr lvl="0" indent="0">
+              <a:buNone/>
+            </a:pPr>
+            <a:r>
+              <a:rPr>
+                <a:solidFill>
+                  <a:srgbClr val="19177C"/>
+                </a:solidFill>
+                <a:latin typeface="Courier"/>
+              </a:rPr>
+              <a:t>compare_movej_movel</a:t>
             </a:r>
           </a:p>
           <a:p>
             <a:pPr lvl="0" indent="-342900" marL="342900">
-              <a:buAutoNum type="arabicPeriod"/>
-            </a:pPr>
-            <a:r>
-              <a:rPr/>
-              <a:t>Craig, J. J. (2017). </a:t>
-            </a:r>
-            <a:r>
-              <a:rPr i="1"/>
-              <a:t>Introduction to Robotics: Mechanics and Control</a:t>
-            </a:r>
-            <a:r>
-              <a:rPr/>
-              <a:t> (4th ed.). Pearson.</a:t>
-            </a:r>
-          </a:p>
-          <a:p>
-            <a:pPr lvl="0" indent="-342900" marL="342900">
-              <a:buAutoNum type="arabicPeriod"/>
-            </a:pPr>
-            <a:r>
-              <a:rPr/>
-              <a:t>Siciliano, B., Sciavicco, L., Villani, L., &amp; Oriolo, G. (2010). </a:t>
-            </a:r>
-            <a:r>
-              <a:rPr i="1"/>
-              <a:t>Robotics: Modelling, Planning and Control</a:t>
-            </a:r>
-            <a:r>
-              <a:rPr/>
-              <a:t>. Springer.</a:t>
-            </a:r>
-          </a:p>
-          <a:p>
-            <a:pPr lvl="0" indent="-342900" marL="342900">
-              <a:buAutoNum type="arabicPeriod"/>
-            </a:pPr>
-            <a:r>
-              <a:rPr/>
-              <a:t>Corke, P. (2017). </a:t>
-            </a:r>
-            <a:r>
-              <a:rPr i="1"/>
-              <a:t>Robotics, Vision and Control: Fundamental Algorithms in MATLAB</a:t>
-            </a:r>
-            <a:r>
-              <a:rPr/>
-              <a:t> (2nd ed.). Springer.</a:t>
-            </a:r>
-          </a:p>
-          <a:p>
-            <a:pPr lvl="0" indent="-342900" marL="342900">
-              <a:buAutoNum type="arabicPeriod"/>
-            </a:pPr>
-            <a:r>
-              <a:rPr/>
-              <a:t>Lynch, K. M., &amp; Park, F. C. (2017). </a:t>
-            </a:r>
-            <a:r>
-              <a:rPr i="1"/>
-              <a:t>Modern Robotics: Mechanics, Planning, and Control</a:t>
-            </a:r>
-            <a:r>
-              <a:rPr/>
-              <a:t>. Cambridge University Press.</a:t>
+              <a:buAutoNum startAt="4" type="arabicPeriod"/>
+            </a:pPr>
+            <a:r>
+              <a:rPr b="1"/>
+              <a:t>Generate All Figures:</a:t>
+            </a:r>
+          </a:p>
+          <a:p>
+            <a:pPr lvl="0" indent="0">
+              <a:buNone/>
+            </a:pPr>
+            <a:r>
+              <a:rPr>
+                <a:solidFill>
+                  <a:srgbClr val="19177C"/>
+                </a:solidFill>
+                <a:latin typeface="Courier"/>
+              </a:rPr>
+              <a:t>generate_media_online</a:t>
+            </a:r>
+          </a:p>
+          <a:p>
+            <a:pPr lvl="0" indent="0" marL="0">
+              <a:spcBef>
+                <a:spcPts val="3000"/>
+              </a:spcBef>
+              <a:buNone/>
+            </a:pPr>
+            <a:r>
+              <a:rPr b="1"/>
+              <a:t>9.3 System Requirements</a:t>
+            </a:r>
+          </a:p>
+          <a:p>
+            <a:pPr lvl="0" indent="0" marL="0">
+              <a:buNone/>
+            </a:pPr>
+            <a:r>
+              <a:rPr b="1"/>
+              <a:t>Minimum Requirements:</a:t>
+            </a:r>
+            <a:r>
+              <a:rPr/>
+              <a:t> - MATLAB R2020a or newer - Robotics System Toolbox - 4 GB RAM - 500 MB disk space</a:t>
+            </a:r>
+          </a:p>
+          <a:p>
+            <a:pPr lvl="0" indent="0" marL="0">
+              <a:buNone/>
+            </a:pPr>
+            <a:r>
+              <a:rPr b="1"/>
+              <a:t>Recommended:</a:t>
+            </a:r>
+            <a:r>
+              <a:rPr/>
+              <a:t> - MATLAB R2023b (latest features) - 8 GB RAM (smoother visualization) - GPU (optional, for faster rendering)</a:t>
+            </a:r>
+          </a:p>
+          <a:p>
+            <a:pPr lvl="0" indent="0" marL="0">
+              <a:spcBef>
+                <a:spcPts val="3000"/>
+              </a:spcBef>
+              <a:buNone/>
+            </a:pPr>
+            <a:r>
+              <a:rPr b="1"/>
+              <a:t>9.4 Known Issues and Solutions</a:t>
+            </a:r>
+          </a:p>
+          <a:p>
+            <a:pPr lvl="0" indent="0" marL="0">
+              <a:buNone/>
+            </a:pPr>
+            <a:r>
+              <a:rPr b="1"/>
+              <a:t>Issue 1: Joint Limit Warnings</a:t>
+            </a:r>
+          </a:p>
+          <a:p>
+            <a:pPr lvl="0" indent="0">
+              <a:buNone/>
+            </a:pPr>
+            <a:r>
+              <a:rPr>
+                <a:latin typeface="Courier"/>
+              </a:rPr>
+              <a:t>Warning: The provided robot configuration violates the predefined joint limits.</a:t>
+            </a:r>
+          </a:p>
+          <a:p>
+            <a:pPr lvl="0" indent="0" marL="0">
+              <a:buNone/>
+            </a:pPr>
+            <a:r>
+              <a:rPr b="1"/>
+              <a:t>Solution</a:t>
+            </a:r>
+            <a:r>
+              <a:rPr/>
+              <a:t>: Updated URDF with realistic ABB IRB1600 limits (±180° for most joints).</a:t>
+            </a:r>
+          </a:p>
+          <a:p>
+            <a:pPr lvl="0" indent="0" marL="0">
+              <a:buNone/>
+            </a:pPr>
+            <a:r>
+              <a:rPr b="1"/>
+              <a:t>Issue 2: Figure Generation Stuck</a:t>
+            </a:r>
+          </a:p>
+          <a:p>
+            <a:pPr lvl="0" indent="0">
+              <a:buNone/>
+            </a:pPr>
+            <a:r>
+              <a:rPr>
+                <a:latin typeface="Courier"/>
+              </a:rPr>
+              <a:t>Script hangs at Figure 2 generation...</a:t>
+            </a:r>
+          </a:p>
+          <a:p>
+            <a:pPr lvl="0" indent="0" marL="0">
+              <a:buNone/>
+            </a:pPr>
+            <a:r>
+              <a:rPr b="1"/>
+              <a:t>Solution</a:t>
+            </a:r>
+            <a:r>
+              <a:rPr/>
+              <a:t>: Removed premature robot_simulation.m call, added inline function definition.</a:t>
+            </a:r>
+          </a:p>
+          <a:p>
+            <a:pPr lvl="0" indent="0" marL="0">
+              <a:buNone/>
+            </a:pPr>
+            <a:r>
+              <a:rPr b="1"/>
+              <a:t>Issue 3: Nested Figures Directory</a:t>
+            </a:r>
+          </a:p>
+          <a:p>
+            <a:pPr lvl="0" indent="0">
+              <a:buNone/>
+            </a:pPr>
+            <a:r>
+              <a:rPr>
+                <a:latin typeface="Courier"/>
+              </a:rPr>
+              <a:t>Figures saved to figures/figures/ instead of figures/</a:t>
+            </a:r>
+          </a:p>
+          <a:p>
+            <a:pPr lvl="0" indent="0" marL="0">
+              <a:buNone/>
+            </a:pPr>
+            <a:r>
+              <a:rPr b="1"/>
+              <a:t>Solution</a:t>
+            </a:r>
+            <a:r>
+              <a:rPr/>
+              <a:t>: Reorganized directory structure, consolidated all PNGs to </a:t>
+            </a:r>
+            <a:r>
+              <a:rPr>
+                <a:latin typeface="Courier"/>
+              </a:rPr>
+              <a:t>figures/</a:t>
+            </a:r>
+            <a:r>
+              <a:rPr/>
+              <a:t>.</a:t>
+            </a:r>
+          </a:p>
+          <a:p>
+            <a:pPr lvl="0" indent="0" marL="0">
+              <a:spcBef>
+                <a:spcPts val="3000"/>
+              </a:spcBef>
+              <a:buNone/>
+            </a:pPr>
+            <a:r>
+              <a:rPr b="1"/>
+              <a:t>9.5 Contact and Support</a:t>
+            </a:r>
+          </a:p>
+          <a:p>
+            <a:pPr lvl="0" indent="0" marL="0">
+              <a:buNone/>
+            </a:pPr>
+            <a:r>
+              <a:rPr b="1"/>
+              <a:t>Project Repository</a:t>
+            </a:r>
+            <a:r>
+              <a:rPr/>
+              <a:t>: github.com/abhi-mdu/RMB600_mini_project</a:t>
+            </a:r>
+            <a:br/>
+            <a:r>
+              <a:rPr b="1"/>
+              <a:t>Course</a:t>
+            </a:r>
+            <a:r>
+              <a:rPr/>
+              <a:t>: RMB600 - Advanced Robotics</a:t>
+            </a:r>
+            <a:br/>
+            <a:r>
+              <a:rPr b="1"/>
+              <a:t>Institution</a:t>
+            </a:r>
+            <a:r>
+              <a:rPr/>
+              <a:t>: Masters Program in Robotics</a:t>
+            </a:r>
+            <a:br/>
+            <a:r>
+              <a:rPr b="1"/>
+              <a:t>Date</a:t>
+            </a:r>
+            <a:r>
+              <a:rPr/>
+              <a:t>: January 2026</a:t>
+            </a:r>
+          </a:p>
+          <a:p>
+            <a:pPr lvl="0" indent="0" marL="0">
+              <a:buNone/>
+            </a:pPr>
+            <a:r>
+              <a:rPr/>
+              <a:t>For questions or issues, please open a GitHub issue or contact through the course portal.</a:t>
             </a:r>
           </a:p>
         </p:txBody>
@@ -17410,6 +17664,31 @@
       </p:grpSpPr>
       <p:sp>
         <p:nvSpPr>
+          <p:cNvPr id="2" name="Title 1"/>
+          <p:cNvSpPr>
+            <a:spLocks noGrp="1"/>
+          </p:cNvSpPr>
+          <p:nvPr>
+            <p:ph type="title"/>
+          </p:nvPr>
+        </p:nvSpPr>
+        <p:spPr/>
+        <p:txBody>
+          <a:bodyPr/>
+          <a:lstStyle/>
+          <a:p>
+            <a:pPr lvl="0" indent="0" marL="0">
+              <a:buNone/>
+            </a:pPr>
+            <a:r>
+              <a:rPr/>
+              <a:t>Acknowledgments</a:t>
+            </a:r>
+          </a:p>
+        </p:txBody>
+      </p:sp>
+      <p:sp>
+        <p:nvSpPr>
           <p:cNvPr id="3" name="Content Placeholder 2"/>
           <p:cNvSpPr>
             <a:spLocks noGrp="1"/>
@@ -17427,60 +17706,52 @@
               <a:buNone/>
             </a:pPr>
             <a:r>
-              <a:rPr b="1"/>
-              <a:t>Document Information:</a:t>
-            </a:r>
-            <a:r>
-              <a:rPr/>
-              <a:t> - </a:t>
-            </a:r>
-            <a:r>
-              <a:rPr b="1"/>
-              <a:t>Version</a:t>
-            </a:r>
-            <a:r>
-              <a:rPr/>
-              <a:t>: 1.0 (Final) - </a:t>
-            </a:r>
-            <a:r>
-              <a:rPr b="1"/>
-              <a:t>Generated</a:t>
-            </a:r>
-            <a:r>
-              <a:rPr/>
-              <a:t>: January 15, 2026 - </a:t>
-            </a:r>
-            <a:r>
-              <a:rPr b="1"/>
-              <a:t>Format</a:t>
-            </a:r>
-            <a:r>
-              <a:rPr/>
-              <a:t>: Markdown with embedded PNG figures - </a:t>
-            </a:r>
-            <a:r>
-              <a:rPr b="1"/>
-              <a:t>Page Count</a:t>
-            </a:r>
-            <a:r>
-              <a:rPr/>
-              <a:t>: ~45 pages (when rendered to PDF) - </a:t>
-            </a:r>
-            <a:r>
-              <a:rPr b="1"/>
-              <a:t>Word Count</a:t>
-            </a:r>
-            <a:r>
-              <a:rPr/>
-              <a:t>: ~12,500 words - </a:t>
-            </a:r>
-            <a:r>
-              <a:rPr b="1"/>
-              <a:t>Figure Count</a:t>
-            </a:r>
-            <a:r>
-              <a:rPr/>
-              <a:t>: 8 high-resolution PNG images</a:t>
+              <a:rPr/>
+              <a:t>This project was completed as part of the RMB600 course requirements. Special thanks to:</a:t>
+            </a:r>
+          </a:p>
+          <a:p>
+            <a:pPr lvl="0"/>
+            <a:r>
+              <a:rPr b="1"/>
+              <a:t>Course Instructors</a:t>
+            </a:r>
+            <a:r>
+              <a:rPr/>
+              <a:t>: For providing the initial RAPID code and project framework</a:t>
+            </a:r>
+          </a:p>
+          <a:p>
+            <a:pPr lvl="0"/>
+            <a:r>
+              <a:rPr b="1"/>
+              <a:t>MATLAB Documentation</a:t>
+            </a:r>
+            <a:r>
+              <a:rPr/>
+              <a:t>: For comprehensive Robotics System Toolbox examples</a:t>
+            </a:r>
+          </a:p>
+          <a:p>
+            <a:pPr lvl="0"/>
+            <a:r>
+              <a:rPr b="1"/>
+              <a:t>ABB Robotics</a:t>
+            </a:r>
+            <a:r>
+              <a:rPr/>
+              <a:t>: For publicly available IRB1600 specifications</a:t>
+            </a:r>
+          </a:p>
+          <a:p>
+            <a:pPr lvl="0"/>
+            <a:r>
+              <a:rPr b="1"/>
+              <a:t>Open Source Community</a:t>
+            </a:r>
+            <a:r>
+              <a:rPr/>
+              <a:t>: For URDF parsing and visualization tools</a:t>
             </a:r>
           </a:p>
         </p:txBody>
@@ -17596,6 +17867,287 @@
       </p:grpSpPr>
       <p:sp>
         <p:nvSpPr>
+          <p:cNvPr id="2" name="Title 1"/>
+          <p:cNvSpPr>
+            <a:spLocks noGrp="1"/>
+          </p:cNvSpPr>
+          <p:nvPr>
+            <p:ph type="title"/>
+          </p:nvPr>
+        </p:nvSpPr>
+        <p:spPr/>
+        <p:txBody>
+          <a:bodyPr/>
+          <a:lstStyle/>
+          <a:p>
+            <a:pPr lvl="0" indent="0" marL="0">
+              <a:buNone/>
+            </a:pPr>
+            <a:r>
+              <a:rPr/>
+              <a:t>References</a:t>
+            </a:r>
+          </a:p>
+        </p:txBody>
+      </p:sp>
+      <p:sp>
+        <p:nvSpPr>
+          <p:cNvPr id="3" name="Content Placeholder 2"/>
+          <p:cNvSpPr>
+            <a:spLocks noGrp="1"/>
+          </p:cNvSpPr>
+          <p:nvPr>
+            <p:ph idx="1"/>
+          </p:nvPr>
+        </p:nvSpPr>
+        <p:spPr/>
+        <p:txBody>
+          <a:bodyPr/>
+          <a:lstStyle/>
+          <a:p>
+            <a:pPr lvl="0" indent="-342900" marL="342900">
+              <a:buAutoNum type="arabicPeriod"/>
+            </a:pPr>
+            <a:r>
+              <a:rPr/>
+              <a:t>ABB Robotics. (2023). </a:t>
+            </a:r>
+            <a:r>
+              <a:rPr i="1"/>
+              <a:t>IRB 1600 Product Manual</a:t>
+            </a:r>
+            <a:r>
+              <a:rPr/>
+              <a:t>. ABB Inc.</a:t>
+            </a:r>
+          </a:p>
+          <a:p>
+            <a:pPr lvl="0" indent="-342900" marL="342900">
+              <a:buAutoNum type="arabicPeriod"/>
+            </a:pPr>
+            <a:r>
+              <a:rPr/>
+              <a:t>Shoemake, K. (1985). “Animating rotation with quaternion curves”. </a:t>
+            </a:r>
+            <a:r>
+              <a:rPr i="1"/>
+              <a:t>SIGGRAPH Computer Graphics</a:t>
+            </a:r>
+            <a:r>
+              <a:rPr/>
+              <a:t>, 19(3), 245-254.</a:t>
+            </a:r>
+          </a:p>
+          <a:p>
+            <a:pPr lvl="0" indent="-342900" marL="342900">
+              <a:buAutoNum type="arabicPeriod"/>
+            </a:pPr>
+            <a:r>
+              <a:rPr/>
+              <a:t>MathWorks. (2023). </a:t>
+            </a:r>
+            <a:r>
+              <a:rPr i="1"/>
+              <a:t>Robotics System Toolbox Documentation</a:t>
+            </a:r>
+            <a:r>
+              <a:rPr/>
+              <a:t>. Retrieved from https://www.mathworks.com/help/robotics/</a:t>
+            </a:r>
+          </a:p>
+          <a:p>
+            <a:pPr lvl="0" indent="-342900" marL="342900">
+              <a:buAutoNum type="arabicPeriod"/>
+            </a:pPr>
+            <a:r>
+              <a:rPr/>
+              <a:t>Craig, J. J. (2017). </a:t>
+            </a:r>
+            <a:r>
+              <a:rPr i="1"/>
+              <a:t>Introduction to Robotics: Mechanics and Control</a:t>
+            </a:r>
+            <a:r>
+              <a:rPr/>
+              <a:t> (4th ed.). Pearson.</a:t>
+            </a:r>
+          </a:p>
+          <a:p>
+            <a:pPr lvl="0" indent="-342900" marL="342900">
+              <a:buAutoNum type="arabicPeriod"/>
+            </a:pPr>
+            <a:r>
+              <a:rPr/>
+              <a:t>Siciliano, B., Sciavicco, L., Villani, L., &amp; Oriolo, G. (2010). </a:t>
+            </a:r>
+            <a:r>
+              <a:rPr i="1"/>
+              <a:t>Robotics: Modelling, Planning and Control</a:t>
+            </a:r>
+            <a:r>
+              <a:rPr/>
+              <a:t>. Springer.</a:t>
+            </a:r>
+          </a:p>
+          <a:p>
+            <a:pPr lvl="0" indent="-342900" marL="342900">
+              <a:buAutoNum type="arabicPeriod"/>
+            </a:pPr>
+            <a:r>
+              <a:rPr/>
+              <a:t>Corke, P. (2017). </a:t>
+            </a:r>
+            <a:r>
+              <a:rPr i="1"/>
+              <a:t>Robotics, Vision and Control: Fundamental Algorithms in MATLAB</a:t>
+            </a:r>
+            <a:r>
+              <a:rPr/>
+              <a:t> (2nd ed.). Springer.</a:t>
+            </a:r>
+          </a:p>
+          <a:p>
+            <a:pPr lvl="0" indent="-342900" marL="342900">
+              <a:buAutoNum type="arabicPeriod"/>
+            </a:pPr>
+            <a:r>
+              <a:rPr/>
+              <a:t>Lynch, K. M., &amp; Park, F. C. (2017). </a:t>
+            </a:r>
+            <a:r>
+              <a:rPr i="1"/>
+              <a:t>Modern Robotics: Mechanics, Planning, and Control</a:t>
+            </a:r>
+            <a:r>
+              <a:rPr/>
+              <a:t>. Cambridge University Press.</a:t>
+            </a:r>
+          </a:p>
+        </p:txBody>
+      </p:sp>
+    </p:spTree>
+  </p:cSld>
+</p:sld>
+</file>
+
+<file path=ppt/slides/slide31.xml><?xml version="1.0" encoding="utf-8"?>
+<p:sld xmlns:a="http://schemas.openxmlformats.org/drawingml/2006/main" xmlns:r="http://schemas.openxmlformats.org/officeDocument/2006/relationships" xmlns:p="http://schemas.openxmlformats.org/presentationml/2006/main">
+  <p:cSld>
+    <p:spTree>
+      <p:nvGrpSpPr>
+        <p:cNvPr id="1" name=""/>
+        <p:cNvGrpSpPr/>
+        <p:nvPr/>
+      </p:nvGrpSpPr>
+      <p:grpSpPr>
+        <a:xfrm>
+          <a:off x="0" y="0"/>
+          <a:ext cx="0" cy="0"/>
+          <a:chOff x="0" y="0"/>
+          <a:chExt cx="0" cy="0"/>
+        </a:xfrm>
+      </p:grpSpPr>
+      <p:sp>
+        <p:nvSpPr>
+          <p:cNvPr id="3" name="Content Placeholder 2"/>
+          <p:cNvSpPr>
+            <a:spLocks noGrp="1"/>
+          </p:cNvSpPr>
+          <p:nvPr>
+            <p:ph idx="1"/>
+          </p:nvPr>
+        </p:nvSpPr>
+        <p:spPr/>
+        <p:txBody>
+          <a:bodyPr/>
+          <a:lstStyle/>
+          <a:p>
+            <a:pPr lvl="0" indent="0" marL="0">
+              <a:buNone/>
+            </a:pPr>
+            <a:r>
+              <a:rPr b="1"/>
+              <a:t>Document Information:</a:t>
+            </a:r>
+            <a:r>
+              <a:rPr/>
+              <a:t> - </a:t>
+            </a:r>
+            <a:r>
+              <a:rPr b="1"/>
+              <a:t>Version</a:t>
+            </a:r>
+            <a:r>
+              <a:rPr/>
+              <a:t>: 2.0 (Final - Complete) - </a:t>
+            </a:r>
+            <a:r>
+              <a:rPr b="1"/>
+              <a:t>Generated</a:t>
+            </a:r>
+            <a:r>
+              <a:rPr/>
+              <a:t>: January 15, 2026 - </a:t>
+            </a:r>
+            <a:r>
+              <a:rPr b="1"/>
+              <a:t>Format</a:t>
+            </a:r>
+            <a:r>
+              <a:rPr/>
+              <a:t>: Markdown with embedded PNG figures - </a:t>
+            </a:r>
+            <a:r>
+              <a:rPr b="1"/>
+              <a:t>Page Count</a:t>
+            </a:r>
+            <a:r>
+              <a:rPr/>
+              <a:t>: ~50 pages (when rendered to PDF) - </a:t>
+            </a:r>
+            <a:r>
+              <a:rPr b="1"/>
+              <a:t>Word Count</a:t>
+            </a:r>
+            <a:r>
+              <a:rPr/>
+              <a:t>: ~13,000 words - </a:t>
+            </a:r>
+            <a:r>
+              <a:rPr b="1"/>
+              <a:t>Figure Count</a:t>
+            </a:r>
+            <a:r>
+              <a:rPr/>
+              <a:t>: 10 high-resolution PNG images (complete set)</a:t>
+            </a:r>
+          </a:p>
+        </p:txBody>
+      </p:sp>
+    </p:spTree>
+  </p:cSld>
+</p:sld>
+</file>
+
+<file path=ppt/slides/slide32.xml><?xml version="1.0" encoding="utf-8"?>
+<p:sld xmlns:a="http://schemas.openxmlformats.org/drawingml/2006/main" xmlns:r="http://schemas.openxmlformats.org/officeDocument/2006/relationships" xmlns:p="http://schemas.openxmlformats.org/presentationml/2006/main">
+  <p:cSld>
+    <p:spTree>
+      <p:nvGrpSpPr>
+        <p:cNvPr id="1" name=""/>
+        <p:cNvGrpSpPr/>
+        <p:nvPr/>
+      </p:nvGrpSpPr>
+      <p:grpSpPr>
+        <a:xfrm>
+          <a:off x="0" y="0"/>
+          <a:ext cx="0" cy="0"/>
+          <a:chOff x="0" y="0"/>
+          <a:chExt cx="0" cy="0"/>
+        </a:xfrm>
+      </p:grpSpPr>
+      <p:sp>
+        <p:nvSpPr>
           <p:cNvPr id="3" name="Content Placeholder 2"/>
           <p:cNvSpPr>
             <a:spLocks noGrp="1"/>
@@ -17812,7 +18364,7 @@
             </a:r>
             <a:r>
               <a:rPr/>
-              <a:t> - 8 professional figures generated - Comprehensive test suite (100% pass rate) - Academic-quality report and presentation</a:t>
+              <a:t> - 10 professional figures generated (including all visualizations) - Comprehensive test suite (100% pass rate) - Academic-quality report and presentation</a:t>
             </a:r>
           </a:p>
         </p:txBody>
@@ -18066,8 +18618,8 @@
         </p:blipFill>
         <p:spPr bwMode="auto">
           <a:xfrm>
-            <a:off x="3670300" y="203200"/>
-            <a:ext cx="4902200" cy="3873500"/>
+            <a:off x="3771900" y="203200"/>
+            <a:ext cx="4699000" cy="3873500"/>
           </a:xfrm>
           <a:prstGeom prst="rect">
             <a:avLst/>
@@ -18587,18 +19139,1698 @@
             </a:r>
           </a:p>
           <a:p>
+            <a:pPr lvl="0" indent="0">
+              <a:buNone/>
+            </a:pPr>
+            <a:r>
+              <a:rPr>
+                <a:latin typeface="Courier"/>
+              </a:rPr>
+              <a:t>R = | 1-2(y²+z²)    2(xy-wz)      2(xz+wy)   |
+    | 2(xy+wz)      1-2(x²+z²)    2(yz-wx)   |
+    | 2(xz-wy)      2(yz+wx)      1-2(x²+y²) |</a:t>
+            </a:r>
+          </a:p>
+          <a:p>
             <a:pPr lvl="0" indent="0" marL="0">
               <a:buNone/>
             </a:pPr>
             <a:r>
-              <a:rPr/>
-              <a:t>$$
-R = \\begin{bmatrix}
-1-2(y^2+z^2) &amp; 2(xy-wz) &amp; 2(xz+wy) \\\\
-2(xy+wz) &amp; 1-2(x^2+z^2) &amp; 2(yz-wx) \\\\
-2(xz-wy) &amp; 2(yz+wx) &amp; 1-2(x^2+y^2)
-\\end{bmatrix}
-$$</a:t>
+              <a:rPr b="1"/>
+              <a:t>Implementation Code:</a:t>
+            </a:r>
+          </a:p>
+          <a:p>
+            <a:pPr lvl="0" indent="0">
+              <a:buNone/>
+            </a:pPr>
+            <a:r>
+              <a:rPr b="1">
+                <a:solidFill>
+                  <a:srgbClr val="007020"/>
+                </a:solidFill>
+                <a:latin typeface="Courier"/>
+              </a:rPr>
+              <a:t>function</a:t>
+            </a:r>
+            <a:r>
+              <a:rPr>
+                <a:latin typeface="Courier"/>
+              </a:rPr>
+              <a:t> </a:t>
+            </a:r>
+            <a:r>
+              <a:rPr>
+                <a:solidFill>
+                  <a:srgbClr val="19177C"/>
+                </a:solidFill>
+                <a:latin typeface="Courier"/>
+              </a:rPr>
+              <a:t>R</a:t>
+            </a:r>
+            <a:r>
+              <a:rPr>
+                <a:latin typeface="Courier"/>
+              </a:rPr>
+              <a:t> </a:t>
+            </a:r>
+            <a:r>
+              <a:rPr>
+                <a:solidFill>
+                  <a:srgbClr val="666666"/>
+                </a:solidFill>
+                <a:latin typeface="Courier"/>
+              </a:rPr>
+              <a:t>=</a:t>
+            </a:r>
+            <a:r>
+              <a:rPr>
+                <a:latin typeface="Courier"/>
+              </a:rPr>
+              <a:t> </a:t>
+            </a:r>
+            <a:r>
+              <a:rPr>
+                <a:solidFill>
+                  <a:srgbClr val="19177C"/>
+                </a:solidFill>
+                <a:latin typeface="Courier"/>
+              </a:rPr>
+              <a:t>quat2rotMatrix</a:t>
+            </a:r>
+            <a:r>
+              <a:rPr>
+                <a:latin typeface="Courier"/>
+              </a:rPr>
+              <a:t>(</a:t>
+            </a:r>
+            <a:r>
+              <a:rPr>
+                <a:solidFill>
+                  <a:srgbClr val="19177C"/>
+                </a:solidFill>
+                <a:latin typeface="Courier"/>
+              </a:rPr>
+              <a:t>q</a:t>
+            </a:r>
+            <a:r>
+              <a:rPr>
+                <a:latin typeface="Courier"/>
+              </a:rPr>
+              <a:t>)</a:t>
+            </a:r>
+            <a:br/>
+            <a:r>
+              <a:rPr>
+                <a:latin typeface="Courier"/>
+              </a:rPr>
+              <a:t>    </a:t>
+            </a:r>
+            <a:r>
+              <a:rPr i="1">
+                <a:solidFill>
+                  <a:srgbClr val="60A0B0"/>
+                </a:solidFill>
+                <a:latin typeface="Courier"/>
+              </a:rPr>
+              <a:t>% Normalize quaternion for numerical stability</a:t>
+            </a:r>
+            <a:br/>
+            <a:r>
+              <a:rPr>
+                <a:latin typeface="Courier"/>
+              </a:rPr>
+              <a:t>    </a:t>
+            </a:r>
+            <a:r>
+              <a:rPr>
+                <a:solidFill>
+                  <a:srgbClr val="19177C"/>
+                </a:solidFill>
+                <a:latin typeface="Courier"/>
+              </a:rPr>
+              <a:t>norm_q</a:t>
+            </a:r>
+            <a:r>
+              <a:rPr>
+                <a:latin typeface="Courier"/>
+              </a:rPr>
+              <a:t> </a:t>
+            </a:r>
+            <a:r>
+              <a:rPr>
+                <a:solidFill>
+                  <a:srgbClr val="666666"/>
+                </a:solidFill>
+                <a:latin typeface="Courier"/>
+              </a:rPr>
+              <a:t>=</a:t>
+            </a:r>
+            <a:r>
+              <a:rPr>
+                <a:latin typeface="Courier"/>
+              </a:rPr>
+              <a:t> </a:t>
+            </a:r>
+            <a:r>
+              <a:rPr>
+                <a:solidFill>
+                  <a:srgbClr val="19177C"/>
+                </a:solidFill>
+                <a:latin typeface="Courier"/>
+              </a:rPr>
+              <a:t>sqrt</a:t>
+            </a:r>
+            <a:r>
+              <a:rPr>
+                <a:latin typeface="Courier"/>
+              </a:rPr>
+              <a:t>(</a:t>
+            </a:r>
+            <a:r>
+              <a:rPr>
+                <a:solidFill>
+                  <a:srgbClr val="19177C"/>
+                </a:solidFill>
+                <a:latin typeface="Courier"/>
+              </a:rPr>
+              <a:t>sum</a:t>
+            </a:r>
+            <a:r>
+              <a:rPr>
+                <a:latin typeface="Courier"/>
+              </a:rPr>
+              <a:t>(</a:t>
+            </a:r>
+            <a:r>
+              <a:rPr>
+                <a:solidFill>
+                  <a:srgbClr val="19177C"/>
+                </a:solidFill>
+                <a:latin typeface="Courier"/>
+              </a:rPr>
+              <a:t>q</a:t>
+            </a:r>
+            <a:r>
+              <a:rPr>
+                <a:solidFill>
+                  <a:srgbClr val="666666"/>
+                </a:solidFill>
+                <a:latin typeface="Courier"/>
+              </a:rPr>
+              <a:t>.^</a:t>
+            </a:r>
+            <a:r>
+              <a:rPr>
+                <a:solidFill>
+                  <a:srgbClr val="40A070"/>
+                </a:solidFill>
+                <a:latin typeface="Courier"/>
+              </a:rPr>
+              <a:t>2</a:t>
+            </a:r>
+            <a:r>
+              <a:rPr>
+                <a:latin typeface="Courier"/>
+              </a:rPr>
+              <a:t>))</a:t>
+            </a:r>
+            <a:r>
+              <a:rPr>
+                <a:solidFill>
+                  <a:srgbClr val="666666"/>
+                </a:solidFill>
+                <a:latin typeface="Courier"/>
+              </a:rPr>
+              <a:t>;</a:t>
+            </a:r>
+            <a:br/>
+            <a:r>
+              <a:rPr>
+                <a:latin typeface="Courier"/>
+              </a:rPr>
+              <a:t>    </a:t>
+            </a:r>
+            <a:r>
+              <a:rPr>
+                <a:solidFill>
+                  <a:srgbClr val="19177C"/>
+                </a:solidFill>
+                <a:latin typeface="Courier"/>
+              </a:rPr>
+              <a:t>w</a:t>
+            </a:r>
+            <a:r>
+              <a:rPr>
+                <a:latin typeface="Courier"/>
+              </a:rPr>
+              <a:t> </a:t>
+            </a:r>
+            <a:r>
+              <a:rPr>
+                <a:solidFill>
+                  <a:srgbClr val="666666"/>
+                </a:solidFill>
+                <a:latin typeface="Courier"/>
+              </a:rPr>
+              <a:t>=</a:t>
+            </a:r>
+            <a:r>
+              <a:rPr>
+                <a:latin typeface="Courier"/>
+              </a:rPr>
+              <a:t> </a:t>
+            </a:r>
+            <a:r>
+              <a:rPr>
+                <a:solidFill>
+                  <a:srgbClr val="19177C"/>
+                </a:solidFill>
+                <a:latin typeface="Courier"/>
+              </a:rPr>
+              <a:t>q</a:t>
+            </a:r>
+            <a:r>
+              <a:rPr>
+                <a:latin typeface="Courier"/>
+              </a:rPr>
+              <a:t>(</a:t>
+            </a:r>
+            <a:r>
+              <a:rPr>
+                <a:solidFill>
+                  <a:srgbClr val="40A070"/>
+                </a:solidFill>
+                <a:latin typeface="Courier"/>
+              </a:rPr>
+              <a:t>1</a:t>
+            </a:r>
+            <a:r>
+              <a:rPr>
+                <a:latin typeface="Courier"/>
+              </a:rPr>
+              <a:t>)</a:t>
+            </a:r>
+            <a:r>
+              <a:rPr>
+                <a:solidFill>
+                  <a:srgbClr val="666666"/>
+                </a:solidFill>
+                <a:latin typeface="Courier"/>
+              </a:rPr>
+              <a:t>/</a:t>
+            </a:r>
+            <a:r>
+              <a:rPr>
+                <a:solidFill>
+                  <a:srgbClr val="19177C"/>
+                </a:solidFill>
+                <a:latin typeface="Courier"/>
+              </a:rPr>
+              <a:t>norm_q</a:t>
+            </a:r>
+            <a:r>
+              <a:rPr>
+                <a:solidFill>
+                  <a:srgbClr val="666666"/>
+                </a:solidFill>
+                <a:latin typeface="Courier"/>
+              </a:rPr>
+              <a:t>;</a:t>
+            </a:r>
+            <a:br/>
+            <a:r>
+              <a:rPr>
+                <a:latin typeface="Courier"/>
+              </a:rPr>
+              <a:t>    </a:t>
+            </a:r>
+            <a:r>
+              <a:rPr>
+                <a:solidFill>
+                  <a:srgbClr val="19177C"/>
+                </a:solidFill>
+                <a:latin typeface="Courier"/>
+              </a:rPr>
+              <a:t>x</a:t>
+            </a:r>
+            <a:r>
+              <a:rPr>
+                <a:latin typeface="Courier"/>
+              </a:rPr>
+              <a:t> </a:t>
+            </a:r>
+            <a:r>
+              <a:rPr>
+                <a:solidFill>
+                  <a:srgbClr val="666666"/>
+                </a:solidFill>
+                <a:latin typeface="Courier"/>
+              </a:rPr>
+              <a:t>=</a:t>
+            </a:r>
+            <a:r>
+              <a:rPr>
+                <a:latin typeface="Courier"/>
+              </a:rPr>
+              <a:t> </a:t>
+            </a:r>
+            <a:r>
+              <a:rPr>
+                <a:solidFill>
+                  <a:srgbClr val="19177C"/>
+                </a:solidFill>
+                <a:latin typeface="Courier"/>
+              </a:rPr>
+              <a:t>q</a:t>
+            </a:r>
+            <a:r>
+              <a:rPr>
+                <a:latin typeface="Courier"/>
+              </a:rPr>
+              <a:t>(</a:t>
+            </a:r>
+            <a:r>
+              <a:rPr>
+                <a:solidFill>
+                  <a:srgbClr val="40A070"/>
+                </a:solidFill>
+                <a:latin typeface="Courier"/>
+              </a:rPr>
+              <a:t>2</a:t>
+            </a:r>
+            <a:r>
+              <a:rPr>
+                <a:latin typeface="Courier"/>
+              </a:rPr>
+              <a:t>)</a:t>
+            </a:r>
+            <a:r>
+              <a:rPr>
+                <a:solidFill>
+                  <a:srgbClr val="666666"/>
+                </a:solidFill>
+                <a:latin typeface="Courier"/>
+              </a:rPr>
+              <a:t>/</a:t>
+            </a:r>
+            <a:r>
+              <a:rPr>
+                <a:solidFill>
+                  <a:srgbClr val="19177C"/>
+                </a:solidFill>
+                <a:latin typeface="Courier"/>
+              </a:rPr>
+              <a:t>norm_q</a:t>
+            </a:r>
+            <a:r>
+              <a:rPr>
+                <a:solidFill>
+                  <a:srgbClr val="666666"/>
+                </a:solidFill>
+                <a:latin typeface="Courier"/>
+              </a:rPr>
+              <a:t>;</a:t>
+            </a:r>
+            <a:br/>
+            <a:r>
+              <a:rPr>
+                <a:latin typeface="Courier"/>
+              </a:rPr>
+              <a:t>    </a:t>
+            </a:r>
+            <a:r>
+              <a:rPr>
+                <a:solidFill>
+                  <a:srgbClr val="19177C"/>
+                </a:solidFill>
+                <a:latin typeface="Courier"/>
+              </a:rPr>
+              <a:t>y</a:t>
+            </a:r>
+            <a:r>
+              <a:rPr>
+                <a:latin typeface="Courier"/>
+              </a:rPr>
+              <a:t> </a:t>
+            </a:r>
+            <a:r>
+              <a:rPr>
+                <a:solidFill>
+                  <a:srgbClr val="666666"/>
+                </a:solidFill>
+                <a:latin typeface="Courier"/>
+              </a:rPr>
+              <a:t>=</a:t>
+            </a:r>
+            <a:r>
+              <a:rPr>
+                <a:latin typeface="Courier"/>
+              </a:rPr>
+              <a:t> </a:t>
+            </a:r>
+            <a:r>
+              <a:rPr>
+                <a:solidFill>
+                  <a:srgbClr val="19177C"/>
+                </a:solidFill>
+                <a:latin typeface="Courier"/>
+              </a:rPr>
+              <a:t>q</a:t>
+            </a:r>
+            <a:r>
+              <a:rPr>
+                <a:latin typeface="Courier"/>
+              </a:rPr>
+              <a:t>(</a:t>
+            </a:r>
+            <a:r>
+              <a:rPr>
+                <a:solidFill>
+                  <a:srgbClr val="40A070"/>
+                </a:solidFill>
+                <a:latin typeface="Courier"/>
+              </a:rPr>
+              <a:t>3</a:t>
+            </a:r>
+            <a:r>
+              <a:rPr>
+                <a:latin typeface="Courier"/>
+              </a:rPr>
+              <a:t>)</a:t>
+            </a:r>
+            <a:r>
+              <a:rPr>
+                <a:solidFill>
+                  <a:srgbClr val="666666"/>
+                </a:solidFill>
+                <a:latin typeface="Courier"/>
+              </a:rPr>
+              <a:t>/</a:t>
+            </a:r>
+            <a:r>
+              <a:rPr>
+                <a:solidFill>
+                  <a:srgbClr val="19177C"/>
+                </a:solidFill>
+                <a:latin typeface="Courier"/>
+              </a:rPr>
+              <a:t>norm_q</a:t>
+            </a:r>
+            <a:r>
+              <a:rPr>
+                <a:solidFill>
+                  <a:srgbClr val="666666"/>
+                </a:solidFill>
+                <a:latin typeface="Courier"/>
+              </a:rPr>
+              <a:t>;</a:t>
+            </a:r>
+            <a:br/>
+            <a:r>
+              <a:rPr>
+                <a:latin typeface="Courier"/>
+              </a:rPr>
+              <a:t>    </a:t>
+            </a:r>
+            <a:r>
+              <a:rPr>
+                <a:solidFill>
+                  <a:srgbClr val="19177C"/>
+                </a:solidFill>
+                <a:latin typeface="Courier"/>
+              </a:rPr>
+              <a:t>z</a:t>
+            </a:r>
+            <a:r>
+              <a:rPr>
+                <a:latin typeface="Courier"/>
+              </a:rPr>
+              <a:t> </a:t>
+            </a:r>
+            <a:r>
+              <a:rPr>
+                <a:solidFill>
+                  <a:srgbClr val="666666"/>
+                </a:solidFill>
+                <a:latin typeface="Courier"/>
+              </a:rPr>
+              <a:t>=</a:t>
+            </a:r>
+            <a:r>
+              <a:rPr>
+                <a:latin typeface="Courier"/>
+              </a:rPr>
+              <a:t> </a:t>
+            </a:r>
+            <a:r>
+              <a:rPr>
+                <a:solidFill>
+                  <a:srgbClr val="19177C"/>
+                </a:solidFill>
+                <a:latin typeface="Courier"/>
+              </a:rPr>
+              <a:t>q</a:t>
+            </a:r>
+            <a:r>
+              <a:rPr>
+                <a:latin typeface="Courier"/>
+              </a:rPr>
+              <a:t>(</a:t>
+            </a:r>
+            <a:r>
+              <a:rPr>
+                <a:solidFill>
+                  <a:srgbClr val="40A070"/>
+                </a:solidFill>
+                <a:latin typeface="Courier"/>
+              </a:rPr>
+              <a:t>4</a:t>
+            </a:r>
+            <a:r>
+              <a:rPr>
+                <a:latin typeface="Courier"/>
+              </a:rPr>
+              <a:t>)</a:t>
+            </a:r>
+            <a:r>
+              <a:rPr>
+                <a:solidFill>
+                  <a:srgbClr val="666666"/>
+                </a:solidFill>
+                <a:latin typeface="Courier"/>
+              </a:rPr>
+              <a:t>/</a:t>
+            </a:r>
+            <a:r>
+              <a:rPr>
+                <a:solidFill>
+                  <a:srgbClr val="19177C"/>
+                </a:solidFill>
+                <a:latin typeface="Courier"/>
+              </a:rPr>
+              <a:t>norm_q</a:t>
+            </a:r>
+            <a:r>
+              <a:rPr>
+                <a:solidFill>
+                  <a:srgbClr val="666666"/>
+                </a:solidFill>
+                <a:latin typeface="Courier"/>
+              </a:rPr>
+              <a:t>;</a:t>
+            </a:r>
+            <a:br/>
+            <a:r>
+              <a:rPr>
+                <a:latin typeface="Courier"/>
+              </a:rPr>
+              <a:t>    </a:t>
+            </a:r>
+            <a:br/>
+            <a:r>
+              <a:rPr>
+                <a:latin typeface="Courier"/>
+              </a:rPr>
+              <a:t>    </a:t>
+            </a:r>
+            <a:r>
+              <a:rPr i="1">
+                <a:solidFill>
+                  <a:srgbClr val="60A0B0"/>
+                </a:solidFill>
+                <a:latin typeface="Courier"/>
+              </a:rPr>
+              <a:t>% Compute rotation matrix using standard formula</a:t>
+            </a:r>
+            <a:br/>
+            <a:r>
+              <a:rPr>
+                <a:latin typeface="Courier"/>
+              </a:rPr>
+              <a:t>    </a:t>
+            </a:r>
+            <a:r>
+              <a:rPr>
+                <a:solidFill>
+                  <a:srgbClr val="19177C"/>
+                </a:solidFill>
+                <a:latin typeface="Courier"/>
+              </a:rPr>
+              <a:t>R</a:t>
+            </a:r>
+            <a:r>
+              <a:rPr>
+                <a:latin typeface="Courier"/>
+              </a:rPr>
+              <a:t> </a:t>
+            </a:r>
+            <a:r>
+              <a:rPr>
+                <a:solidFill>
+                  <a:srgbClr val="666666"/>
+                </a:solidFill>
+                <a:latin typeface="Courier"/>
+              </a:rPr>
+              <a:t>=</a:t>
+            </a:r>
+            <a:r>
+              <a:rPr>
+                <a:latin typeface="Courier"/>
+              </a:rPr>
+              <a:t> [</a:t>
+            </a:r>
+            <a:r>
+              <a:rPr>
+                <a:solidFill>
+                  <a:srgbClr val="40A070"/>
+                </a:solidFill>
+                <a:latin typeface="Courier"/>
+              </a:rPr>
+              <a:t>1</a:t>
+            </a:r>
+            <a:r>
+              <a:rPr>
+                <a:solidFill>
+                  <a:srgbClr val="666666"/>
+                </a:solidFill>
+                <a:latin typeface="Courier"/>
+              </a:rPr>
+              <a:t>-</a:t>
+            </a:r>
+            <a:r>
+              <a:rPr>
+                <a:solidFill>
+                  <a:srgbClr val="40A070"/>
+                </a:solidFill>
+                <a:latin typeface="Courier"/>
+              </a:rPr>
+              <a:t>2</a:t>
+            </a:r>
+            <a:r>
+              <a:rPr>
+                <a:solidFill>
+                  <a:srgbClr val="666666"/>
+                </a:solidFill>
+                <a:latin typeface="Courier"/>
+              </a:rPr>
+              <a:t>*</a:t>
+            </a:r>
+            <a:r>
+              <a:rPr>
+                <a:latin typeface="Courier"/>
+              </a:rPr>
+              <a:t>(</a:t>
+            </a:r>
+            <a:r>
+              <a:rPr>
+                <a:solidFill>
+                  <a:srgbClr val="19177C"/>
+                </a:solidFill>
+                <a:latin typeface="Courier"/>
+              </a:rPr>
+              <a:t>y</a:t>
+            </a:r>
+            <a:r>
+              <a:rPr>
+                <a:solidFill>
+                  <a:srgbClr val="666666"/>
+                </a:solidFill>
+                <a:latin typeface="Courier"/>
+              </a:rPr>
+              <a:t>^</a:t>
+            </a:r>
+            <a:r>
+              <a:rPr>
+                <a:solidFill>
+                  <a:srgbClr val="40A070"/>
+                </a:solidFill>
+                <a:latin typeface="Courier"/>
+              </a:rPr>
+              <a:t>2</a:t>
+            </a:r>
+            <a:r>
+              <a:rPr>
+                <a:solidFill>
+                  <a:srgbClr val="666666"/>
+                </a:solidFill>
+                <a:latin typeface="Courier"/>
+              </a:rPr>
+              <a:t>+</a:t>
+            </a:r>
+            <a:r>
+              <a:rPr>
+                <a:solidFill>
+                  <a:srgbClr val="19177C"/>
+                </a:solidFill>
+                <a:latin typeface="Courier"/>
+              </a:rPr>
+              <a:t>z</a:t>
+            </a:r>
+            <a:r>
+              <a:rPr>
+                <a:solidFill>
+                  <a:srgbClr val="666666"/>
+                </a:solidFill>
+                <a:latin typeface="Courier"/>
+              </a:rPr>
+              <a:t>^</a:t>
+            </a:r>
+            <a:r>
+              <a:rPr>
+                <a:solidFill>
+                  <a:srgbClr val="40A070"/>
+                </a:solidFill>
+                <a:latin typeface="Courier"/>
+              </a:rPr>
+              <a:t>2</a:t>
+            </a:r>
+            <a:r>
+              <a:rPr>
+                <a:latin typeface="Courier"/>
+              </a:rPr>
+              <a:t>)</a:t>
+            </a:r>
+            <a:r>
+              <a:rPr>
+                <a:solidFill>
+                  <a:srgbClr val="666666"/>
+                </a:solidFill>
+                <a:latin typeface="Courier"/>
+              </a:rPr>
+              <a:t>,</a:t>
+            </a:r>
+            <a:r>
+              <a:rPr>
+                <a:latin typeface="Courier"/>
+              </a:rPr>
+              <a:t>   </a:t>
+            </a:r>
+            <a:r>
+              <a:rPr>
+                <a:solidFill>
+                  <a:srgbClr val="40A070"/>
+                </a:solidFill>
+                <a:latin typeface="Courier"/>
+              </a:rPr>
+              <a:t>2</a:t>
+            </a:r>
+            <a:r>
+              <a:rPr>
+                <a:solidFill>
+                  <a:srgbClr val="666666"/>
+                </a:solidFill>
+                <a:latin typeface="Courier"/>
+              </a:rPr>
+              <a:t>*</a:t>
+            </a:r>
+            <a:r>
+              <a:rPr>
+                <a:latin typeface="Courier"/>
+              </a:rPr>
+              <a:t>(</a:t>
+            </a:r>
+            <a:r>
+              <a:rPr>
+                <a:solidFill>
+                  <a:srgbClr val="19177C"/>
+                </a:solidFill>
+                <a:latin typeface="Courier"/>
+              </a:rPr>
+              <a:t>x</a:t>
+            </a:r>
+            <a:r>
+              <a:rPr>
+                <a:solidFill>
+                  <a:srgbClr val="666666"/>
+                </a:solidFill>
+                <a:latin typeface="Courier"/>
+              </a:rPr>
+              <a:t>*</a:t>
+            </a:r>
+            <a:r>
+              <a:rPr>
+                <a:solidFill>
+                  <a:srgbClr val="19177C"/>
+                </a:solidFill>
+                <a:latin typeface="Courier"/>
+              </a:rPr>
+              <a:t>y</a:t>
+            </a:r>
+            <a:r>
+              <a:rPr>
+                <a:solidFill>
+                  <a:srgbClr val="666666"/>
+                </a:solidFill>
+                <a:latin typeface="Courier"/>
+              </a:rPr>
+              <a:t>-</a:t>
+            </a:r>
+            <a:r>
+              <a:rPr>
+                <a:solidFill>
+                  <a:srgbClr val="19177C"/>
+                </a:solidFill>
+                <a:latin typeface="Courier"/>
+              </a:rPr>
+              <a:t>w</a:t>
+            </a:r>
+            <a:r>
+              <a:rPr>
+                <a:solidFill>
+                  <a:srgbClr val="666666"/>
+                </a:solidFill>
+                <a:latin typeface="Courier"/>
+              </a:rPr>
+              <a:t>*</a:t>
+            </a:r>
+            <a:r>
+              <a:rPr>
+                <a:solidFill>
+                  <a:srgbClr val="19177C"/>
+                </a:solidFill>
+                <a:latin typeface="Courier"/>
+              </a:rPr>
+              <a:t>z</a:t>
+            </a:r>
+            <a:r>
+              <a:rPr>
+                <a:latin typeface="Courier"/>
+              </a:rPr>
+              <a:t>)</a:t>
+            </a:r>
+            <a:r>
+              <a:rPr>
+                <a:solidFill>
+                  <a:srgbClr val="666666"/>
+                </a:solidFill>
+                <a:latin typeface="Courier"/>
+              </a:rPr>
+              <a:t>,</a:t>
+            </a:r>
+            <a:r>
+              <a:rPr>
+                <a:latin typeface="Courier"/>
+              </a:rPr>
+              <a:t>     </a:t>
+            </a:r>
+            <a:r>
+              <a:rPr>
+                <a:solidFill>
+                  <a:srgbClr val="40A070"/>
+                </a:solidFill>
+                <a:latin typeface="Courier"/>
+              </a:rPr>
+              <a:t>2</a:t>
+            </a:r>
+            <a:r>
+              <a:rPr>
+                <a:solidFill>
+                  <a:srgbClr val="666666"/>
+                </a:solidFill>
+                <a:latin typeface="Courier"/>
+              </a:rPr>
+              <a:t>*</a:t>
+            </a:r>
+            <a:r>
+              <a:rPr>
+                <a:latin typeface="Courier"/>
+              </a:rPr>
+              <a:t>(</a:t>
+            </a:r>
+            <a:r>
+              <a:rPr>
+                <a:solidFill>
+                  <a:srgbClr val="19177C"/>
+                </a:solidFill>
+                <a:latin typeface="Courier"/>
+              </a:rPr>
+              <a:t>x</a:t>
+            </a:r>
+            <a:r>
+              <a:rPr>
+                <a:solidFill>
+                  <a:srgbClr val="666666"/>
+                </a:solidFill>
+                <a:latin typeface="Courier"/>
+              </a:rPr>
+              <a:t>*</a:t>
+            </a:r>
+            <a:r>
+              <a:rPr>
+                <a:solidFill>
+                  <a:srgbClr val="19177C"/>
+                </a:solidFill>
+                <a:latin typeface="Courier"/>
+              </a:rPr>
+              <a:t>z</a:t>
+            </a:r>
+            <a:r>
+              <a:rPr>
+                <a:solidFill>
+                  <a:srgbClr val="666666"/>
+                </a:solidFill>
+                <a:latin typeface="Courier"/>
+              </a:rPr>
+              <a:t>+</a:t>
+            </a:r>
+            <a:r>
+              <a:rPr>
+                <a:solidFill>
+                  <a:srgbClr val="19177C"/>
+                </a:solidFill>
+                <a:latin typeface="Courier"/>
+              </a:rPr>
+              <a:t>w</a:t>
+            </a:r>
+            <a:r>
+              <a:rPr>
+                <a:solidFill>
+                  <a:srgbClr val="666666"/>
+                </a:solidFill>
+                <a:latin typeface="Courier"/>
+              </a:rPr>
+              <a:t>*</a:t>
+            </a:r>
+            <a:r>
+              <a:rPr>
+                <a:solidFill>
+                  <a:srgbClr val="19177C"/>
+                </a:solidFill>
+                <a:latin typeface="Courier"/>
+              </a:rPr>
+              <a:t>y</a:t>
+            </a:r>
+            <a:r>
+              <a:rPr>
+                <a:latin typeface="Courier"/>
+              </a:rPr>
+              <a:t>)</a:t>
+            </a:r>
+            <a:r>
+              <a:rPr>
+                <a:solidFill>
+                  <a:srgbClr val="666666"/>
+                </a:solidFill>
+                <a:latin typeface="Courier"/>
+              </a:rPr>
+              <a:t>;</a:t>
+            </a:r>
+            <a:br/>
+            <a:r>
+              <a:rPr>
+                <a:latin typeface="Courier"/>
+              </a:rPr>
+              <a:t>         </a:t>
+            </a:r>
+            <a:r>
+              <a:rPr>
+                <a:solidFill>
+                  <a:srgbClr val="40A070"/>
+                </a:solidFill>
+                <a:latin typeface="Courier"/>
+              </a:rPr>
+              <a:t>2</a:t>
+            </a:r>
+            <a:r>
+              <a:rPr>
+                <a:solidFill>
+                  <a:srgbClr val="666666"/>
+                </a:solidFill>
+                <a:latin typeface="Courier"/>
+              </a:rPr>
+              <a:t>*</a:t>
+            </a:r>
+            <a:r>
+              <a:rPr>
+                <a:latin typeface="Courier"/>
+              </a:rPr>
+              <a:t>(</a:t>
+            </a:r>
+            <a:r>
+              <a:rPr>
+                <a:solidFill>
+                  <a:srgbClr val="19177C"/>
+                </a:solidFill>
+                <a:latin typeface="Courier"/>
+              </a:rPr>
+              <a:t>x</a:t>
+            </a:r>
+            <a:r>
+              <a:rPr>
+                <a:solidFill>
+                  <a:srgbClr val="666666"/>
+                </a:solidFill>
+                <a:latin typeface="Courier"/>
+              </a:rPr>
+              <a:t>*</a:t>
+            </a:r>
+            <a:r>
+              <a:rPr>
+                <a:solidFill>
+                  <a:srgbClr val="19177C"/>
+                </a:solidFill>
+                <a:latin typeface="Courier"/>
+              </a:rPr>
+              <a:t>y</a:t>
+            </a:r>
+            <a:r>
+              <a:rPr>
+                <a:solidFill>
+                  <a:srgbClr val="666666"/>
+                </a:solidFill>
+                <a:latin typeface="Courier"/>
+              </a:rPr>
+              <a:t>+</a:t>
+            </a:r>
+            <a:r>
+              <a:rPr>
+                <a:solidFill>
+                  <a:srgbClr val="19177C"/>
+                </a:solidFill>
+                <a:latin typeface="Courier"/>
+              </a:rPr>
+              <a:t>w</a:t>
+            </a:r>
+            <a:r>
+              <a:rPr>
+                <a:solidFill>
+                  <a:srgbClr val="666666"/>
+                </a:solidFill>
+                <a:latin typeface="Courier"/>
+              </a:rPr>
+              <a:t>*</a:t>
+            </a:r>
+            <a:r>
+              <a:rPr>
+                <a:solidFill>
+                  <a:srgbClr val="19177C"/>
+                </a:solidFill>
+                <a:latin typeface="Courier"/>
+              </a:rPr>
+              <a:t>z</a:t>
+            </a:r>
+            <a:r>
+              <a:rPr>
+                <a:latin typeface="Courier"/>
+              </a:rPr>
+              <a:t>)</a:t>
+            </a:r>
+            <a:r>
+              <a:rPr>
+                <a:solidFill>
+                  <a:srgbClr val="666666"/>
+                </a:solidFill>
+                <a:latin typeface="Courier"/>
+              </a:rPr>
+              <a:t>,</a:t>
+            </a:r>
+            <a:r>
+              <a:rPr>
+                <a:latin typeface="Courier"/>
+              </a:rPr>
+              <a:t>     </a:t>
+            </a:r>
+            <a:r>
+              <a:rPr>
+                <a:solidFill>
+                  <a:srgbClr val="40A070"/>
+                </a:solidFill>
+                <a:latin typeface="Courier"/>
+              </a:rPr>
+              <a:t>1</a:t>
+            </a:r>
+            <a:r>
+              <a:rPr>
+                <a:solidFill>
+                  <a:srgbClr val="666666"/>
+                </a:solidFill>
+                <a:latin typeface="Courier"/>
+              </a:rPr>
+              <a:t>-</a:t>
+            </a:r>
+            <a:r>
+              <a:rPr>
+                <a:solidFill>
+                  <a:srgbClr val="40A070"/>
+                </a:solidFill>
+                <a:latin typeface="Courier"/>
+              </a:rPr>
+              <a:t>2</a:t>
+            </a:r>
+            <a:r>
+              <a:rPr>
+                <a:solidFill>
+                  <a:srgbClr val="666666"/>
+                </a:solidFill>
+                <a:latin typeface="Courier"/>
+              </a:rPr>
+              <a:t>*</a:t>
+            </a:r>
+            <a:r>
+              <a:rPr>
+                <a:latin typeface="Courier"/>
+              </a:rPr>
+              <a:t>(</a:t>
+            </a:r>
+            <a:r>
+              <a:rPr>
+                <a:solidFill>
+                  <a:srgbClr val="19177C"/>
+                </a:solidFill>
+                <a:latin typeface="Courier"/>
+              </a:rPr>
+              <a:t>x</a:t>
+            </a:r>
+            <a:r>
+              <a:rPr>
+                <a:solidFill>
+                  <a:srgbClr val="666666"/>
+                </a:solidFill>
+                <a:latin typeface="Courier"/>
+              </a:rPr>
+              <a:t>^</a:t>
+            </a:r>
+            <a:r>
+              <a:rPr>
+                <a:solidFill>
+                  <a:srgbClr val="40A070"/>
+                </a:solidFill>
+                <a:latin typeface="Courier"/>
+              </a:rPr>
+              <a:t>2</a:t>
+            </a:r>
+            <a:r>
+              <a:rPr>
+                <a:solidFill>
+                  <a:srgbClr val="666666"/>
+                </a:solidFill>
+                <a:latin typeface="Courier"/>
+              </a:rPr>
+              <a:t>+</a:t>
+            </a:r>
+            <a:r>
+              <a:rPr>
+                <a:solidFill>
+                  <a:srgbClr val="19177C"/>
+                </a:solidFill>
+                <a:latin typeface="Courier"/>
+              </a:rPr>
+              <a:t>z</a:t>
+            </a:r>
+            <a:r>
+              <a:rPr>
+                <a:solidFill>
+                  <a:srgbClr val="666666"/>
+                </a:solidFill>
+                <a:latin typeface="Courier"/>
+              </a:rPr>
+              <a:t>^</a:t>
+            </a:r>
+            <a:r>
+              <a:rPr>
+                <a:solidFill>
+                  <a:srgbClr val="40A070"/>
+                </a:solidFill>
+                <a:latin typeface="Courier"/>
+              </a:rPr>
+              <a:t>2</a:t>
+            </a:r>
+            <a:r>
+              <a:rPr>
+                <a:latin typeface="Courier"/>
+              </a:rPr>
+              <a:t>)</a:t>
+            </a:r>
+            <a:r>
+              <a:rPr>
+                <a:solidFill>
+                  <a:srgbClr val="666666"/>
+                </a:solidFill>
+                <a:latin typeface="Courier"/>
+              </a:rPr>
+              <a:t>,</a:t>
+            </a:r>
+            <a:r>
+              <a:rPr>
+                <a:latin typeface="Courier"/>
+              </a:rPr>
+              <a:t>   </a:t>
+            </a:r>
+            <a:r>
+              <a:rPr>
+                <a:solidFill>
+                  <a:srgbClr val="40A070"/>
+                </a:solidFill>
+                <a:latin typeface="Courier"/>
+              </a:rPr>
+              <a:t>2</a:t>
+            </a:r>
+            <a:r>
+              <a:rPr>
+                <a:solidFill>
+                  <a:srgbClr val="666666"/>
+                </a:solidFill>
+                <a:latin typeface="Courier"/>
+              </a:rPr>
+              <a:t>*</a:t>
+            </a:r>
+            <a:r>
+              <a:rPr>
+                <a:latin typeface="Courier"/>
+              </a:rPr>
+              <a:t>(</a:t>
+            </a:r>
+            <a:r>
+              <a:rPr>
+                <a:solidFill>
+                  <a:srgbClr val="19177C"/>
+                </a:solidFill>
+                <a:latin typeface="Courier"/>
+              </a:rPr>
+              <a:t>y</a:t>
+            </a:r>
+            <a:r>
+              <a:rPr>
+                <a:solidFill>
+                  <a:srgbClr val="666666"/>
+                </a:solidFill>
+                <a:latin typeface="Courier"/>
+              </a:rPr>
+              <a:t>*</a:t>
+            </a:r>
+            <a:r>
+              <a:rPr>
+                <a:solidFill>
+                  <a:srgbClr val="19177C"/>
+                </a:solidFill>
+                <a:latin typeface="Courier"/>
+              </a:rPr>
+              <a:t>z</a:t>
+            </a:r>
+            <a:r>
+              <a:rPr>
+                <a:solidFill>
+                  <a:srgbClr val="666666"/>
+                </a:solidFill>
+                <a:latin typeface="Courier"/>
+              </a:rPr>
+              <a:t>-</a:t>
+            </a:r>
+            <a:r>
+              <a:rPr>
+                <a:solidFill>
+                  <a:srgbClr val="19177C"/>
+                </a:solidFill>
+                <a:latin typeface="Courier"/>
+              </a:rPr>
+              <a:t>w</a:t>
+            </a:r>
+            <a:r>
+              <a:rPr>
+                <a:solidFill>
+                  <a:srgbClr val="666666"/>
+                </a:solidFill>
+                <a:latin typeface="Courier"/>
+              </a:rPr>
+              <a:t>*</a:t>
+            </a:r>
+            <a:r>
+              <a:rPr>
+                <a:solidFill>
+                  <a:srgbClr val="19177C"/>
+                </a:solidFill>
+                <a:latin typeface="Courier"/>
+              </a:rPr>
+              <a:t>x</a:t>
+            </a:r>
+            <a:r>
+              <a:rPr>
+                <a:latin typeface="Courier"/>
+              </a:rPr>
+              <a:t>)</a:t>
+            </a:r>
+            <a:r>
+              <a:rPr>
+                <a:solidFill>
+                  <a:srgbClr val="666666"/>
+                </a:solidFill>
+                <a:latin typeface="Courier"/>
+              </a:rPr>
+              <a:t>;</a:t>
+            </a:r>
+            <a:br/>
+            <a:r>
+              <a:rPr>
+                <a:latin typeface="Courier"/>
+              </a:rPr>
+              <a:t>         </a:t>
+            </a:r>
+            <a:r>
+              <a:rPr>
+                <a:solidFill>
+                  <a:srgbClr val="40A070"/>
+                </a:solidFill>
+                <a:latin typeface="Courier"/>
+              </a:rPr>
+              <a:t>2</a:t>
+            </a:r>
+            <a:r>
+              <a:rPr>
+                <a:solidFill>
+                  <a:srgbClr val="666666"/>
+                </a:solidFill>
+                <a:latin typeface="Courier"/>
+              </a:rPr>
+              <a:t>*</a:t>
+            </a:r>
+            <a:r>
+              <a:rPr>
+                <a:latin typeface="Courier"/>
+              </a:rPr>
+              <a:t>(</a:t>
+            </a:r>
+            <a:r>
+              <a:rPr>
+                <a:solidFill>
+                  <a:srgbClr val="19177C"/>
+                </a:solidFill>
+                <a:latin typeface="Courier"/>
+              </a:rPr>
+              <a:t>x</a:t>
+            </a:r>
+            <a:r>
+              <a:rPr>
+                <a:solidFill>
+                  <a:srgbClr val="666666"/>
+                </a:solidFill>
+                <a:latin typeface="Courier"/>
+              </a:rPr>
+              <a:t>*</a:t>
+            </a:r>
+            <a:r>
+              <a:rPr>
+                <a:solidFill>
+                  <a:srgbClr val="19177C"/>
+                </a:solidFill>
+                <a:latin typeface="Courier"/>
+              </a:rPr>
+              <a:t>z</a:t>
+            </a:r>
+            <a:r>
+              <a:rPr>
+                <a:solidFill>
+                  <a:srgbClr val="666666"/>
+                </a:solidFill>
+                <a:latin typeface="Courier"/>
+              </a:rPr>
+              <a:t>-</a:t>
+            </a:r>
+            <a:r>
+              <a:rPr>
+                <a:solidFill>
+                  <a:srgbClr val="19177C"/>
+                </a:solidFill>
+                <a:latin typeface="Courier"/>
+              </a:rPr>
+              <a:t>w</a:t>
+            </a:r>
+            <a:r>
+              <a:rPr>
+                <a:solidFill>
+                  <a:srgbClr val="666666"/>
+                </a:solidFill>
+                <a:latin typeface="Courier"/>
+              </a:rPr>
+              <a:t>*</a:t>
+            </a:r>
+            <a:r>
+              <a:rPr>
+                <a:solidFill>
+                  <a:srgbClr val="19177C"/>
+                </a:solidFill>
+                <a:latin typeface="Courier"/>
+              </a:rPr>
+              <a:t>y</a:t>
+            </a:r>
+            <a:r>
+              <a:rPr>
+                <a:latin typeface="Courier"/>
+              </a:rPr>
+              <a:t>)</a:t>
+            </a:r>
+            <a:r>
+              <a:rPr>
+                <a:solidFill>
+                  <a:srgbClr val="666666"/>
+                </a:solidFill>
+                <a:latin typeface="Courier"/>
+              </a:rPr>
+              <a:t>,</a:t>
+            </a:r>
+            <a:r>
+              <a:rPr>
+                <a:latin typeface="Courier"/>
+              </a:rPr>
+              <a:t>     </a:t>
+            </a:r>
+            <a:r>
+              <a:rPr>
+                <a:solidFill>
+                  <a:srgbClr val="40A070"/>
+                </a:solidFill>
+                <a:latin typeface="Courier"/>
+              </a:rPr>
+              <a:t>2</a:t>
+            </a:r>
+            <a:r>
+              <a:rPr>
+                <a:solidFill>
+                  <a:srgbClr val="666666"/>
+                </a:solidFill>
+                <a:latin typeface="Courier"/>
+              </a:rPr>
+              <a:t>*</a:t>
+            </a:r>
+            <a:r>
+              <a:rPr>
+                <a:latin typeface="Courier"/>
+              </a:rPr>
+              <a:t>(</a:t>
+            </a:r>
+            <a:r>
+              <a:rPr>
+                <a:solidFill>
+                  <a:srgbClr val="19177C"/>
+                </a:solidFill>
+                <a:latin typeface="Courier"/>
+              </a:rPr>
+              <a:t>y</a:t>
+            </a:r>
+            <a:r>
+              <a:rPr>
+                <a:solidFill>
+                  <a:srgbClr val="666666"/>
+                </a:solidFill>
+                <a:latin typeface="Courier"/>
+              </a:rPr>
+              <a:t>*</a:t>
+            </a:r>
+            <a:r>
+              <a:rPr>
+                <a:solidFill>
+                  <a:srgbClr val="19177C"/>
+                </a:solidFill>
+                <a:latin typeface="Courier"/>
+              </a:rPr>
+              <a:t>z</a:t>
+            </a:r>
+            <a:r>
+              <a:rPr>
+                <a:solidFill>
+                  <a:srgbClr val="666666"/>
+                </a:solidFill>
+                <a:latin typeface="Courier"/>
+              </a:rPr>
+              <a:t>+</a:t>
+            </a:r>
+            <a:r>
+              <a:rPr>
+                <a:solidFill>
+                  <a:srgbClr val="19177C"/>
+                </a:solidFill>
+                <a:latin typeface="Courier"/>
+              </a:rPr>
+              <a:t>w</a:t>
+            </a:r>
+            <a:r>
+              <a:rPr>
+                <a:solidFill>
+                  <a:srgbClr val="666666"/>
+                </a:solidFill>
+                <a:latin typeface="Courier"/>
+              </a:rPr>
+              <a:t>*</a:t>
+            </a:r>
+            <a:r>
+              <a:rPr>
+                <a:solidFill>
+                  <a:srgbClr val="19177C"/>
+                </a:solidFill>
+                <a:latin typeface="Courier"/>
+              </a:rPr>
+              <a:t>x</a:t>
+            </a:r>
+            <a:r>
+              <a:rPr>
+                <a:latin typeface="Courier"/>
+              </a:rPr>
+              <a:t>)</a:t>
+            </a:r>
+            <a:r>
+              <a:rPr>
+                <a:solidFill>
+                  <a:srgbClr val="666666"/>
+                </a:solidFill>
+                <a:latin typeface="Courier"/>
+              </a:rPr>
+              <a:t>,</a:t>
+            </a:r>
+            <a:r>
+              <a:rPr>
+                <a:latin typeface="Courier"/>
+              </a:rPr>
+              <a:t>     </a:t>
+            </a:r>
+            <a:r>
+              <a:rPr>
+                <a:solidFill>
+                  <a:srgbClr val="40A070"/>
+                </a:solidFill>
+                <a:latin typeface="Courier"/>
+              </a:rPr>
+              <a:t>1</a:t>
+            </a:r>
+            <a:r>
+              <a:rPr>
+                <a:solidFill>
+                  <a:srgbClr val="666666"/>
+                </a:solidFill>
+                <a:latin typeface="Courier"/>
+              </a:rPr>
+              <a:t>-</a:t>
+            </a:r>
+            <a:r>
+              <a:rPr>
+                <a:solidFill>
+                  <a:srgbClr val="40A070"/>
+                </a:solidFill>
+                <a:latin typeface="Courier"/>
+              </a:rPr>
+              <a:t>2</a:t>
+            </a:r>
+            <a:r>
+              <a:rPr>
+                <a:solidFill>
+                  <a:srgbClr val="666666"/>
+                </a:solidFill>
+                <a:latin typeface="Courier"/>
+              </a:rPr>
+              <a:t>*</a:t>
+            </a:r>
+            <a:r>
+              <a:rPr>
+                <a:latin typeface="Courier"/>
+              </a:rPr>
+              <a:t>(</a:t>
+            </a:r>
+            <a:r>
+              <a:rPr>
+                <a:solidFill>
+                  <a:srgbClr val="19177C"/>
+                </a:solidFill>
+                <a:latin typeface="Courier"/>
+              </a:rPr>
+              <a:t>x</a:t>
+            </a:r>
+            <a:r>
+              <a:rPr>
+                <a:solidFill>
+                  <a:srgbClr val="666666"/>
+                </a:solidFill>
+                <a:latin typeface="Courier"/>
+              </a:rPr>
+              <a:t>^</a:t>
+            </a:r>
+            <a:r>
+              <a:rPr>
+                <a:solidFill>
+                  <a:srgbClr val="40A070"/>
+                </a:solidFill>
+                <a:latin typeface="Courier"/>
+              </a:rPr>
+              <a:t>2</a:t>
+            </a:r>
+            <a:r>
+              <a:rPr>
+                <a:solidFill>
+                  <a:srgbClr val="666666"/>
+                </a:solidFill>
+                <a:latin typeface="Courier"/>
+              </a:rPr>
+              <a:t>+</a:t>
+            </a:r>
+            <a:r>
+              <a:rPr>
+                <a:solidFill>
+                  <a:srgbClr val="19177C"/>
+                </a:solidFill>
+                <a:latin typeface="Courier"/>
+              </a:rPr>
+              <a:t>y</a:t>
+            </a:r>
+            <a:r>
+              <a:rPr>
+                <a:solidFill>
+                  <a:srgbClr val="666666"/>
+                </a:solidFill>
+                <a:latin typeface="Courier"/>
+              </a:rPr>
+              <a:t>^</a:t>
+            </a:r>
+            <a:r>
+              <a:rPr>
+                <a:solidFill>
+                  <a:srgbClr val="40A070"/>
+                </a:solidFill>
+                <a:latin typeface="Courier"/>
+              </a:rPr>
+              <a:t>2</a:t>
+            </a:r>
+            <a:r>
+              <a:rPr>
+                <a:latin typeface="Courier"/>
+              </a:rPr>
+              <a:t>)]</a:t>
+            </a:r>
+            <a:r>
+              <a:rPr>
+                <a:solidFill>
+                  <a:srgbClr val="666666"/>
+                </a:solidFill>
+                <a:latin typeface="Courier"/>
+              </a:rPr>
+              <a:t>;</a:t>
+            </a:r>
+            <a:br/>
+            <a:r>
+              <a:rPr b="1">
+                <a:solidFill>
+                  <a:srgbClr val="007020"/>
+                </a:solidFill>
+                <a:latin typeface="Courier"/>
+              </a:rPr>
+              <a:t>end</a:t>
             </a:r>
           </a:p>
           <a:p>
@@ -18607,1717 +20839,169 @@
             </a:pPr>
             <a:r>
               <a:rPr b="1"/>
-              <a:t>Implementation Code:</a:t>
-            </a:r>
-          </a:p>
-          <a:p>
-            <a:pPr lvl="0" indent="0">
-              <a:buNone/>
-            </a:pPr>
-            <a:r>
-              <a:rPr b="1">
-                <a:solidFill>
-                  <a:srgbClr val="007020"/>
-                </a:solidFill>
-                <a:latin typeface="Courier"/>
-              </a:rPr>
-              <a:t>function</a:t>
-            </a:r>
-            <a:r>
-              <a:rPr>
-                <a:latin typeface="Courier"/>
-              </a:rPr>
-              <a:t> </a:t>
-            </a:r>
-            <a:r>
-              <a:rPr>
-                <a:solidFill>
-                  <a:srgbClr val="19177C"/>
-                </a:solidFill>
-                <a:latin typeface="Courier"/>
-              </a:rPr>
-              <a:t>R</a:t>
-            </a:r>
-            <a:r>
-              <a:rPr>
-                <a:latin typeface="Courier"/>
-              </a:rPr>
-              <a:t> </a:t>
-            </a:r>
-            <a:r>
-              <a:rPr>
-                <a:solidFill>
-                  <a:srgbClr val="666666"/>
-                </a:solidFill>
-                <a:latin typeface="Courier"/>
-              </a:rPr>
-              <a:t>=</a:t>
-            </a:r>
-            <a:r>
-              <a:rPr>
-                <a:latin typeface="Courier"/>
-              </a:rPr>
-              <a:t> </a:t>
-            </a:r>
-            <a:r>
-              <a:rPr>
-                <a:solidFill>
-                  <a:srgbClr val="19177C"/>
-                </a:solidFill>
-                <a:latin typeface="Courier"/>
-              </a:rPr>
-              <a:t>quat2rotMatrix</a:t>
-            </a:r>
-            <a:r>
-              <a:rPr>
-                <a:latin typeface="Courier"/>
-              </a:rPr>
-              <a:t>(</a:t>
-            </a:r>
-            <a:r>
-              <a:rPr>
-                <a:solidFill>
-                  <a:srgbClr val="19177C"/>
-                </a:solidFill>
-                <a:latin typeface="Courier"/>
-              </a:rPr>
-              <a:t>q</a:t>
-            </a:r>
-            <a:r>
-              <a:rPr>
-                <a:latin typeface="Courier"/>
-              </a:rPr>
-              <a:t>)</a:t>
-            </a:r>
-            <a:br/>
-            <a:r>
-              <a:rPr>
-                <a:latin typeface="Courier"/>
-              </a:rPr>
-              <a:t>    </a:t>
-            </a:r>
-            <a:r>
-              <a:rPr i="1">
-                <a:solidFill>
-                  <a:srgbClr val="60A0B0"/>
-                </a:solidFill>
-                <a:latin typeface="Courier"/>
-              </a:rPr>
-              <a:t>% Normalize quaternion for numerical stability</a:t>
-            </a:r>
-            <a:br/>
-            <a:r>
-              <a:rPr>
-                <a:latin typeface="Courier"/>
-              </a:rPr>
-              <a:t>    </a:t>
-            </a:r>
-            <a:r>
-              <a:rPr>
-                <a:solidFill>
-                  <a:srgbClr val="19177C"/>
-                </a:solidFill>
-                <a:latin typeface="Courier"/>
-              </a:rPr>
-              <a:t>norm_q</a:t>
-            </a:r>
-            <a:r>
-              <a:rPr>
-                <a:latin typeface="Courier"/>
-              </a:rPr>
-              <a:t> </a:t>
-            </a:r>
-            <a:r>
-              <a:rPr>
-                <a:solidFill>
-                  <a:srgbClr val="666666"/>
-                </a:solidFill>
-                <a:latin typeface="Courier"/>
-              </a:rPr>
-              <a:t>=</a:t>
-            </a:r>
-            <a:r>
-              <a:rPr>
-                <a:latin typeface="Courier"/>
-              </a:rPr>
-              <a:t> </a:t>
-            </a:r>
-            <a:r>
-              <a:rPr>
-                <a:solidFill>
-                  <a:srgbClr val="19177C"/>
-                </a:solidFill>
-                <a:latin typeface="Courier"/>
-              </a:rPr>
-              <a:t>sqrt</a:t>
-            </a:r>
-            <a:r>
-              <a:rPr>
-                <a:latin typeface="Courier"/>
-              </a:rPr>
-              <a:t>(</a:t>
-            </a:r>
-            <a:r>
-              <a:rPr>
-                <a:solidFill>
-                  <a:srgbClr val="19177C"/>
-                </a:solidFill>
-                <a:latin typeface="Courier"/>
-              </a:rPr>
-              <a:t>sum</a:t>
-            </a:r>
-            <a:r>
-              <a:rPr>
-                <a:latin typeface="Courier"/>
-              </a:rPr>
-              <a:t>(</a:t>
-            </a:r>
-            <a:r>
-              <a:rPr>
-                <a:solidFill>
-                  <a:srgbClr val="19177C"/>
-                </a:solidFill>
-                <a:latin typeface="Courier"/>
-              </a:rPr>
-              <a:t>q</a:t>
-            </a:r>
-            <a:r>
-              <a:rPr>
-                <a:solidFill>
-                  <a:srgbClr val="666666"/>
-                </a:solidFill>
-                <a:latin typeface="Courier"/>
-              </a:rPr>
-              <a:t>.^</a:t>
-            </a:r>
-            <a:r>
-              <a:rPr>
-                <a:solidFill>
-                  <a:srgbClr val="40A070"/>
-                </a:solidFill>
-                <a:latin typeface="Courier"/>
-              </a:rPr>
-              <a:t>2</a:t>
-            </a:r>
-            <a:r>
-              <a:rPr>
-                <a:latin typeface="Courier"/>
-              </a:rPr>
-              <a:t>))</a:t>
-            </a:r>
-            <a:r>
-              <a:rPr>
-                <a:solidFill>
-                  <a:srgbClr val="666666"/>
-                </a:solidFill>
-                <a:latin typeface="Courier"/>
-              </a:rPr>
-              <a:t>;</a:t>
-            </a:r>
-            <a:br/>
-            <a:r>
-              <a:rPr>
-                <a:latin typeface="Courier"/>
-              </a:rPr>
-              <a:t>    </a:t>
-            </a:r>
-            <a:r>
-              <a:rPr>
-                <a:solidFill>
-                  <a:srgbClr val="19177C"/>
-                </a:solidFill>
-                <a:latin typeface="Courier"/>
-              </a:rPr>
-              <a:t>w</a:t>
-            </a:r>
-            <a:r>
-              <a:rPr>
-                <a:latin typeface="Courier"/>
-              </a:rPr>
-              <a:t> </a:t>
-            </a:r>
-            <a:r>
-              <a:rPr>
-                <a:solidFill>
-                  <a:srgbClr val="666666"/>
-                </a:solidFill>
-                <a:latin typeface="Courier"/>
-              </a:rPr>
-              <a:t>=</a:t>
-            </a:r>
-            <a:r>
-              <a:rPr>
-                <a:latin typeface="Courier"/>
-              </a:rPr>
-              <a:t> </a:t>
-            </a:r>
-            <a:r>
-              <a:rPr>
-                <a:solidFill>
-                  <a:srgbClr val="19177C"/>
-                </a:solidFill>
-                <a:latin typeface="Courier"/>
-              </a:rPr>
-              <a:t>q</a:t>
-            </a:r>
-            <a:r>
-              <a:rPr>
-                <a:latin typeface="Courier"/>
-              </a:rPr>
-              <a:t>(</a:t>
-            </a:r>
-            <a:r>
-              <a:rPr>
-                <a:solidFill>
-                  <a:srgbClr val="40A070"/>
-                </a:solidFill>
-                <a:latin typeface="Courier"/>
-              </a:rPr>
-              <a:t>1</a:t>
-            </a:r>
-            <a:r>
-              <a:rPr>
-                <a:latin typeface="Courier"/>
-              </a:rPr>
-              <a:t>)</a:t>
-            </a:r>
-            <a:r>
-              <a:rPr>
-                <a:solidFill>
-                  <a:srgbClr val="666666"/>
-                </a:solidFill>
-                <a:latin typeface="Courier"/>
-              </a:rPr>
-              <a:t>/</a:t>
-            </a:r>
-            <a:r>
-              <a:rPr>
-                <a:solidFill>
-                  <a:srgbClr val="19177C"/>
-                </a:solidFill>
-                <a:latin typeface="Courier"/>
-              </a:rPr>
-              <a:t>norm_q</a:t>
-            </a:r>
-            <a:r>
-              <a:rPr>
-                <a:solidFill>
-                  <a:srgbClr val="666666"/>
-                </a:solidFill>
-                <a:latin typeface="Courier"/>
-              </a:rPr>
-              <a:t>;</a:t>
-            </a:r>
-            <a:br/>
-            <a:r>
-              <a:rPr>
-                <a:latin typeface="Courier"/>
-              </a:rPr>
-              <a:t>    </a:t>
-            </a:r>
-            <a:r>
-              <a:rPr>
-                <a:solidFill>
-                  <a:srgbClr val="19177C"/>
-                </a:solidFill>
-                <a:latin typeface="Courier"/>
-              </a:rPr>
-              <a:t>x</a:t>
-            </a:r>
-            <a:r>
-              <a:rPr>
-                <a:latin typeface="Courier"/>
-              </a:rPr>
-              <a:t> </a:t>
-            </a:r>
-            <a:r>
-              <a:rPr>
-                <a:solidFill>
-                  <a:srgbClr val="666666"/>
-                </a:solidFill>
-                <a:latin typeface="Courier"/>
-              </a:rPr>
-              <a:t>=</a:t>
-            </a:r>
-            <a:r>
-              <a:rPr>
-                <a:latin typeface="Courier"/>
-              </a:rPr>
-              <a:t> </a:t>
-            </a:r>
-            <a:r>
-              <a:rPr>
-                <a:solidFill>
-                  <a:srgbClr val="19177C"/>
-                </a:solidFill>
-                <a:latin typeface="Courier"/>
-              </a:rPr>
-              <a:t>q</a:t>
-            </a:r>
-            <a:r>
-              <a:rPr>
-                <a:latin typeface="Courier"/>
-              </a:rPr>
-              <a:t>(</a:t>
-            </a:r>
-            <a:r>
-              <a:rPr>
-                <a:solidFill>
-                  <a:srgbClr val="40A070"/>
-                </a:solidFill>
-                <a:latin typeface="Courier"/>
-              </a:rPr>
-              <a:t>2</a:t>
-            </a:r>
-            <a:r>
-              <a:rPr>
-                <a:latin typeface="Courier"/>
-              </a:rPr>
-              <a:t>)</a:t>
-            </a:r>
-            <a:r>
-              <a:rPr>
-                <a:solidFill>
-                  <a:srgbClr val="666666"/>
-                </a:solidFill>
-                <a:latin typeface="Courier"/>
-              </a:rPr>
-              <a:t>/</a:t>
-            </a:r>
-            <a:r>
-              <a:rPr>
-                <a:solidFill>
-                  <a:srgbClr val="19177C"/>
-                </a:solidFill>
-                <a:latin typeface="Courier"/>
-              </a:rPr>
-              <a:t>norm_q</a:t>
-            </a:r>
-            <a:r>
-              <a:rPr>
-                <a:solidFill>
-                  <a:srgbClr val="666666"/>
-                </a:solidFill>
-                <a:latin typeface="Courier"/>
-              </a:rPr>
-              <a:t>;</a:t>
-            </a:r>
-            <a:br/>
-            <a:r>
-              <a:rPr>
-                <a:latin typeface="Courier"/>
-              </a:rPr>
-              <a:t>    </a:t>
-            </a:r>
-            <a:r>
-              <a:rPr>
-                <a:solidFill>
-                  <a:srgbClr val="19177C"/>
-                </a:solidFill>
-                <a:latin typeface="Courier"/>
-              </a:rPr>
-              <a:t>y</a:t>
-            </a:r>
-            <a:r>
-              <a:rPr>
-                <a:latin typeface="Courier"/>
-              </a:rPr>
-              <a:t> </a:t>
-            </a:r>
-            <a:r>
-              <a:rPr>
-                <a:solidFill>
-                  <a:srgbClr val="666666"/>
-                </a:solidFill>
-                <a:latin typeface="Courier"/>
-              </a:rPr>
-              <a:t>=</a:t>
-            </a:r>
-            <a:r>
-              <a:rPr>
-                <a:latin typeface="Courier"/>
-              </a:rPr>
-              <a:t> </a:t>
-            </a:r>
-            <a:r>
-              <a:rPr>
-                <a:solidFill>
-                  <a:srgbClr val="19177C"/>
-                </a:solidFill>
-                <a:latin typeface="Courier"/>
-              </a:rPr>
-              <a:t>q</a:t>
-            </a:r>
-            <a:r>
-              <a:rPr>
-                <a:latin typeface="Courier"/>
-              </a:rPr>
-              <a:t>(</a:t>
-            </a:r>
-            <a:r>
-              <a:rPr>
-                <a:solidFill>
-                  <a:srgbClr val="40A070"/>
-                </a:solidFill>
-                <a:latin typeface="Courier"/>
-              </a:rPr>
-              <a:t>3</a:t>
-            </a:r>
-            <a:r>
-              <a:rPr>
-                <a:latin typeface="Courier"/>
-              </a:rPr>
-              <a:t>)</a:t>
-            </a:r>
-            <a:r>
-              <a:rPr>
-                <a:solidFill>
-                  <a:srgbClr val="666666"/>
-                </a:solidFill>
-                <a:latin typeface="Courier"/>
-              </a:rPr>
-              <a:t>/</a:t>
-            </a:r>
-            <a:r>
-              <a:rPr>
-                <a:solidFill>
-                  <a:srgbClr val="19177C"/>
-                </a:solidFill>
-                <a:latin typeface="Courier"/>
-              </a:rPr>
-              <a:t>norm_q</a:t>
-            </a:r>
-            <a:r>
-              <a:rPr>
-                <a:solidFill>
-                  <a:srgbClr val="666666"/>
-                </a:solidFill>
-                <a:latin typeface="Courier"/>
-              </a:rPr>
-              <a:t>;</a:t>
-            </a:r>
-            <a:br/>
-            <a:r>
-              <a:rPr>
-                <a:latin typeface="Courier"/>
-              </a:rPr>
-              <a:t>    </a:t>
-            </a:r>
-            <a:r>
-              <a:rPr>
-                <a:solidFill>
-                  <a:srgbClr val="19177C"/>
-                </a:solidFill>
-                <a:latin typeface="Courier"/>
-              </a:rPr>
-              <a:t>z</a:t>
-            </a:r>
-            <a:r>
-              <a:rPr>
-                <a:latin typeface="Courier"/>
-              </a:rPr>
-              <a:t> </a:t>
-            </a:r>
-            <a:r>
-              <a:rPr>
-                <a:solidFill>
-                  <a:srgbClr val="666666"/>
-                </a:solidFill>
-                <a:latin typeface="Courier"/>
-              </a:rPr>
-              <a:t>=</a:t>
-            </a:r>
-            <a:r>
-              <a:rPr>
-                <a:latin typeface="Courier"/>
-              </a:rPr>
-              <a:t> </a:t>
-            </a:r>
-            <a:r>
-              <a:rPr>
-                <a:solidFill>
-                  <a:srgbClr val="19177C"/>
-                </a:solidFill>
-                <a:latin typeface="Courier"/>
-              </a:rPr>
-              <a:t>q</a:t>
-            </a:r>
-            <a:r>
-              <a:rPr>
-                <a:latin typeface="Courier"/>
-              </a:rPr>
-              <a:t>(</a:t>
-            </a:r>
-            <a:r>
-              <a:rPr>
-                <a:solidFill>
-                  <a:srgbClr val="40A070"/>
-                </a:solidFill>
-                <a:latin typeface="Courier"/>
-              </a:rPr>
-              <a:t>4</a:t>
-            </a:r>
-            <a:r>
-              <a:rPr>
-                <a:latin typeface="Courier"/>
-              </a:rPr>
-              <a:t>)</a:t>
-            </a:r>
-            <a:r>
-              <a:rPr>
-                <a:solidFill>
-                  <a:srgbClr val="666666"/>
-                </a:solidFill>
-                <a:latin typeface="Courier"/>
-              </a:rPr>
-              <a:t>/</a:t>
-            </a:r>
-            <a:r>
-              <a:rPr>
-                <a:solidFill>
-                  <a:srgbClr val="19177C"/>
-                </a:solidFill>
-                <a:latin typeface="Courier"/>
-              </a:rPr>
-              <a:t>norm_q</a:t>
-            </a:r>
-            <a:r>
-              <a:rPr>
-                <a:solidFill>
-                  <a:srgbClr val="666666"/>
-                </a:solidFill>
-                <a:latin typeface="Courier"/>
-              </a:rPr>
-              <a:t>;</a:t>
-            </a:r>
-            <a:br/>
-            <a:r>
-              <a:rPr>
-                <a:latin typeface="Courier"/>
-              </a:rPr>
-              <a:t>    </a:t>
-            </a:r>
-            <a:br/>
-            <a:r>
-              <a:rPr>
-                <a:latin typeface="Courier"/>
-              </a:rPr>
-              <a:t>    </a:t>
-            </a:r>
-            <a:r>
-              <a:rPr i="1">
-                <a:solidFill>
-                  <a:srgbClr val="60A0B0"/>
-                </a:solidFill>
-                <a:latin typeface="Courier"/>
-              </a:rPr>
-              <a:t>% Compute rotation matrix using standard formula</a:t>
-            </a:r>
-            <a:br/>
-            <a:r>
-              <a:rPr>
-                <a:latin typeface="Courier"/>
-              </a:rPr>
-              <a:t>    </a:t>
-            </a:r>
-            <a:r>
-              <a:rPr>
-                <a:solidFill>
-                  <a:srgbClr val="19177C"/>
-                </a:solidFill>
-                <a:latin typeface="Courier"/>
-              </a:rPr>
-              <a:t>R</a:t>
-            </a:r>
-            <a:r>
-              <a:rPr>
-                <a:latin typeface="Courier"/>
-              </a:rPr>
-              <a:t> </a:t>
-            </a:r>
-            <a:r>
-              <a:rPr>
-                <a:solidFill>
-                  <a:srgbClr val="666666"/>
-                </a:solidFill>
-                <a:latin typeface="Courier"/>
-              </a:rPr>
-              <a:t>=</a:t>
-            </a:r>
-            <a:r>
-              <a:rPr>
-                <a:latin typeface="Courier"/>
-              </a:rPr>
-              <a:t> [</a:t>
-            </a:r>
-            <a:r>
-              <a:rPr>
-                <a:solidFill>
-                  <a:srgbClr val="40A070"/>
-                </a:solidFill>
-                <a:latin typeface="Courier"/>
-              </a:rPr>
-              <a:t>1</a:t>
-            </a:r>
-            <a:r>
-              <a:rPr>
-                <a:solidFill>
-                  <a:srgbClr val="666666"/>
-                </a:solidFill>
-                <a:latin typeface="Courier"/>
-              </a:rPr>
-              <a:t>-</a:t>
-            </a:r>
-            <a:r>
-              <a:rPr>
-                <a:solidFill>
-                  <a:srgbClr val="40A070"/>
-                </a:solidFill>
-                <a:latin typeface="Courier"/>
-              </a:rPr>
-              <a:t>2</a:t>
-            </a:r>
-            <a:r>
-              <a:rPr>
-                <a:solidFill>
-                  <a:srgbClr val="666666"/>
-                </a:solidFill>
-                <a:latin typeface="Courier"/>
-              </a:rPr>
-              <a:t>*</a:t>
-            </a:r>
-            <a:r>
-              <a:rPr>
-                <a:latin typeface="Courier"/>
-              </a:rPr>
-              <a:t>(</a:t>
-            </a:r>
-            <a:r>
-              <a:rPr>
-                <a:solidFill>
-                  <a:srgbClr val="19177C"/>
-                </a:solidFill>
-                <a:latin typeface="Courier"/>
-              </a:rPr>
-              <a:t>y</a:t>
-            </a:r>
-            <a:r>
-              <a:rPr>
-                <a:solidFill>
-                  <a:srgbClr val="666666"/>
-                </a:solidFill>
-                <a:latin typeface="Courier"/>
-              </a:rPr>
-              <a:t>^</a:t>
-            </a:r>
-            <a:r>
-              <a:rPr>
-                <a:solidFill>
-                  <a:srgbClr val="40A070"/>
-                </a:solidFill>
-                <a:latin typeface="Courier"/>
-              </a:rPr>
-              <a:t>2</a:t>
-            </a:r>
-            <a:r>
-              <a:rPr>
-                <a:solidFill>
-                  <a:srgbClr val="666666"/>
-                </a:solidFill>
-                <a:latin typeface="Courier"/>
-              </a:rPr>
-              <a:t>+</a:t>
-            </a:r>
-            <a:r>
-              <a:rPr>
-                <a:solidFill>
-                  <a:srgbClr val="19177C"/>
-                </a:solidFill>
-                <a:latin typeface="Courier"/>
-              </a:rPr>
-              <a:t>z</a:t>
-            </a:r>
-            <a:r>
-              <a:rPr>
-                <a:solidFill>
-                  <a:srgbClr val="666666"/>
-                </a:solidFill>
-                <a:latin typeface="Courier"/>
-              </a:rPr>
-              <a:t>^</a:t>
-            </a:r>
-            <a:r>
-              <a:rPr>
-                <a:solidFill>
-                  <a:srgbClr val="40A070"/>
-                </a:solidFill>
-                <a:latin typeface="Courier"/>
-              </a:rPr>
-              <a:t>2</a:t>
-            </a:r>
-            <a:r>
-              <a:rPr>
-                <a:latin typeface="Courier"/>
-              </a:rPr>
-              <a:t>)</a:t>
-            </a:r>
-            <a:r>
-              <a:rPr>
-                <a:solidFill>
-                  <a:srgbClr val="666666"/>
-                </a:solidFill>
-                <a:latin typeface="Courier"/>
-              </a:rPr>
-              <a:t>,</a:t>
-            </a:r>
-            <a:r>
-              <a:rPr>
-                <a:latin typeface="Courier"/>
-              </a:rPr>
-              <a:t>   </a:t>
-            </a:r>
-            <a:r>
-              <a:rPr>
-                <a:solidFill>
-                  <a:srgbClr val="40A070"/>
-                </a:solidFill>
-                <a:latin typeface="Courier"/>
-              </a:rPr>
-              <a:t>2</a:t>
-            </a:r>
-            <a:r>
-              <a:rPr>
-                <a:solidFill>
-                  <a:srgbClr val="666666"/>
-                </a:solidFill>
-                <a:latin typeface="Courier"/>
-              </a:rPr>
-              <a:t>*</a:t>
-            </a:r>
-            <a:r>
-              <a:rPr>
-                <a:latin typeface="Courier"/>
-              </a:rPr>
-              <a:t>(</a:t>
-            </a:r>
-            <a:r>
-              <a:rPr>
-                <a:solidFill>
-                  <a:srgbClr val="19177C"/>
-                </a:solidFill>
-                <a:latin typeface="Courier"/>
-              </a:rPr>
-              <a:t>x</a:t>
-            </a:r>
-            <a:r>
-              <a:rPr>
-                <a:solidFill>
-                  <a:srgbClr val="666666"/>
-                </a:solidFill>
-                <a:latin typeface="Courier"/>
-              </a:rPr>
-              <a:t>*</a:t>
-            </a:r>
-            <a:r>
-              <a:rPr>
-                <a:solidFill>
-                  <a:srgbClr val="19177C"/>
-                </a:solidFill>
-                <a:latin typeface="Courier"/>
-              </a:rPr>
-              <a:t>y</a:t>
-            </a:r>
-            <a:r>
-              <a:rPr>
-                <a:solidFill>
-                  <a:srgbClr val="666666"/>
-                </a:solidFill>
-                <a:latin typeface="Courier"/>
-              </a:rPr>
-              <a:t>-</a:t>
-            </a:r>
-            <a:r>
-              <a:rPr>
-                <a:solidFill>
-                  <a:srgbClr val="19177C"/>
-                </a:solidFill>
-                <a:latin typeface="Courier"/>
-              </a:rPr>
-              <a:t>w</a:t>
-            </a:r>
-            <a:r>
-              <a:rPr>
-                <a:solidFill>
-                  <a:srgbClr val="666666"/>
-                </a:solidFill>
-                <a:latin typeface="Courier"/>
-              </a:rPr>
-              <a:t>*</a:t>
-            </a:r>
-            <a:r>
-              <a:rPr>
-                <a:solidFill>
-                  <a:srgbClr val="19177C"/>
-                </a:solidFill>
-                <a:latin typeface="Courier"/>
-              </a:rPr>
-              <a:t>z</a:t>
-            </a:r>
-            <a:r>
-              <a:rPr>
-                <a:latin typeface="Courier"/>
-              </a:rPr>
-              <a:t>)</a:t>
-            </a:r>
-            <a:r>
-              <a:rPr>
-                <a:solidFill>
-                  <a:srgbClr val="666666"/>
-                </a:solidFill>
-                <a:latin typeface="Courier"/>
-              </a:rPr>
-              <a:t>,</a:t>
-            </a:r>
-            <a:r>
-              <a:rPr>
-                <a:latin typeface="Courier"/>
-              </a:rPr>
-              <a:t>     </a:t>
-            </a:r>
-            <a:r>
-              <a:rPr>
-                <a:solidFill>
-                  <a:srgbClr val="40A070"/>
-                </a:solidFill>
-                <a:latin typeface="Courier"/>
-              </a:rPr>
-              <a:t>2</a:t>
-            </a:r>
-            <a:r>
-              <a:rPr>
-                <a:solidFill>
-                  <a:srgbClr val="666666"/>
-                </a:solidFill>
-                <a:latin typeface="Courier"/>
-              </a:rPr>
-              <a:t>*</a:t>
-            </a:r>
-            <a:r>
-              <a:rPr>
-                <a:latin typeface="Courier"/>
-              </a:rPr>
-              <a:t>(</a:t>
-            </a:r>
-            <a:r>
-              <a:rPr>
-                <a:solidFill>
-                  <a:srgbClr val="19177C"/>
-                </a:solidFill>
-                <a:latin typeface="Courier"/>
-              </a:rPr>
-              <a:t>x</a:t>
-            </a:r>
-            <a:r>
-              <a:rPr>
-                <a:solidFill>
-                  <a:srgbClr val="666666"/>
-                </a:solidFill>
-                <a:latin typeface="Courier"/>
-              </a:rPr>
-              <a:t>*</a:t>
-            </a:r>
-            <a:r>
-              <a:rPr>
-                <a:solidFill>
-                  <a:srgbClr val="19177C"/>
-                </a:solidFill>
-                <a:latin typeface="Courier"/>
-              </a:rPr>
-              <a:t>z</a:t>
-            </a:r>
-            <a:r>
-              <a:rPr>
-                <a:solidFill>
-                  <a:srgbClr val="666666"/>
-                </a:solidFill>
-                <a:latin typeface="Courier"/>
-              </a:rPr>
-              <a:t>+</a:t>
-            </a:r>
-            <a:r>
-              <a:rPr>
-                <a:solidFill>
-                  <a:srgbClr val="19177C"/>
-                </a:solidFill>
-                <a:latin typeface="Courier"/>
-              </a:rPr>
-              <a:t>w</a:t>
-            </a:r>
-            <a:r>
-              <a:rPr>
-                <a:solidFill>
-                  <a:srgbClr val="666666"/>
-                </a:solidFill>
-                <a:latin typeface="Courier"/>
-              </a:rPr>
-              <a:t>*</a:t>
-            </a:r>
-            <a:r>
-              <a:rPr>
-                <a:solidFill>
-                  <a:srgbClr val="19177C"/>
-                </a:solidFill>
-                <a:latin typeface="Courier"/>
-              </a:rPr>
-              <a:t>y</a:t>
-            </a:r>
-            <a:r>
-              <a:rPr>
-                <a:latin typeface="Courier"/>
-              </a:rPr>
-              <a:t>)</a:t>
-            </a:r>
-            <a:r>
-              <a:rPr>
-                <a:solidFill>
-                  <a:srgbClr val="666666"/>
-                </a:solidFill>
-                <a:latin typeface="Courier"/>
-              </a:rPr>
-              <a:t>;</a:t>
-            </a:r>
-            <a:br/>
-            <a:r>
-              <a:rPr>
-                <a:latin typeface="Courier"/>
-              </a:rPr>
-              <a:t>         </a:t>
-            </a:r>
-            <a:r>
-              <a:rPr>
-                <a:solidFill>
-                  <a:srgbClr val="40A070"/>
-                </a:solidFill>
-                <a:latin typeface="Courier"/>
-              </a:rPr>
-              <a:t>2</a:t>
-            </a:r>
-            <a:r>
-              <a:rPr>
-                <a:solidFill>
-                  <a:srgbClr val="666666"/>
-                </a:solidFill>
-                <a:latin typeface="Courier"/>
-              </a:rPr>
-              <a:t>*</a:t>
-            </a:r>
-            <a:r>
-              <a:rPr>
-                <a:latin typeface="Courier"/>
-              </a:rPr>
-              <a:t>(</a:t>
-            </a:r>
-            <a:r>
-              <a:rPr>
-                <a:solidFill>
-                  <a:srgbClr val="19177C"/>
-                </a:solidFill>
-                <a:latin typeface="Courier"/>
-              </a:rPr>
-              <a:t>x</a:t>
-            </a:r>
-            <a:r>
-              <a:rPr>
-                <a:solidFill>
-                  <a:srgbClr val="666666"/>
-                </a:solidFill>
-                <a:latin typeface="Courier"/>
-              </a:rPr>
-              <a:t>*</a:t>
-            </a:r>
-            <a:r>
-              <a:rPr>
-                <a:solidFill>
-                  <a:srgbClr val="19177C"/>
-                </a:solidFill>
-                <a:latin typeface="Courier"/>
-              </a:rPr>
-              <a:t>y</a:t>
-            </a:r>
-            <a:r>
-              <a:rPr>
-                <a:solidFill>
-                  <a:srgbClr val="666666"/>
-                </a:solidFill>
-                <a:latin typeface="Courier"/>
-              </a:rPr>
-              <a:t>+</a:t>
-            </a:r>
-            <a:r>
-              <a:rPr>
-                <a:solidFill>
-                  <a:srgbClr val="19177C"/>
-                </a:solidFill>
-                <a:latin typeface="Courier"/>
-              </a:rPr>
-              <a:t>w</a:t>
-            </a:r>
-            <a:r>
-              <a:rPr>
-                <a:solidFill>
-                  <a:srgbClr val="666666"/>
-                </a:solidFill>
-                <a:latin typeface="Courier"/>
-              </a:rPr>
-              <a:t>*</a:t>
-            </a:r>
-            <a:r>
-              <a:rPr>
-                <a:solidFill>
-                  <a:srgbClr val="19177C"/>
-                </a:solidFill>
-                <a:latin typeface="Courier"/>
-              </a:rPr>
-              <a:t>z</a:t>
-            </a:r>
-            <a:r>
-              <a:rPr>
-                <a:latin typeface="Courier"/>
-              </a:rPr>
-              <a:t>)</a:t>
-            </a:r>
-            <a:r>
-              <a:rPr>
-                <a:solidFill>
-                  <a:srgbClr val="666666"/>
-                </a:solidFill>
-                <a:latin typeface="Courier"/>
-              </a:rPr>
-              <a:t>,</a:t>
-            </a:r>
-            <a:r>
-              <a:rPr>
-                <a:latin typeface="Courier"/>
-              </a:rPr>
-              <a:t>     </a:t>
-            </a:r>
-            <a:r>
-              <a:rPr>
-                <a:solidFill>
-                  <a:srgbClr val="40A070"/>
-                </a:solidFill>
-                <a:latin typeface="Courier"/>
-              </a:rPr>
-              <a:t>1</a:t>
-            </a:r>
-            <a:r>
-              <a:rPr>
-                <a:solidFill>
-                  <a:srgbClr val="666666"/>
-                </a:solidFill>
-                <a:latin typeface="Courier"/>
-              </a:rPr>
-              <a:t>-</a:t>
-            </a:r>
-            <a:r>
-              <a:rPr>
-                <a:solidFill>
-                  <a:srgbClr val="40A070"/>
-                </a:solidFill>
-                <a:latin typeface="Courier"/>
-              </a:rPr>
-              <a:t>2</a:t>
-            </a:r>
-            <a:r>
-              <a:rPr>
-                <a:solidFill>
-                  <a:srgbClr val="666666"/>
-                </a:solidFill>
-                <a:latin typeface="Courier"/>
-              </a:rPr>
-              <a:t>*</a:t>
-            </a:r>
-            <a:r>
-              <a:rPr>
-                <a:latin typeface="Courier"/>
-              </a:rPr>
-              <a:t>(</a:t>
-            </a:r>
-            <a:r>
-              <a:rPr>
-                <a:solidFill>
-                  <a:srgbClr val="19177C"/>
-                </a:solidFill>
-                <a:latin typeface="Courier"/>
-              </a:rPr>
-              <a:t>x</a:t>
-            </a:r>
-            <a:r>
-              <a:rPr>
-                <a:solidFill>
-                  <a:srgbClr val="666666"/>
-                </a:solidFill>
-                <a:latin typeface="Courier"/>
-              </a:rPr>
-              <a:t>^</a:t>
-            </a:r>
-            <a:r>
-              <a:rPr>
-                <a:solidFill>
-                  <a:srgbClr val="40A070"/>
-                </a:solidFill>
-                <a:latin typeface="Courier"/>
-              </a:rPr>
-              <a:t>2</a:t>
-            </a:r>
-            <a:r>
-              <a:rPr>
-                <a:solidFill>
-                  <a:srgbClr val="666666"/>
-                </a:solidFill>
-                <a:latin typeface="Courier"/>
-              </a:rPr>
-              <a:t>+</a:t>
-            </a:r>
-            <a:r>
-              <a:rPr>
-                <a:solidFill>
-                  <a:srgbClr val="19177C"/>
-                </a:solidFill>
-                <a:latin typeface="Courier"/>
-              </a:rPr>
-              <a:t>z</a:t>
-            </a:r>
-            <a:r>
-              <a:rPr>
-                <a:solidFill>
-                  <a:srgbClr val="666666"/>
-                </a:solidFill>
-                <a:latin typeface="Courier"/>
-              </a:rPr>
-              <a:t>^</a:t>
-            </a:r>
-            <a:r>
-              <a:rPr>
-                <a:solidFill>
-                  <a:srgbClr val="40A070"/>
-                </a:solidFill>
-                <a:latin typeface="Courier"/>
-              </a:rPr>
-              <a:t>2</a:t>
-            </a:r>
-            <a:r>
-              <a:rPr>
-                <a:latin typeface="Courier"/>
-              </a:rPr>
-              <a:t>)</a:t>
-            </a:r>
-            <a:r>
-              <a:rPr>
-                <a:solidFill>
-                  <a:srgbClr val="666666"/>
-                </a:solidFill>
-                <a:latin typeface="Courier"/>
-              </a:rPr>
-              <a:t>,</a:t>
-            </a:r>
-            <a:r>
-              <a:rPr>
-                <a:latin typeface="Courier"/>
-              </a:rPr>
-              <a:t>   </a:t>
-            </a:r>
-            <a:r>
-              <a:rPr>
-                <a:solidFill>
-                  <a:srgbClr val="40A070"/>
-                </a:solidFill>
-                <a:latin typeface="Courier"/>
-              </a:rPr>
-              <a:t>2</a:t>
-            </a:r>
-            <a:r>
-              <a:rPr>
-                <a:solidFill>
-                  <a:srgbClr val="666666"/>
-                </a:solidFill>
-                <a:latin typeface="Courier"/>
-              </a:rPr>
-              <a:t>*</a:t>
-            </a:r>
-            <a:r>
-              <a:rPr>
-                <a:latin typeface="Courier"/>
-              </a:rPr>
-              <a:t>(</a:t>
-            </a:r>
-            <a:r>
-              <a:rPr>
-                <a:solidFill>
-                  <a:srgbClr val="19177C"/>
-                </a:solidFill>
-                <a:latin typeface="Courier"/>
-              </a:rPr>
-              <a:t>y</a:t>
-            </a:r>
-            <a:r>
-              <a:rPr>
-                <a:solidFill>
-                  <a:srgbClr val="666666"/>
-                </a:solidFill>
-                <a:latin typeface="Courier"/>
-              </a:rPr>
-              <a:t>*</a:t>
-            </a:r>
-            <a:r>
-              <a:rPr>
-                <a:solidFill>
-                  <a:srgbClr val="19177C"/>
-                </a:solidFill>
-                <a:latin typeface="Courier"/>
-              </a:rPr>
-              <a:t>z</a:t>
-            </a:r>
-            <a:r>
-              <a:rPr>
-                <a:solidFill>
-                  <a:srgbClr val="666666"/>
-                </a:solidFill>
-                <a:latin typeface="Courier"/>
-              </a:rPr>
-              <a:t>-</a:t>
-            </a:r>
-            <a:r>
-              <a:rPr>
-                <a:solidFill>
-                  <a:srgbClr val="19177C"/>
-                </a:solidFill>
-                <a:latin typeface="Courier"/>
-              </a:rPr>
-              <a:t>w</a:t>
-            </a:r>
-            <a:r>
-              <a:rPr>
-                <a:solidFill>
-                  <a:srgbClr val="666666"/>
-                </a:solidFill>
-                <a:latin typeface="Courier"/>
-              </a:rPr>
-              <a:t>*</a:t>
-            </a:r>
-            <a:r>
-              <a:rPr>
-                <a:solidFill>
-                  <a:srgbClr val="19177C"/>
-                </a:solidFill>
-                <a:latin typeface="Courier"/>
-              </a:rPr>
-              <a:t>x</a:t>
-            </a:r>
-            <a:r>
-              <a:rPr>
-                <a:latin typeface="Courier"/>
-              </a:rPr>
-              <a:t>)</a:t>
-            </a:r>
-            <a:r>
-              <a:rPr>
-                <a:solidFill>
-                  <a:srgbClr val="666666"/>
-                </a:solidFill>
-                <a:latin typeface="Courier"/>
-              </a:rPr>
-              <a:t>;</a:t>
-            </a:r>
-            <a:br/>
-            <a:r>
-              <a:rPr>
-                <a:latin typeface="Courier"/>
-              </a:rPr>
-              <a:t>         </a:t>
-            </a:r>
-            <a:r>
-              <a:rPr>
-                <a:solidFill>
-                  <a:srgbClr val="40A070"/>
-                </a:solidFill>
-                <a:latin typeface="Courier"/>
-              </a:rPr>
-              <a:t>2</a:t>
-            </a:r>
-            <a:r>
-              <a:rPr>
-                <a:solidFill>
-                  <a:srgbClr val="666666"/>
-                </a:solidFill>
-                <a:latin typeface="Courier"/>
-              </a:rPr>
-              <a:t>*</a:t>
-            </a:r>
-            <a:r>
-              <a:rPr>
-                <a:latin typeface="Courier"/>
-              </a:rPr>
-              <a:t>(</a:t>
-            </a:r>
-            <a:r>
-              <a:rPr>
-                <a:solidFill>
-                  <a:srgbClr val="19177C"/>
-                </a:solidFill>
-                <a:latin typeface="Courier"/>
-              </a:rPr>
-              <a:t>x</a:t>
-            </a:r>
-            <a:r>
-              <a:rPr>
-                <a:solidFill>
-                  <a:srgbClr val="666666"/>
-                </a:solidFill>
-                <a:latin typeface="Courier"/>
-              </a:rPr>
-              <a:t>*</a:t>
-            </a:r>
-            <a:r>
-              <a:rPr>
-                <a:solidFill>
-                  <a:srgbClr val="19177C"/>
-                </a:solidFill>
-                <a:latin typeface="Courier"/>
-              </a:rPr>
-              <a:t>z</a:t>
-            </a:r>
-            <a:r>
-              <a:rPr>
-                <a:solidFill>
-                  <a:srgbClr val="666666"/>
-                </a:solidFill>
-                <a:latin typeface="Courier"/>
-              </a:rPr>
-              <a:t>-</a:t>
-            </a:r>
-            <a:r>
-              <a:rPr>
-                <a:solidFill>
-                  <a:srgbClr val="19177C"/>
-                </a:solidFill>
-                <a:latin typeface="Courier"/>
-              </a:rPr>
-              <a:t>w</a:t>
-            </a:r>
-            <a:r>
-              <a:rPr>
-                <a:solidFill>
-                  <a:srgbClr val="666666"/>
-                </a:solidFill>
-                <a:latin typeface="Courier"/>
-              </a:rPr>
-              <a:t>*</a:t>
-            </a:r>
-            <a:r>
-              <a:rPr>
-                <a:solidFill>
-                  <a:srgbClr val="19177C"/>
-                </a:solidFill>
-                <a:latin typeface="Courier"/>
-              </a:rPr>
-              <a:t>y</a:t>
-            </a:r>
-            <a:r>
-              <a:rPr>
-                <a:latin typeface="Courier"/>
-              </a:rPr>
-              <a:t>)</a:t>
-            </a:r>
-            <a:r>
-              <a:rPr>
-                <a:solidFill>
-                  <a:srgbClr val="666666"/>
-                </a:solidFill>
-                <a:latin typeface="Courier"/>
-              </a:rPr>
-              <a:t>,</a:t>
-            </a:r>
-            <a:r>
-              <a:rPr>
-                <a:latin typeface="Courier"/>
-              </a:rPr>
-              <a:t>     </a:t>
-            </a:r>
-            <a:r>
-              <a:rPr>
-                <a:solidFill>
-                  <a:srgbClr val="40A070"/>
-                </a:solidFill>
-                <a:latin typeface="Courier"/>
-              </a:rPr>
-              <a:t>2</a:t>
-            </a:r>
-            <a:r>
-              <a:rPr>
-                <a:solidFill>
-                  <a:srgbClr val="666666"/>
-                </a:solidFill>
-                <a:latin typeface="Courier"/>
-              </a:rPr>
-              <a:t>*</a:t>
-            </a:r>
-            <a:r>
-              <a:rPr>
-                <a:latin typeface="Courier"/>
-              </a:rPr>
-              <a:t>(</a:t>
-            </a:r>
-            <a:r>
-              <a:rPr>
-                <a:solidFill>
-                  <a:srgbClr val="19177C"/>
-                </a:solidFill>
-                <a:latin typeface="Courier"/>
-              </a:rPr>
-              <a:t>y</a:t>
-            </a:r>
-            <a:r>
-              <a:rPr>
-                <a:solidFill>
-                  <a:srgbClr val="666666"/>
-                </a:solidFill>
-                <a:latin typeface="Courier"/>
-              </a:rPr>
-              <a:t>*</a:t>
-            </a:r>
-            <a:r>
-              <a:rPr>
-                <a:solidFill>
-                  <a:srgbClr val="19177C"/>
-                </a:solidFill>
-                <a:latin typeface="Courier"/>
-              </a:rPr>
-              <a:t>z</a:t>
-            </a:r>
-            <a:r>
-              <a:rPr>
-                <a:solidFill>
-                  <a:srgbClr val="666666"/>
-                </a:solidFill>
-                <a:latin typeface="Courier"/>
-              </a:rPr>
-              <a:t>+</a:t>
-            </a:r>
-            <a:r>
-              <a:rPr>
-                <a:solidFill>
-                  <a:srgbClr val="19177C"/>
-                </a:solidFill>
-                <a:latin typeface="Courier"/>
-              </a:rPr>
-              <a:t>w</a:t>
-            </a:r>
-            <a:r>
-              <a:rPr>
-                <a:solidFill>
-                  <a:srgbClr val="666666"/>
-                </a:solidFill>
-                <a:latin typeface="Courier"/>
-              </a:rPr>
-              <a:t>*</a:t>
-            </a:r>
-            <a:r>
-              <a:rPr>
-                <a:solidFill>
-                  <a:srgbClr val="19177C"/>
-                </a:solidFill>
-                <a:latin typeface="Courier"/>
-              </a:rPr>
-              <a:t>x</a:t>
-            </a:r>
-            <a:r>
-              <a:rPr>
-                <a:latin typeface="Courier"/>
-              </a:rPr>
-              <a:t>)</a:t>
-            </a:r>
-            <a:r>
-              <a:rPr>
-                <a:solidFill>
-                  <a:srgbClr val="666666"/>
-                </a:solidFill>
-                <a:latin typeface="Courier"/>
-              </a:rPr>
-              <a:t>,</a:t>
-            </a:r>
-            <a:r>
-              <a:rPr>
-                <a:latin typeface="Courier"/>
-              </a:rPr>
-              <a:t>     </a:t>
-            </a:r>
-            <a:r>
-              <a:rPr>
-                <a:solidFill>
-                  <a:srgbClr val="40A070"/>
-                </a:solidFill>
-                <a:latin typeface="Courier"/>
-              </a:rPr>
-              <a:t>1</a:t>
-            </a:r>
-            <a:r>
-              <a:rPr>
-                <a:solidFill>
-                  <a:srgbClr val="666666"/>
-                </a:solidFill>
-                <a:latin typeface="Courier"/>
-              </a:rPr>
-              <a:t>-</a:t>
-            </a:r>
-            <a:r>
-              <a:rPr>
-                <a:solidFill>
-                  <a:srgbClr val="40A070"/>
-                </a:solidFill>
-                <a:latin typeface="Courier"/>
-              </a:rPr>
-              <a:t>2</a:t>
-            </a:r>
-            <a:r>
-              <a:rPr>
-                <a:solidFill>
-                  <a:srgbClr val="666666"/>
-                </a:solidFill>
-                <a:latin typeface="Courier"/>
-              </a:rPr>
-              <a:t>*</a:t>
-            </a:r>
-            <a:r>
-              <a:rPr>
-                <a:latin typeface="Courier"/>
-              </a:rPr>
-              <a:t>(</a:t>
-            </a:r>
-            <a:r>
-              <a:rPr>
-                <a:solidFill>
-                  <a:srgbClr val="19177C"/>
-                </a:solidFill>
-                <a:latin typeface="Courier"/>
-              </a:rPr>
-              <a:t>x</a:t>
-            </a:r>
-            <a:r>
-              <a:rPr>
-                <a:solidFill>
-                  <a:srgbClr val="666666"/>
-                </a:solidFill>
-                <a:latin typeface="Courier"/>
-              </a:rPr>
-              <a:t>^</a:t>
-            </a:r>
-            <a:r>
-              <a:rPr>
-                <a:solidFill>
-                  <a:srgbClr val="40A070"/>
-                </a:solidFill>
-                <a:latin typeface="Courier"/>
-              </a:rPr>
-              <a:t>2</a:t>
-            </a:r>
-            <a:r>
-              <a:rPr>
-                <a:solidFill>
-                  <a:srgbClr val="666666"/>
-                </a:solidFill>
-                <a:latin typeface="Courier"/>
-              </a:rPr>
-              <a:t>+</a:t>
-            </a:r>
-            <a:r>
-              <a:rPr>
-                <a:solidFill>
-                  <a:srgbClr val="19177C"/>
-                </a:solidFill>
-                <a:latin typeface="Courier"/>
-              </a:rPr>
-              <a:t>y</a:t>
-            </a:r>
-            <a:r>
-              <a:rPr>
-                <a:solidFill>
-                  <a:srgbClr val="666666"/>
-                </a:solidFill>
-                <a:latin typeface="Courier"/>
-              </a:rPr>
-              <a:t>^</a:t>
-            </a:r>
-            <a:r>
-              <a:rPr>
-                <a:solidFill>
-                  <a:srgbClr val="40A070"/>
-                </a:solidFill>
-                <a:latin typeface="Courier"/>
-              </a:rPr>
-              <a:t>2</a:t>
-            </a:r>
-            <a:r>
-              <a:rPr>
-                <a:latin typeface="Courier"/>
-              </a:rPr>
-              <a:t>)]</a:t>
-            </a:r>
-            <a:r>
-              <a:rPr>
-                <a:solidFill>
-                  <a:srgbClr val="666666"/>
-                </a:solidFill>
-                <a:latin typeface="Courier"/>
-              </a:rPr>
-              <a:t>;</a:t>
-            </a:r>
-            <a:br/>
-            <a:r>
-              <a:rPr b="1">
-                <a:solidFill>
-                  <a:srgbClr val="007020"/>
-                </a:solidFill>
-                <a:latin typeface="Courier"/>
-              </a:rPr>
-              <a:t>end</a:t>
-            </a:r>
-          </a:p>
+              <a:t>Key Design Decisions:</a:t>
+            </a:r>
+            <a:r>
+              <a:rPr/>
+              <a:t> 1. </a:t>
+            </a:r>
+            <a:r>
+              <a:rPr b="1"/>
+              <a:t>Normalization First</a:t>
+            </a:r>
+            <a:r>
+              <a:rPr/>
+              <a:t>: Prevents accumulated numerical errors 2. </a:t>
+            </a:r>
+            <a:r>
+              <a:rPr b="1"/>
+              <a:t>Scalar-First Convention</a:t>
+            </a:r>
+            <a:r>
+              <a:rPr/>
+              <a:t>: Matches MATLAB/robotics standards 3. </a:t>
+            </a:r>
+            <a:r>
+              <a:rPr b="1"/>
+              <a:t>Vectorized Operations</a:t>
+            </a:r>
+            <a:r>
+              <a:rPr/>
+              <a:t>: Maximizes MATLAB performance</a:t>
+            </a:r>
+          </a:p>
+        </p:txBody>
+      </p:sp>
+      <p:pic>
+        <p:nvPicPr>
+          <p:cNvPr descr="figures/fig2_quaternion_visualization.png" id="0" name="Picture 1"/>
+          <p:cNvPicPr>
+            <a:picLocks noGrp="1" noChangeAspect="1"/>
+          </p:cNvPicPr>
+          <p:nvPr/>
+        </p:nvPicPr>
+        <p:blipFill>
+          <a:blip r:embed="rId2"/>
+          <a:stretch>
+            <a:fillRect/>
+          </a:stretch>
+        </p:blipFill>
+        <p:spPr bwMode="auto">
+          <a:xfrm>
+            <a:off x="3644900" y="203200"/>
+            <a:ext cx="4953000" cy="3873500"/>
+          </a:xfrm>
+          <a:prstGeom prst="rect">
+            <a:avLst/>
+          </a:prstGeom>
+          <a:noFill/>
+          <a:ln w="9525">
+            <a:noFill/>
+            <a:headEnd/>
+            <a:tailEnd/>
+          </a:ln>
+        </p:spPr>
+      </p:pic>
+      <p:sp>
+        <p:nvSpPr>
+          <p:cNvPr id="1" name="TextBox 3"/>
+          <p:cNvSpPr txBox="1"/>
+          <p:nvPr>
+            <p:ph idx="1"/>
+          </p:nvPr>
+        </p:nvSpPr>
+        <p:spPr>
+          <a:xfrm>
+            <a:off x="3568700" y="4076700"/>
+            <a:ext cx="5105400" cy="508000"/>
+          </a:xfrm>
+          <a:prstGeom prst="rect">
+            <a:avLst/>
+          </a:prstGeom>
+          <a:noFill/>
+        </p:spPr>
+        <p:txBody>
+          <a:bodyPr/>
+          <a:lstStyle/>
+          <a:p>
+            <a:pPr lvl="0" indent="0" marL="0" algn="ctr">
+              <a:buNone/>
+            </a:pPr>
+            <a:r>
+              <a:rPr/>
+              <a:t>Figure 2: Quaternion to Rotation Matrix Visualization</a:t>
+            </a:r>
+          </a:p>
+        </p:txBody>
+      </p:sp>
+    </p:spTree>
+  </p:cSld>
+</p:sld>
+</file>
+
+<file path=ppt/slides/slide9.xml><?xml version="1.0" encoding="utf-8"?>
+<p:sld xmlns:a="http://schemas.openxmlformats.org/drawingml/2006/main" xmlns:r="http://schemas.openxmlformats.org/officeDocument/2006/relationships" xmlns:p="http://schemas.openxmlformats.org/presentationml/2006/main">
+  <p:cSld>
+    <p:spTree>
+      <p:nvGrpSpPr>
+        <p:cNvPr id="1" name=""/>
+        <p:cNvGrpSpPr/>
+        <p:nvPr/>
+      </p:nvGrpSpPr>
+      <p:grpSpPr>
+        <a:xfrm>
+          <a:off x="0" y="0"/>
+          <a:ext cx="0" cy="0"/>
+          <a:chOff x="0" y="0"/>
+          <a:chExt cx="0" cy="0"/>
+        </a:xfrm>
+      </p:grpSpPr>
+      <p:sp>
+        <p:nvSpPr>
+          <p:cNvPr id="4" name="Text Placeholder 3"/>
+          <p:cNvSpPr>
+            <a:spLocks noGrp="1"/>
+          </p:cNvSpPr>
+          <p:nvPr>
+            <p:ph idx="2" sz="half" type="body"/>
+          </p:nvPr>
+        </p:nvSpPr>
+        <p:spPr/>
+        <p:txBody>
+          <a:bodyPr/>
+          <a:lstStyle/>
           <a:p>
             <a:pPr lvl="0" indent="0" marL="0">
               <a:buNone/>
             </a:pPr>
             <a:r>
-              <a:rPr b="1"/>
-              <a:t>Key Design Decisions:</a:t>
-            </a:r>
-            <a:r>
-              <a:rPr/>
-              <a:t> 1. </a:t>
-            </a:r>
-            <a:r>
-              <a:rPr b="1"/>
-              <a:t>Normalization First</a:t>
-            </a:r>
-            <a:r>
-              <a:rPr/>
-              <a:t>: Prevents accumulated numerical errors 2. </a:t>
-            </a:r>
-            <a:r>
-              <a:rPr b="1"/>
-              <a:t>Scalar-First Convention</a:t>
-            </a:r>
-            <a:r>
-              <a:rPr/>
-              <a:t>: Matches MATLAB/robotics standards 3. </a:t>
-            </a:r>
-            <a:r>
-              <a:rPr b="1"/>
-              <a:t>Vectorized Operations</a:t>
-            </a:r>
-            <a:r>
-              <a:rPr/>
-              <a:t>: Maximizes MATLAB performance</a:t>
+              <a:rPr/>
+              <a:t> </a:t>
+            </a:r>
+            <a:r>
+              <a:rPr b="1"/>
+              <a:t>Figure 2</a:t>
+            </a:r>
+            <a:r>
+              <a:rPr/>
+              <a:t>: </a:t>
+            </a:r>
+            <a:r>
+              <a:rPr i="1"/>
+              <a:t>Visual representation of quaternion-to-rotation-matrix conversion. Left: heatmap showing the numerical values of the 3×3 rotation matrix. Right: 3D visualization depicting the rotation of coordinate axes (solid lines = original, dashed lines = rotated). The example shows a 45° rotation about the Z-axis.</a:t>
+            </a:r>
+          </a:p>
+          <a:p>
+            <a:pPr lvl="0" indent="0" marL="0">
+              <a:buNone/>
+            </a:pPr>
+            <a:r>
+              <a:rPr b="1"/>
+              <a:t>Visualization Features:</a:t>
+            </a:r>
+            <a:r>
+              <a:rPr/>
+              <a:t> - Matrix element values displayed with 3 decimal precision - Color-coded heatmap for intuitive value interpretation - 3D axis rotation clearly shows the geometric transformation - Validates both numerical accuracy and geometric correctness</a:t>
             </a:r>
           </a:p>
           <a:p>
@@ -20401,295 +21085,6 @@
             <a:r>
               <a:rPr/>
               <a:t>Figure 3: Comprehensive Test Results</a:t>
-            </a:r>
-          </a:p>
-        </p:txBody>
-      </p:sp>
-    </p:spTree>
-  </p:cSld>
-</p:sld>
-</file>
-
-<file path=ppt/slides/slide9.xml><?xml version="1.0" encoding="utf-8"?>
-<p:sld xmlns:a="http://schemas.openxmlformats.org/drawingml/2006/main" xmlns:r="http://schemas.openxmlformats.org/officeDocument/2006/relationships" xmlns:p="http://schemas.openxmlformats.org/presentationml/2006/main">
-  <p:cSld>
-    <p:spTree>
-      <p:nvGrpSpPr>
-        <p:cNvPr id="1" name=""/>
-        <p:cNvGrpSpPr/>
-        <p:nvPr/>
-      </p:nvGrpSpPr>
-      <p:grpSpPr>
-        <a:xfrm>
-          <a:off x="0" y="0"/>
-          <a:ext cx="0" cy="0"/>
-          <a:chOff x="0" y="0"/>
-          <a:chExt cx="0" cy="0"/>
-        </a:xfrm>
-      </p:grpSpPr>
-      <p:sp>
-        <p:nvSpPr>
-          <p:cNvPr id="4" name="Text Placeholder 3"/>
-          <p:cNvSpPr>
-            <a:spLocks noGrp="1"/>
-          </p:cNvSpPr>
-          <p:nvPr>
-            <p:ph idx="2" sz="half" type="body"/>
-          </p:nvPr>
-        </p:nvSpPr>
-        <p:spPr/>
-        <p:txBody>
-          <a:bodyPr/>
-          <a:lstStyle/>
-          <a:p>
-            <a:pPr lvl="0" indent="0" marL="0">
-              <a:buNone/>
-            </a:pPr>
-            <a:r>
-              <a:rPr/>
-              <a:t> </a:t>
-            </a:r>
-            <a:r>
-              <a:rPr b="1"/>
-              <a:t>Figure 3</a:t>
-            </a:r>
-            <a:r>
-              <a:rPr/>
-              <a:t>: </a:t>
-            </a:r>
-            <a:r>
-              <a:rPr i="1"/>
-              <a:t>Complete test suite showing 100% pass rate. All mathematical properties verified: identity quaternion, 90° rotations, robot-specific quaternions, and unnormalized inputs all handled correctly.</a:t>
-            </a:r>
-          </a:p>
-          <a:p>
-            <a:pPr lvl="0" indent="0" marL="0">
-              <a:buNone/>
-            </a:pPr>
-            <a:r>
-              <a:rPr b="1"/>
-              <a:t>Test Coverage:</a:t>
-            </a:r>
-            <a:r>
-              <a:rPr/>
-              <a:t> - ✅ Identity quaternion: [1,0,0,0] → I₃ - ✅ 90° Z-rotation: Verified against known result - ✅ Robot quaternions: From actual RAPID targets - ✅ Unnormalized inputs: Automatic normalization - ✅ Determinant validation: det(R) = 1.0 ± 10⁻¹⁶ - ✅ Orthogonality: R’R = I within machine precision</a:t>
-            </a:r>
-          </a:p>
-          <a:p>
-            <a:pPr lvl="0" indent="0" marL="0">
-              <a:spcBef>
-                <a:spcPts val="3000"/>
-              </a:spcBef>
-              <a:buNone/>
-            </a:pPr>
-            <a:r>
-              <a:rPr b="1"/>
-              <a:t>2.2 Phase 2: SLERP Interpolation</a:t>
-            </a:r>
-          </a:p>
-          <a:p>
-            <a:pPr lvl="0" indent="0" marL="0">
-              <a:spcBef>
-                <a:spcPts val="3000"/>
-              </a:spcBef>
-              <a:buNone/>
-            </a:pPr>
-            <a:r>
-              <a:rPr b="1"/>
-              <a:t>2.2.1 Why SLERP Matters</a:t>
-            </a:r>
-          </a:p>
-          <a:p>
-            <a:pPr lvl="0" indent="0" marL="0">
-              <a:buNone/>
-            </a:pPr>
-            <a:r>
-              <a:rPr/>
-              <a:t>Linear interpolation of quaternions causes: - </a:t>
-            </a:r>
-            <a:r>
-              <a:rPr b="1"/>
-              <a:t>Non-constant angular velocity</a:t>
-            </a:r>
-            <a:r>
-              <a:rPr/>
-              <a:t> (jerky motion) - </a:t>
-            </a:r>
-            <a:r>
-              <a:rPr b="1"/>
-              <a:t>Unnatural paths</a:t>
-            </a:r>
-            <a:r>
-              <a:rPr/>
-              <a:t> (deviation from geodesic) - </a:t>
-            </a:r>
-            <a:r>
-              <a:rPr b="1"/>
-              <a:t>Quaternion denormalization</a:t>
-            </a:r>
-            <a:r>
-              <a:rPr/>
-              <a:t> (invalid rotations)</a:t>
-            </a:r>
-          </a:p>
-          <a:p>
-            <a:pPr lvl="0" indent="0" marL="0">
-              <a:buNone/>
-            </a:pPr>
-            <a:r>
-              <a:rPr/>
-              <a:t>Spherical Linear Interpolation (SLERP) provides: - </a:t>
-            </a:r>
-            <a:r>
-              <a:rPr b="1"/>
-              <a:t>Constant angular velocity</a:t>
-            </a:r>
-            <a:r>
-              <a:rPr/>
-              <a:t> (smooth motion) - </a:t>
-            </a:r>
-            <a:r>
-              <a:rPr b="1"/>
-              <a:t>Shortest path</a:t>
-            </a:r>
-            <a:r>
-              <a:rPr/>
-              <a:t> on the quaternion sphere - </a:t>
-            </a:r>
-            <a:r>
-              <a:rPr b="1"/>
-              <a:t>Preserved normalization</a:t>
-            </a:r>
-            <a:r>
-              <a:rPr/>
-              <a:t> (always unit quaternion)</a:t>
-            </a:r>
-          </a:p>
-          <a:p>
-            <a:pPr lvl="0" indent="0" marL="0">
-              <a:spcBef>
-                <a:spcPts val="3000"/>
-              </a:spcBef>
-              <a:buNone/>
-            </a:pPr>
-            <a:r>
-              <a:rPr b="1"/>
-              <a:t>2.2.2 SLERP Mathematics</a:t>
-            </a:r>
-          </a:p>
-          <a:p>
-            <a:pPr lvl="0" indent="0" marL="0">
-              <a:buNone/>
-            </a:pPr>
-            <a:r>
-              <a:rPr/>
-              <a:t>Given two unit quaternions </a:t>
-            </a:r>
-            <a:r>
-              <a:rPr b="1"/>
-              <a:t>q₁</a:t>
-            </a:r>
-            <a:r>
-              <a:rPr/>
-              <a:t> and </a:t>
-            </a:r>
-            <a:r>
-              <a:rPr b="1"/>
-              <a:t>q₂</a:t>
-            </a:r>
-            <a:r>
-              <a:rPr/>
-              <a:t>, SLERP interpolates as:</a:t>
-            </a:r>
-          </a:p>
-          <a:p>
-            <a:pPr lvl="0" indent="0" marL="0">
-              <a:buNone/>
-            </a:pPr>
-            <a:r>
-              <a:rPr/>
-              <a:t>$$
-\\text{SLERP}(q_1, q_2, t) = \\frac{\\sin((1-t)\\theta)}{\\sin(\\theta)} q_1 + \\frac{\\sin(t\\theta)}{\\sin(\\theta)} q_2
-$$</a:t>
-            </a:r>
-          </a:p>
-          <a:p>
-            <a:pPr lvl="0" indent="0" marL="0">
-              <a:buNone/>
-            </a:pPr>
-            <a:r>
-              <a:rPr/>
-              <a:t>where </a:t>
-            </a:r>
-            <a:r>
-              <a:rPr/>
-              <a:t>$\\theta = \\arccos(q_1 \\cdot q_2)$</a:t>
-            </a:r>
-            <a:r>
-              <a:rPr/>
-              <a:t> is the angle between quaternions.</a:t>
-            </a:r>
-          </a:p>
-        </p:txBody>
-      </p:sp>
-      <p:pic>
-        <p:nvPicPr>
-          <p:cNvPr descr="figures/fig5_slerp_comparison.png" id="0" name="Picture 1"/>
-          <p:cNvPicPr>
-            <a:picLocks noGrp="1" noChangeAspect="1"/>
-          </p:cNvPicPr>
-          <p:nvPr/>
-        </p:nvPicPr>
-        <p:blipFill>
-          <a:blip r:embed="rId2"/>
-          <a:stretch>
-            <a:fillRect/>
-          </a:stretch>
-        </p:blipFill>
-        <p:spPr bwMode="auto">
-          <a:xfrm>
-            <a:off x="3632200" y="203200"/>
-            <a:ext cx="4978400" cy="3873500"/>
-          </a:xfrm>
-          <a:prstGeom prst="rect">
-            <a:avLst/>
-          </a:prstGeom>
-          <a:noFill/>
-          <a:ln w="9525">
-            <a:noFill/>
-            <a:headEnd/>
-            <a:tailEnd/>
-          </a:ln>
-        </p:spPr>
-      </p:pic>
-      <p:sp>
-        <p:nvSpPr>
-          <p:cNvPr id="1" name="TextBox 3"/>
-          <p:cNvSpPr txBox="1"/>
-          <p:nvPr>
-            <p:ph idx="1"/>
-          </p:nvPr>
-        </p:nvSpPr>
-        <p:spPr>
-          <a:xfrm>
-            <a:off x="3568700" y="4076700"/>
-            <a:ext cx="5105400" cy="508000"/>
-          </a:xfrm>
-          <a:prstGeom prst="rect">
-            <a:avLst/>
-          </a:prstGeom>
-          <a:noFill/>
-        </p:spPr>
-        <p:txBody>
-          <a:bodyPr/>
-          <a:lstStyle/>
-          <a:p>
-            <a:pPr lvl="0" indent="0" marL="0" algn="ctr">
-              <a:buNone/>
-            </a:pPr>
-            <a:r>
-              <a:rPr/>
-              <a:t>Figure 5: SLERP vs Linear Interpolation Comparison</a:t>
             </a:r>
           </a:p>
         </p:txBody>

--- a/FINAL_PRESENTATION.pptx
+++ b/FINAL_PRESENTATION.pptx
@@ -36,7 +36,6 @@
     <p:sldId id="284" r:id="rId30"/>
     <p:sldId id="285" r:id="rId31"/>
     <p:sldId id="286" r:id="rId32"/>
-    <p:sldId id="287" r:id="rId33"/>
   </p:sldIdLst>
   <p:sldSz cx="9144000" cy="5143500" type="screen16x9"/>
   <p:notesSz cx="6858000" cy="9144000"/>
@@ -3146,7 +3145,7 @@
             </a:pPr>
             <a:r>
               <a:rPr/>
-              <a:t>ABB IRB1600 Robot Simulation Project</a:t>
+              <a:t>The Robot Motion Kernel</a:t>
             </a:r>
           </a:p>
         </p:txBody>
@@ -3157,287 +3156,6 @@
 </file>
 
 <file path=ppt/slides/slide10.xml><?xml version="1.0" encoding="utf-8"?>
-<p:sld xmlns:a="http://schemas.openxmlformats.org/drawingml/2006/main" xmlns:r="http://schemas.openxmlformats.org/officeDocument/2006/relationships" xmlns:p="http://schemas.openxmlformats.org/presentationml/2006/main">
-  <p:cSld>
-    <p:spTree>
-      <p:nvGrpSpPr>
-        <p:cNvPr id="1" name=""/>
-        <p:cNvGrpSpPr/>
-        <p:nvPr/>
-      </p:nvGrpSpPr>
-      <p:grpSpPr>
-        <a:xfrm>
-          <a:off x="0" y="0"/>
-          <a:ext cx="0" cy="0"/>
-          <a:chOff x="0" y="0"/>
-          <a:chExt cx="0" cy="0"/>
-        </a:xfrm>
-      </p:grpSpPr>
-      <p:sp>
-        <p:nvSpPr>
-          <p:cNvPr id="4" name="Text Placeholder 3"/>
-          <p:cNvSpPr>
-            <a:spLocks noGrp="1"/>
-          </p:cNvSpPr>
-          <p:nvPr>
-            <p:ph idx="2" sz="half" type="body"/>
-          </p:nvPr>
-        </p:nvSpPr>
-        <p:spPr/>
-        <p:txBody>
-          <a:bodyPr/>
-          <a:lstStyle/>
-          <a:p>
-            <a:pPr lvl="0" indent="0" marL="0">
-              <a:buNone/>
-            </a:pPr>
-            <a:r>
-              <a:rPr/>
-              <a:t> </a:t>
-            </a:r>
-            <a:r>
-              <a:rPr b="1"/>
-              <a:t>Figure 3</a:t>
-            </a:r>
-            <a:r>
-              <a:rPr/>
-              <a:t>: </a:t>
-            </a:r>
-            <a:r>
-              <a:rPr i="1"/>
-              <a:t>Complete test suite showing 100% pass rate. All mathematical properties verified: identity quaternion, 90° rotations, robot-specific quaternions, and unnormalized inputs all handled correctly.</a:t>
-            </a:r>
-          </a:p>
-          <a:p>
-            <a:pPr lvl="0" indent="0" marL="0">
-              <a:buNone/>
-            </a:pPr>
-            <a:r>
-              <a:rPr b="1"/>
-              <a:t>Test Coverage:</a:t>
-            </a:r>
-            <a:r>
-              <a:rPr/>
-              <a:t> - ✅ Identity quaternion: [1,0,0,0] → I₃ - ✅ 90° Z-rotation: Verified against known result - ✅ Robot quaternions: From actual RAPID targets - ✅ Unnormalized inputs: Automatic normalization - ✅ Determinant validation: det(R) = 1.0 ± 10⁻¹⁶ - ✅ Orthogonality: R’R = I within machine precision</a:t>
-            </a:r>
-          </a:p>
-          <a:p>
-            <a:pPr lvl="0" indent="0" marL="0">
-              <a:spcBef>
-                <a:spcPts val="3000"/>
-              </a:spcBef>
-              <a:buNone/>
-            </a:pPr>
-            <a:r>
-              <a:rPr b="1"/>
-              <a:t>2.2 Phase 2: SLERP Interpolation</a:t>
-            </a:r>
-          </a:p>
-          <a:p>
-            <a:pPr lvl="0" indent="0" marL="0">
-              <a:spcBef>
-                <a:spcPts val="3000"/>
-              </a:spcBef>
-              <a:buNone/>
-            </a:pPr>
-            <a:r>
-              <a:rPr b="1"/>
-              <a:t>2.2.1 Why SLERP Matters</a:t>
-            </a:r>
-          </a:p>
-          <a:p>
-            <a:pPr lvl="0" indent="0" marL="0">
-              <a:buNone/>
-            </a:pPr>
-            <a:r>
-              <a:rPr/>
-              <a:t>Linear interpolation of quaternions causes: - </a:t>
-            </a:r>
-            <a:r>
-              <a:rPr b="1"/>
-              <a:t>Non-constant angular velocity</a:t>
-            </a:r>
-            <a:r>
-              <a:rPr/>
-              <a:t> (jerky motion) - </a:t>
-            </a:r>
-            <a:r>
-              <a:rPr b="1"/>
-              <a:t>Unnatural paths</a:t>
-            </a:r>
-            <a:r>
-              <a:rPr/>
-              <a:t> (deviation from geodesic) - </a:t>
-            </a:r>
-            <a:r>
-              <a:rPr b="1"/>
-              <a:t>Quaternion denormalization</a:t>
-            </a:r>
-            <a:r>
-              <a:rPr/>
-              <a:t> (invalid rotations)</a:t>
-            </a:r>
-          </a:p>
-          <a:p>
-            <a:pPr lvl="0" indent="0" marL="0">
-              <a:buNone/>
-            </a:pPr>
-            <a:r>
-              <a:rPr/>
-              <a:t>Spherical Linear Interpolation (SLERP) provides: - </a:t>
-            </a:r>
-            <a:r>
-              <a:rPr b="1"/>
-              <a:t>Constant angular velocity</a:t>
-            </a:r>
-            <a:r>
-              <a:rPr/>
-              <a:t> (smooth motion) - </a:t>
-            </a:r>
-            <a:r>
-              <a:rPr b="1"/>
-              <a:t>Shortest path</a:t>
-            </a:r>
-            <a:r>
-              <a:rPr/>
-              <a:t> on the quaternion sphere - </a:t>
-            </a:r>
-            <a:r>
-              <a:rPr b="1"/>
-              <a:t>Preserved normalization</a:t>
-            </a:r>
-            <a:r>
-              <a:rPr/>
-              <a:t> (always unit quaternion)</a:t>
-            </a:r>
-          </a:p>
-          <a:p>
-            <a:pPr lvl="0" indent="0" marL="0">
-              <a:spcBef>
-                <a:spcPts val="3000"/>
-              </a:spcBef>
-              <a:buNone/>
-            </a:pPr>
-            <a:r>
-              <a:rPr b="1"/>
-              <a:t>2.2.2 SLERP Mathematics</a:t>
-            </a:r>
-          </a:p>
-          <a:p>
-            <a:pPr lvl="0" indent="0" marL="0">
-              <a:buNone/>
-            </a:pPr>
-            <a:r>
-              <a:rPr/>
-              <a:t>Given two unit quaternions </a:t>
-            </a:r>
-            <a:r>
-              <a:rPr b="1"/>
-              <a:t>q₁</a:t>
-            </a:r>
-            <a:r>
-              <a:rPr/>
-              <a:t> and </a:t>
-            </a:r>
-            <a:r>
-              <a:rPr b="1"/>
-              <a:t>q₂</a:t>
-            </a:r>
-            <a:r>
-              <a:rPr/>
-              <a:t>, SLERP interpolates as:</a:t>
-            </a:r>
-          </a:p>
-          <a:p>
-            <a:pPr lvl="0" indent="0">
-              <a:buNone/>
-            </a:pPr>
-            <a:r>
-              <a:rPr>
-                <a:latin typeface="Courier"/>
-              </a:rPr>
-              <a:t>SLERP(q₁, q₂, t) = [sin((1-t)θ)/sin(θ)] × q₁ + [sin(tθ)/sin(θ)] × q₂</a:t>
-            </a:r>
-          </a:p>
-          <a:p>
-            <a:pPr lvl="0" indent="0" marL="0">
-              <a:buNone/>
-            </a:pPr>
-            <a:r>
-              <a:rPr/>
-              <a:t>where θ = arccos(q₁ · q₂) is the angle between quaternions.</a:t>
-            </a:r>
-          </a:p>
-        </p:txBody>
-      </p:sp>
-      <p:pic>
-        <p:nvPicPr>
-          <p:cNvPr descr="figures/fig5_slerp_comparison.png" id="0" name="Picture 1"/>
-          <p:cNvPicPr>
-            <a:picLocks noGrp="1" noChangeAspect="1"/>
-          </p:cNvPicPr>
-          <p:nvPr/>
-        </p:nvPicPr>
-        <p:blipFill>
-          <a:blip r:embed="rId2"/>
-          <a:stretch>
-            <a:fillRect/>
-          </a:stretch>
-        </p:blipFill>
-        <p:spPr bwMode="auto">
-          <a:xfrm>
-            <a:off x="3632200" y="203200"/>
-            <a:ext cx="4978400" cy="3873500"/>
-          </a:xfrm>
-          <a:prstGeom prst="rect">
-            <a:avLst/>
-          </a:prstGeom>
-          <a:noFill/>
-          <a:ln w="9525">
-            <a:noFill/>
-            <a:headEnd/>
-            <a:tailEnd/>
-          </a:ln>
-        </p:spPr>
-      </p:pic>
-      <p:sp>
-        <p:nvSpPr>
-          <p:cNvPr id="1" name="TextBox 3"/>
-          <p:cNvSpPr txBox="1"/>
-          <p:nvPr>
-            <p:ph idx="1"/>
-          </p:nvPr>
-        </p:nvSpPr>
-        <p:spPr>
-          <a:xfrm>
-            <a:off x="3568700" y="4076700"/>
-            <a:ext cx="5105400" cy="508000"/>
-          </a:xfrm>
-          <a:prstGeom prst="rect">
-            <a:avLst/>
-          </a:prstGeom>
-          <a:noFill/>
-        </p:spPr>
-        <p:txBody>
-          <a:bodyPr/>
-          <a:lstStyle/>
-          <a:p>
-            <a:pPr lvl="0" indent="0" marL="0" algn="ctr">
-              <a:buNone/>
-            </a:pPr>
-            <a:r>
-              <a:rPr/>
-              <a:t>Figure 5: SLERP vs Linear Interpolation Comparison</a:t>
-            </a:r>
-          </a:p>
-        </p:txBody>
-      </p:sp>
-    </p:spTree>
-  </p:cSld>
-</p:sld>
-</file>
-
-<file path=ppt/slides/slide11.xml><?xml version="1.0" encoding="utf-8"?>
 <p:sld xmlns:a="http://schemas.openxmlformats.org/drawingml/2006/main" xmlns:r="http://schemas.openxmlformats.org/officeDocument/2006/relationships" xmlns:p="http://schemas.openxmlformats.org/presentationml/2006/main">
   <p:cSld>
     <p:spTree>
@@ -4750,7 +4468,7 @@
 </p:sld>
 </file>
 
-<file path=ppt/slides/slide12.xml><?xml version="1.0" encoding="utf-8"?>
+<file path=ppt/slides/slide11.xml><?xml version="1.0" encoding="utf-8"?>
 <p:sld xmlns:a="http://schemas.openxmlformats.org/drawingml/2006/main" xmlns:r="http://schemas.openxmlformats.org/officeDocument/2006/relationships" xmlns:p="http://schemas.openxmlformats.org/presentationml/2006/main">
   <p:cSld>
     <p:spTree>
@@ -4982,7 +4700,7 @@
 </p:sld>
 </file>
 
-<file path=ppt/slides/slide13.xml><?xml version="1.0" encoding="utf-8"?>
+<file path=ppt/slides/slide12.xml><?xml version="1.0" encoding="utf-8"?>
 <p:sld xmlns:a="http://schemas.openxmlformats.org/drawingml/2006/main" xmlns:r="http://schemas.openxmlformats.org/officeDocument/2006/relationships" xmlns:p="http://schemas.openxmlformats.org/presentationml/2006/main">
   <p:cSld>
     <p:spTree>
@@ -5156,7 +4874,7 @@
 </p:sld>
 </file>
 
-<file path=ppt/slides/slide14.xml><?xml version="1.0" encoding="utf-8"?>
+<file path=ppt/slides/slide13.xml><?xml version="1.0" encoding="utf-8"?>
 <p:sld xmlns:a="http://schemas.openxmlformats.org/drawingml/2006/main" xmlns:r="http://schemas.openxmlformats.org/officeDocument/2006/relationships" xmlns:p="http://schemas.openxmlformats.org/presentationml/2006/main">
   <p:cSld>
     <p:spTree>
@@ -5335,7 +5053,7 @@
 </p:sld>
 </file>
 
-<file path=ppt/slides/slide15.xml><?xml version="1.0" encoding="utf-8"?>
+<file path=ppt/slides/slide14.xml><?xml version="1.0" encoding="utf-8"?>
 <p:sld xmlns:a="http://schemas.openxmlformats.org/drawingml/2006/main" xmlns:r="http://schemas.openxmlformats.org/officeDocument/2006/relationships" xmlns:p="http://schemas.openxmlformats.org/presentationml/2006/main">
   <p:cSld>
     <p:spTree>
@@ -5485,7 +5203,7 @@
 </p:sld>
 </file>
 
-<file path=ppt/slides/slide16.xml><?xml version="1.0" encoding="utf-8"?>
+<file path=ppt/slides/slide15.xml><?xml version="1.0" encoding="utf-8"?>
 <p:sld xmlns:a="http://schemas.openxmlformats.org/drawingml/2006/main" xmlns:r="http://schemas.openxmlformats.org/officeDocument/2006/relationships" xmlns:p="http://schemas.openxmlformats.org/presentationml/2006/main">
   <p:cSld>
     <p:spTree>
@@ -5636,7 +5354,7 @@
 </p:sld>
 </file>
 
-<file path=ppt/slides/slide17.xml><?xml version="1.0" encoding="utf-8"?>
+<file path=ppt/slides/slide16.xml><?xml version="1.0" encoding="utf-8"?>
 <p:sld xmlns:a="http://schemas.openxmlformats.org/drawingml/2006/main" xmlns:r="http://schemas.openxmlformats.org/officeDocument/2006/relationships" xmlns:p="http://schemas.openxmlformats.org/presentationml/2006/main">
   <p:cSld>
     <p:spTree>
@@ -6078,7 +5796,7 @@
 </p:sld>
 </file>
 
-<file path=ppt/slides/slide18.xml><?xml version="1.0" encoding="utf-8"?>
+<file path=ppt/slides/slide17.xml><?xml version="1.0" encoding="utf-8"?>
 <p:sld xmlns:a="http://schemas.openxmlformats.org/drawingml/2006/main" xmlns:r="http://schemas.openxmlformats.org/officeDocument/2006/relationships" xmlns:p="http://schemas.openxmlformats.org/presentationml/2006/main">
   <p:cSld>
     <p:spTree>
@@ -6722,7 +6440,7 @@
 </p:sld>
 </file>
 
-<file path=ppt/slides/slide19.xml><?xml version="1.0" encoding="utf-8"?>
+<file path=ppt/slides/slide18.xml><?xml version="1.0" encoding="utf-8"?>
 <p:sld xmlns:a="http://schemas.openxmlformats.org/drawingml/2006/main" xmlns:r="http://schemas.openxmlformats.org/officeDocument/2006/relationships" xmlns:p="http://schemas.openxmlformats.org/presentationml/2006/main">
   <p:cSld>
     <p:spTree>
@@ -11799,54 +11517,7 @@
 </p:sld>
 </file>
 
-<file path=ppt/slides/slide2.xml><?xml version="1.0" encoding="utf-8"?>
-<p:sld xmlns:a="http://schemas.openxmlformats.org/drawingml/2006/main" xmlns:r="http://schemas.openxmlformats.org/officeDocument/2006/relationships" xmlns:p="http://schemas.openxmlformats.org/presentationml/2006/main">
-  <p:cSld>
-    <p:spTree>
-      <p:nvGrpSpPr>
-        <p:cNvPr id="1" name=""/>
-        <p:cNvGrpSpPr/>
-        <p:nvPr/>
-      </p:nvGrpSpPr>
-      <p:grpSpPr>
-        <a:xfrm>
-          <a:off x="0" y="0"/>
-          <a:ext cx="0" cy="0"/>
-          <a:chOff x="0" y="0"/>
-          <a:chExt cx="0" cy="0"/>
-        </a:xfrm>
-      </p:grpSpPr>
-      <p:sp>
-        <p:nvSpPr>
-          <p:cNvPr id="2" name="Title 1"/>
-          <p:cNvSpPr>
-            <a:spLocks noGrp="1"/>
-          </p:cNvSpPr>
-          <p:nvPr>
-            <p:ph type="title"/>
-          </p:nvPr>
-        </p:nvSpPr>
-        <p:spPr/>
-        <p:txBody>
-          <a:bodyPr/>
-          <a:lstStyle/>
-          <a:p>
-            <a:pPr lvl="0" indent="0" marL="0">
-              <a:buNone/>
-            </a:pPr>
-            <a:r>
-              <a:rPr/>
-              <a:t>Complete Implementation Report with Visual Documentation</a:t>
-            </a:r>
-          </a:p>
-        </p:txBody>
-      </p:sp>
-    </p:spTree>
-  </p:cSld>
-</p:sld>
-</file>
-
-<file path=ppt/slides/slide20.xml><?xml version="1.0" encoding="utf-8"?>
+<file path=ppt/slides/slide19.xml><?xml version="1.0" encoding="utf-8"?>
 <p:sld xmlns:a="http://schemas.openxmlformats.org/drawingml/2006/main" xmlns:r="http://schemas.openxmlformats.org/officeDocument/2006/relationships" xmlns:p="http://schemas.openxmlformats.org/presentationml/2006/main">
   <p:cSld>
     <p:spTree>
@@ -11988,7 +11659,122 @@
 </p:sld>
 </file>
 
-<file path=ppt/slides/slide21.xml><?xml version="1.0" encoding="utf-8"?>
+<file path=ppt/slides/slide2.xml><?xml version="1.0" encoding="utf-8"?>
+<p:sld xmlns:a="http://schemas.openxmlformats.org/drawingml/2006/main" xmlns:r="http://schemas.openxmlformats.org/officeDocument/2006/relationships" xmlns:p="http://schemas.openxmlformats.org/presentationml/2006/main">
+  <p:cSld>
+    <p:spTree>
+      <p:nvGrpSpPr>
+        <p:cNvPr id="1" name=""/>
+        <p:cNvGrpSpPr/>
+        <p:nvPr/>
+      </p:nvGrpSpPr>
+      <p:grpSpPr>
+        <a:xfrm>
+          <a:off x="0" y="0"/>
+          <a:ext cx="0" cy="0"/>
+          <a:chOff x="0" y="0"/>
+          <a:chExt cx="0" cy="0"/>
+        </a:xfrm>
+      </p:grpSpPr>
+      <p:sp>
+        <p:nvSpPr>
+          <p:cNvPr id="3" name="Content Placeholder 2"/>
+          <p:cNvSpPr>
+            <a:spLocks noGrp="1"/>
+          </p:cNvSpPr>
+          <p:nvPr>
+            <p:ph idx="1"/>
+          </p:nvPr>
+        </p:nvSpPr>
+        <p:spPr/>
+        <p:txBody>
+          <a:bodyPr/>
+          <a:lstStyle/>
+          <a:p>
+            <a:pPr lvl="0" indent="0" marL="0">
+              <a:buNone/>
+            </a:pPr>
+            <a:r>
+              <a:rPr b="1"/>
+              <a:t>Authors</a:t>
+            </a:r>
+            <a:r>
+              <a:rPr/>
+              <a:t>:</a:t>
+            </a:r>
+            <a:br/>
+            <a:r>
+              <a:rPr/>
+              <a:t>Jinsha Anna Antony</a:t>
+            </a:r>
+            <a:br/>
+            <a:r>
+              <a:rPr/>
+              <a:t>Katherine Rajala</a:t>
+            </a:r>
+            <a:br/>
+            <a:r>
+              <a:rPr/>
+              <a:t>Abhishek Kumar</a:t>
+            </a:r>
+          </a:p>
+          <a:p>
+            <a:pPr lvl="0" indent="0" marL="0">
+              <a:buNone/>
+            </a:pPr>
+            <a:r>
+              <a:rPr b="1"/>
+              <a:t>Course</a:t>
+            </a:r>
+            <a:r>
+              <a:rPr/>
+              <a:t>: Robot Modelling</a:t>
+            </a:r>
+            <a:br/>
+            <a:r>
+              <a:rPr b="1"/>
+              <a:t>Institution</a:t>
+            </a:r>
+            <a:r>
+              <a:rPr/>
+              <a:t>: University of West Sweden, Trollhättan</a:t>
+            </a:r>
+            <a:br/>
+            <a:r>
+              <a:rPr b="1"/>
+              <a:t>Date</a:t>
+            </a:r>
+            <a:r>
+              <a:rPr/>
+              <a:t>: January 15, 2026</a:t>
+            </a:r>
+            <a:br/>
+            <a:r>
+              <a:rPr b="1"/>
+              <a:t>Project</a:t>
+            </a:r>
+            <a:r>
+              <a:rPr/>
+              <a:t>: RMB600 Mini Project - ABB IRB1600 Robot Simulation</a:t>
+            </a:r>
+            <a:br/>
+            <a:r>
+              <a:rPr b="1"/>
+              <a:t>Repository</a:t>
+            </a:r>
+            <a:r>
+              <a:rPr/>
+              <a:t>: github.com/abhi-mdu/RMB600_mini_project</a:t>
+            </a:r>
+          </a:p>
+        </p:txBody>
+      </p:sp>
+    </p:spTree>
+  </p:cSld>
+</p:sld>
+</file>
+
+<file path=ppt/slides/slide20.xml><?xml version="1.0" encoding="utf-8"?>
 <p:sld xmlns:a="http://schemas.openxmlformats.org/drawingml/2006/main" xmlns:r="http://schemas.openxmlformats.org/officeDocument/2006/relationships" xmlns:p="http://schemas.openxmlformats.org/presentationml/2006/main">
   <p:cSld>
     <p:spTree>
@@ -12462,7 +12248,7 @@
 </p:sld>
 </file>
 
-<file path=ppt/slides/slide22.xml><?xml version="1.0" encoding="utf-8"?>
+<file path=ppt/slides/slide21.xml><?xml version="1.0" encoding="utf-8"?>
 <p:sld xmlns:a="http://schemas.openxmlformats.org/drawingml/2006/main" xmlns:r="http://schemas.openxmlformats.org/officeDocument/2006/relationships" xmlns:p="http://schemas.openxmlformats.org/presentationml/2006/main">
   <p:cSld>
     <p:spTree>
@@ -13182,7 +12968,7 @@
 </p:sld>
 </file>
 
-<file path=ppt/slides/slide23.xml><?xml version="1.0" encoding="utf-8"?>
+<file path=ppt/slides/slide22.xml><?xml version="1.0" encoding="utf-8"?>
 <p:sld xmlns:a="http://schemas.openxmlformats.org/drawingml/2006/main" xmlns:r="http://schemas.openxmlformats.org/officeDocument/2006/relationships" xmlns:p="http://schemas.openxmlformats.org/presentationml/2006/main">
   <p:cSld>
     <p:spTree>
@@ -15391,7 +15177,7 @@
 </p:sld>
 </file>
 
-<file path=ppt/slides/slide24.xml><?xml version="1.0" encoding="utf-8"?>
+<file path=ppt/slides/slide23.xml><?xml version="1.0" encoding="utf-8"?>
 <p:sld xmlns:a="http://schemas.openxmlformats.org/drawingml/2006/main" xmlns:r="http://schemas.openxmlformats.org/officeDocument/2006/relationships" xmlns:p="http://schemas.openxmlformats.org/presentationml/2006/main">
   <p:cSld>
     <p:spTree>
@@ -16196,7 +15982,7 @@
 </p:sld>
 </file>
 
-<file path=ppt/slides/slide25.xml><?xml version="1.0" encoding="utf-8"?>
+<file path=ppt/slides/slide24.xml><?xml version="1.0" encoding="utf-8"?>
 <p:sld xmlns:a="http://schemas.openxmlformats.org/drawingml/2006/main" xmlns:r="http://schemas.openxmlformats.org/officeDocument/2006/relationships" xmlns:p="http://schemas.openxmlformats.org/presentationml/2006/main">
   <p:cSld>
     <p:spTree>
@@ -16287,7 +16073,7 @@
 </p:sld>
 </file>
 
-<file path=ppt/slides/slide26.xml><?xml version="1.0" encoding="utf-8"?>
+<file path=ppt/slides/slide25.xml><?xml version="1.0" encoding="utf-8"?>
 <p:sld xmlns:a="http://schemas.openxmlformats.org/drawingml/2006/main" xmlns:r="http://schemas.openxmlformats.org/officeDocument/2006/relationships" xmlns:p="http://schemas.openxmlformats.org/presentationml/2006/main">
   <p:cSld>
     <p:spTree>
@@ -16955,7 +16741,7 @@
 </p:sld>
 </file>
 
-<file path=ppt/slides/slide27.xml><?xml version="1.0" encoding="utf-8"?>
+<file path=ppt/slides/slide26.xml><?xml version="1.0" encoding="utf-8"?>
 <p:sld xmlns:a="http://schemas.openxmlformats.org/drawingml/2006/main" xmlns:r="http://schemas.openxmlformats.org/officeDocument/2006/relationships" xmlns:p="http://schemas.openxmlformats.org/presentationml/2006/main">
   <p:cSld>
     <p:spTree>
@@ -17164,6 +16950,478 @@
             <a:r>
               <a:rPr/>
               <a:t> - Demonstrates academic understanding of industrial requirements - Shows potential for MATLAB-based robot simulation - Validates conversion methodologies for legacy code migration</a:t>
+            </a:r>
+          </a:p>
+        </p:txBody>
+      </p:sp>
+    </p:spTree>
+  </p:cSld>
+</p:sld>
+</file>
+
+<file path=ppt/slides/slide27.xml><?xml version="1.0" encoding="utf-8"?>
+<p:sld xmlns:a="http://schemas.openxmlformats.org/drawingml/2006/main" xmlns:r="http://schemas.openxmlformats.org/officeDocument/2006/relationships" xmlns:p="http://schemas.openxmlformats.org/presentationml/2006/main">
+  <p:cSld>
+    <p:spTree>
+      <p:nvGrpSpPr>
+        <p:cNvPr id="1" name=""/>
+        <p:cNvGrpSpPr/>
+        <p:nvPr/>
+      </p:nvGrpSpPr>
+      <p:grpSpPr>
+        <a:xfrm>
+          <a:off x="0" y="0"/>
+          <a:ext cx="0" cy="0"/>
+          <a:chOff x="0" y="0"/>
+          <a:chExt cx="0" cy="0"/>
+        </a:xfrm>
+      </p:grpSpPr>
+      <p:sp>
+        <p:nvSpPr>
+          <p:cNvPr id="2" name="Title 1"/>
+          <p:cNvSpPr>
+            <a:spLocks noGrp="1"/>
+          </p:cNvSpPr>
+          <p:nvPr>
+            <p:ph type="title"/>
+          </p:nvPr>
+        </p:nvSpPr>
+        <p:spPr/>
+        <p:txBody>
+          <a:bodyPr/>
+          <a:lstStyle/>
+          <a:p>
+            <a:pPr lvl="0" indent="0" marL="0">
+              <a:buNone/>
+            </a:pPr>
+            <a:r>
+              <a:rPr/>
+              <a:t>9. Technical Appendices</a:t>
+            </a:r>
+          </a:p>
+        </p:txBody>
+      </p:sp>
+      <p:sp>
+        <p:nvSpPr>
+          <p:cNvPr id="3" name="Content Placeholder 2"/>
+          <p:cNvSpPr>
+            <a:spLocks noGrp="1"/>
+          </p:cNvSpPr>
+          <p:nvPr>
+            <p:ph idx="1"/>
+          </p:nvPr>
+        </p:nvSpPr>
+        <p:spPr/>
+        <p:txBody>
+          <a:bodyPr/>
+          <a:lstStyle/>
+          <a:p>
+            <a:pPr lvl="0" indent="0" marL="0">
+              <a:spcBef>
+                <a:spcPts val="3000"/>
+              </a:spcBef>
+              <a:buNone/>
+            </a:pPr>
+            <a:r>
+              <a:rPr b="1"/>
+              <a:t>9.1 Complete File Structure</a:t>
+            </a:r>
+          </a:p>
+          <a:p>
+            <a:pPr lvl="0" indent="0">
+              <a:buNone/>
+            </a:pPr>
+            <a:r>
+              <a:rPr>
+                <a:latin typeface="Courier"/>
+              </a:rPr>
+              <a:t>RMB600_mini_project/
+├── robot_simulation.m          # Main simulation with MoveL/MoveJ
+├── test_functions.m            # Comprehensive test suite
+├── compare_movej_movel.m       # Performance comparison script
+├── generate_media_online.m     # Figure generation script
+├── robot/
+│   ├── test.urdf              # Robot model definition
+│   └── IRB1600/
+│       ├── base.stl           # 3D mesh files
+│       ├── link1.stl
+│       ├── link2.stl
+│       ├── link3.stl
+│       ├── link4.stl
+│       ├── link5.stl
+│       └── link6.stl
+├── figures/
+│   ├── fig1_error_message.png
+│   ├── fig3_test_results.png
+│   ├── fig4_movl_path.png
+│   ├── fig5_slerp_comparison.png
+│   ├── fig6_movej_path.png
+│   ├── fig8_frame_hierarchy.png
+│   ├── fig9_pentagon_path.png
+│   └── fig10_performance_chart.png
+├── FINAL_COMPREHENSIVE_REPORT.md    # This document
+├── PROJECT_REPORT.md                # Academic report
+├── COMPREHENSIVE_ARTICLE.md         # Detailed article
+├── PRESENTATION.md                  # Slide deck
+└── README.md                        # Quick start guide</a:t>
+            </a:r>
+          </a:p>
+          <a:p>
+            <a:pPr lvl="0" indent="0" marL="0">
+              <a:spcBef>
+                <a:spcPts val="3000"/>
+              </a:spcBef>
+              <a:buNone/>
+            </a:pPr>
+            <a:r>
+              <a:rPr b="1"/>
+              <a:t>9.2 Execution Instructions</a:t>
+            </a:r>
+          </a:p>
+          <a:p>
+            <a:pPr lvl="0" indent="0" marL="0">
+              <a:buNone/>
+            </a:pPr>
+            <a:r>
+              <a:rPr b="1"/>
+              <a:t>Quick Start:</a:t>
+            </a:r>
+          </a:p>
+          <a:p>
+            <a:pPr lvl="0" indent="-342900" marL="342900">
+              <a:buAutoNum type="arabicPeriod"/>
+            </a:pPr>
+            <a:r>
+              <a:rPr b="1"/>
+              <a:t>Load Robot Model:</a:t>
+            </a:r>
+          </a:p>
+          <a:p>
+            <a:pPr lvl="0" indent="0">
+              <a:buNone/>
+            </a:pPr>
+            <a:r>
+              <a:rPr>
+                <a:solidFill>
+                  <a:srgbClr val="19177C"/>
+                </a:solidFill>
+                <a:latin typeface="Courier"/>
+              </a:rPr>
+              <a:t>cd</a:t>
+            </a:r>
+            <a:r>
+              <a:rPr>
+                <a:latin typeface="Courier"/>
+              </a:rPr>
+              <a:t> </a:t>
+            </a:r>
+            <a:r>
+              <a:rPr>
+                <a:solidFill>
+                  <a:srgbClr val="BB6688"/>
+                </a:solidFill>
+                <a:latin typeface="Courier"/>
+              </a:rPr>
+              <a:t>'d:\Masters\Robotics\mini_project'</a:t>
+            </a:r>
+            <a:br/>
+            <a:r>
+              <a:rPr>
+                <a:solidFill>
+                  <a:srgbClr val="19177C"/>
+                </a:solidFill>
+                <a:latin typeface="Courier"/>
+              </a:rPr>
+              <a:t>robot_simulation</a:t>
+            </a:r>
+          </a:p>
+          <a:p>
+            <a:pPr lvl="0" indent="-342900" marL="342900">
+              <a:buAutoNum startAt="2" type="arabicPeriod"/>
+            </a:pPr>
+            <a:r>
+              <a:rPr b="1"/>
+              <a:t>Run Tests:</a:t>
+            </a:r>
+          </a:p>
+          <a:p>
+            <a:pPr lvl="0" indent="0">
+              <a:buNone/>
+            </a:pPr>
+            <a:r>
+              <a:rPr>
+                <a:solidFill>
+                  <a:srgbClr val="19177C"/>
+                </a:solidFill>
+                <a:latin typeface="Courier"/>
+              </a:rPr>
+              <a:t>test_functions</a:t>
+            </a:r>
+          </a:p>
+          <a:p>
+            <a:pPr lvl="0" indent="-342900" marL="342900">
+              <a:buAutoNum startAt="3" type="arabicPeriod"/>
+            </a:pPr>
+            <a:r>
+              <a:rPr b="1"/>
+              <a:t>Compare Motion Types:</a:t>
+            </a:r>
+          </a:p>
+          <a:p>
+            <a:pPr lvl="0" indent="0">
+              <a:buNone/>
+            </a:pPr>
+            <a:r>
+              <a:rPr>
+                <a:solidFill>
+                  <a:srgbClr val="19177C"/>
+                </a:solidFill>
+                <a:latin typeface="Courier"/>
+              </a:rPr>
+              <a:t>compare_movej_movel</a:t>
+            </a:r>
+          </a:p>
+          <a:p>
+            <a:pPr lvl="0" indent="-342900" marL="342900">
+              <a:buAutoNum startAt="4" type="arabicPeriod"/>
+            </a:pPr>
+            <a:r>
+              <a:rPr b="1"/>
+              <a:t>Generate All Figures:</a:t>
+            </a:r>
+          </a:p>
+          <a:p>
+            <a:pPr lvl="0" indent="0">
+              <a:buNone/>
+            </a:pPr>
+            <a:r>
+              <a:rPr>
+                <a:solidFill>
+                  <a:srgbClr val="19177C"/>
+                </a:solidFill>
+                <a:latin typeface="Courier"/>
+              </a:rPr>
+              <a:t>generate_media_online</a:t>
+            </a:r>
+          </a:p>
+          <a:p>
+            <a:pPr lvl="0" indent="0" marL="0">
+              <a:spcBef>
+                <a:spcPts val="3000"/>
+              </a:spcBef>
+              <a:buNone/>
+            </a:pPr>
+            <a:r>
+              <a:rPr b="1"/>
+              <a:t>9.3 System Requirements</a:t>
+            </a:r>
+          </a:p>
+          <a:p>
+            <a:pPr lvl="0" indent="0" marL="0">
+              <a:buNone/>
+            </a:pPr>
+            <a:r>
+              <a:rPr b="1"/>
+              <a:t>Minimum Requirements:</a:t>
+            </a:r>
+            <a:r>
+              <a:rPr/>
+              <a:t> - MATLAB R2020a or newer - Robotics System Toolbox - 4 GB RAM - 500 MB disk space</a:t>
+            </a:r>
+          </a:p>
+          <a:p>
+            <a:pPr lvl="0" indent="0" marL="0">
+              <a:buNone/>
+            </a:pPr>
+            <a:r>
+              <a:rPr b="1"/>
+              <a:t>Recommended:</a:t>
+            </a:r>
+            <a:r>
+              <a:rPr/>
+              <a:t> - MATLAB R2023b (latest features) - 8 GB RAM (smoother visualization) - GPU (optional, for faster rendering)</a:t>
+            </a:r>
+          </a:p>
+          <a:p>
+            <a:pPr lvl="0" indent="0" marL="0">
+              <a:spcBef>
+                <a:spcPts val="3000"/>
+              </a:spcBef>
+              <a:buNone/>
+            </a:pPr>
+            <a:r>
+              <a:rPr b="1"/>
+              <a:t>9.4 Known Issues and Solutions</a:t>
+            </a:r>
+          </a:p>
+          <a:p>
+            <a:pPr lvl="0" indent="0" marL="0">
+              <a:buNone/>
+            </a:pPr>
+            <a:r>
+              <a:rPr b="1"/>
+              <a:t>Issue 1: Joint Limit Warnings</a:t>
+            </a:r>
+          </a:p>
+          <a:p>
+            <a:pPr lvl="0" indent="0">
+              <a:buNone/>
+            </a:pPr>
+            <a:r>
+              <a:rPr>
+                <a:latin typeface="Courier"/>
+              </a:rPr>
+              <a:t>Warning: The provided robot configuration violates the predefined joint limits.</a:t>
+            </a:r>
+          </a:p>
+          <a:p>
+            <a:pPr lvl="0" indent="0" marL="0">
+              <a:buNone/>
+            </a:pPr>
+            <a:r>
+              <a:rPr b="1"/>
+              <a:t>Solution</a:t>
+            </a:r>
+            <a:r>
+              <a:rPr/>
+              <a:t>: Updated URDF with realistic ABB IRB1600 limits (±180° for most joints).</a:t>
+            </a:r>
+          </a:p>
+          <a:p>
+            <a:pPr lvl="0" indent="0" marL="0">
+              <a:buNone/>
+            </a:pPr>
+            <a:r>
+              <a:rPr b="1"/>
+              <a:t>Issue 2: Figure Generation Stuck</a:t>
+            </a:r>
+          </a:p>
+          <a:p>
+            <a:pPr lvl="0" indent="0">
+              <a:buNone/>
+            </a:pPr>
+            <a:r>
+              <a:rPr>
+                <a:latin typeface="Courier"/>
+              </a:rPr>
+              <a:t>Script hangs at Figure 2 generation...</a:t>
+            </a:r>
+          </a:p>
+          <a:p>
+            <a:pPr lvl="0" indent="0" marL="0">
+              <a:buNone/>
+            </a:pPr>
+            <a:r>
+              <a:rPr b="1"/>
+              <a:t>Solution</a:t>
+            </a:r>
+            <a:r>
+              <a:rPr/>
+              <a:t>: Removed premature robot_simulation.m call, added inline function definition.</a:t>
+            </a:r>
+          </a:p>
+          <a:p>
+            <a:pPr lvl="0" indent="0" marL="0">
+              <a:buNone/>
+            </a:pPr>
+            <a:r>
+              <a:rPr b="1"/>
+              <a:t>Issue 3: Nested Figures Directory</a:t>
+            </a:r>
+          </a:p>
+          <a:p>
+            <a:pPr lvl="0" indent="0">
+              <a:buNone/>
+            </a:pPr>
+            <a:r>
+              <a:rPr>
+                <a:latin typeface="Courier"/>
+              </a:rPr>
+              <a:t>Figures saved to figures/figures/ instead of figures/</a:t>
+            </a:r>
+          </a:p>
+          <a:p>
+            <a:pPr lvl="0" indent="0" marL="0">
+              <a:buNone/>
+            </a:pPr>
+            <a:r>
+              <a:rPr b="1"/>
+              <a:t>Solution</a:t>
+            </a:r>
+            <a:r>
+              <a:rPr/>
+              <a:t>: Reorganized directory structure, consolidated all PNGs to </a:t>
+            </a:r>
+            <a:r>
+              <a:rPr>
+                <a:latin typeface="Courier"/>
+              </a:rPr>
+              <a:t>figures/</a:t>
+            </a:r>
+            <a:r>
+              <a:rPr/>
+              <a:t>.</a:t>
+            </a:r>
+          </a:p>
+          <a:p>
+            <a:pPr lvl="0" indent="0" marL="0">
+              <a:spcBef>
+                <a:spcPts val="3000"/>
+              </a:spcBef>
+              <a:buNone/>
+            </a:pPr>
+            <a:r>
+              <a:rPr b="1"/>
+              <a:t>9.5 Contact and Support</a:t>
+            </a:r>
+          </a:p>
+          <a:p>
+            <a:pPr lvl="0" indent="0" marL="0">
+              <a:buNone/>
+            </a:pPr>
+            <a:r>
+              <a:rPr b="1"/>
+              <a:t>Project Repository</a:t>
+            </a:r>
+            <a:r>
+              <a:rPr/>
+              <a:t>: github.com/abhi-mdu/RMB600_mini_project</a:t>
+            </a:r>
+            <a:br/>
+            <a:r>
+              <a:rPr b="1"/>
+              <a:t>Course</a:t>
+            </a:r>
+            <a:r>
+              <a:rPr/>
+              <a:t>: RMB600 - Advanced Robotics</a:t>
+            </a:r>
+            <a:br/>
+            <a:r>
+              <a:rPr b="1"/>
+              <a:t>Institution</a:t>
+            </a:r>
+            <a:r>
+              <a:rPr/>
+              <a:t>: Masters Program in Robotics</a:t>
+            </a:r>
+            <a:br/>
+            <a:r>
+              <a:rPr b="1"/>
+              <a:t>Date</a:t>
+            </a:r>
+            <a:r>
+              <a:rPr/>
+              <a:t>: January 2026</a:t>
+            </a:r>
+          </a:p>
+          <a:p>
+            <a:pPr lvl="0" indent="0" marL="0">
+              <a:buNone/>
+            </a:pPr>
+            <a:r>
+              <a:rPr/>
+              <a:t>For questions or issues, please open a GitHub issue or contact through the course portal.</a:t>
             </a:r>
           </a:p>
         </p:txBody>
@@ -17210,7 +17468,7 @@
             </a:pPr>
             <a:r>
               <a:rPr/>
-              <a:t>9. Technical Appendices</a:t>
+              <a:t>Acknowledgments</a:t>
             </a:r>
           </a:p>
         </p:txBody>
@@ -17231,411 +17489,55 @@
           <a:lstStyle/>
           <a:p>
             <a:pPr lvl="0" indent="0" marL="0">
-              <a:spcBef>
-                <a:spcPts val="3000"/>
-              </a:spcBef>
-              <a:buNone/>
-            </a:pPr>
-            <a:r>
-              <a:rPr b="1"/>
-              <a:t>9.1 Complete File Structure</a:t>
-            </a:r>
-          </a:p>
-          <a:p>
-            <a:pPr lvl="0" indent="0">
-              <a:buNone/>
-            </a:pPr>
-            <a:r>
-              <a:rPr>
-                <a:latin typeface="Courier"/>
-              </a:rPr>
-              <a:t>RMB600_mini_project/
-├── robot_simulation.m          # Main simulation with MoveL/MoveJ
-├── test_functions.m            # Comprehensive test suite
-├── compare_movej_movel.m       # Performance comparison script
-├── generate_media_online.m     # Figure generation script
-├── robot/
-│   ├── test.urdf              # Robot model definition
-│   └── IRB1600/
-│       ├── base.stl           # 3D mesh files
-│       ├── link1.stl
-│       ├── link2.stl
-│       ├── link3.stl
-│       ├── link4.stl
-│       ├── link5.stl
-│       └── link6.stl
-├── figures/
-│   ├── fig1_error_message.png
-│   ├── fig3_test_results.png
-│   ├── fig4_movl_path.png
-│   ├── fig5_slerp_comparison.png
-│   ├── fig6_movej_path.png
-│   ├── fig8_frame_hierarchy.png
-│   ├── fig9_pentagon_path.png
-│   └── fig10_performance_chart.png
-├── FINAL_COMPREHENSIVE_REPORT.md    # This document
-├── PROJECT_REPORT.md                # Academic report
-├── COMPREHENSIVE_ARTICLE.md         # Detailed article
-├── PRESENTATION.md                  # Slide deck
-└── README.md                        # Quick start guide</a:t>
-            </a:r>
-          </a:p>
-          <a:p>
-            <a:pPr lvl="0" indent="0" marL="0">
-              <a:spcBef>
-                <a:spcPts val="3000"/>
-              </a:spcBef>
-              <a:buNone/>
-            </a:pPr>
-            <a:r>
-              <a:rPr b="1"/>
-              <a:t>9.2 Execution Instructions</a:t>
-            </a:r>
-          </a:p>
-          <a:p>
-            <a:pPr lvl="0" indent="0" marL="0">
-              <a:buNone/>
-            </a:pPr>
-            <a:r>
-              <a:rPr b="1"/>
-              <a:t>Quick Start:</a:t>
-            </a:r>
-          </a:p>
-          <a:p>
-            <a:pPr lvl="0" indent="-342900" marL="342900">
-              <a:buAutoNum type="arabicPeriod"/>
-            </a:pPr>
-            <a:r>
-              <a:rPr b="1"/>
-              <a:t>Load Robot Model:</a:t>
-            </a:r>
-          </a:p>
-          <a:p>
-            <a:pPr lvl="0" indent="0">
-              <a:buNone/>
-            </a:pPr>
-            <a:r>
-              <a:rPr>
-                <a:solidFill>
-                  <a:srgbClr val="19177C"/>
-                </a:solidFill>
-                <a:latin typeface="Courier"/>
-              </a:rPr>
-              <a:t>cd</a:t>
-            </a:r>
-            <a:r>
-              <a:rPr>
-                <a:latin typeface="Courier"/>
-              </a:rPr>
-              <a:t> </a:t>
-            </a:r>
-            <a:r>
-              <a:rPr>
-                <a:solidFill>
-                  <a:srgbClr val="BB6688"/>
-                </a:solidFill>
-                <a:latin typeface="Courier"/>
-              </a:rPr>
-              <a:t>'d:\Masters\Robotics\mini_project'</a:t>
-            </a:r>
-            <a:br/>
-            <a:r>
-              <a:rPr>
-                <a:solidFill>
-                  <a:srgbClr val="19177C"/>
-                </a:solidFill>
-                <a:latin typeface="Courier"/>
-              </a:rPr>
-              <a:t>robot_simulation</a:t>
-            </a:r>
-          </a:p>
-          <a:p>
-            <a:pPr lvl="0" indent="-342900" marL="342900">
-              <a:buAutoNum startAt="2" type="arabicPeriod"/>
-            </a:pPr>
-            <a:r>
-              <a:rPr b="1"/>
-              <a:t>Run Tests:</a:t>
-            </a:r>
-          </a:p>
-          <a:p>
-            <a:pPr lvl="0" indent="0">
-              <a:buNone/>
-            </a:pPr>
-            <a:r>
-              <a:rPr>
-                <a:solidFill>
-                  <a:srgbClr val="19177C"/>
-                </a:solidFill>
-                <a:latin typeface="Courier"/>
-              </a:rPr>
-              <a:t>test_functions</a:t>
-            </a:r>
-          </a:p>
-          <a:p>
-            <a:pPr lvl="0" indent="-342900" marL="342900">
-              <a:buAutoNum startAt="3" type="arabicPeriod"/>
-            </a:pPr>
-            <a:r>
-              <a:rPr b="1"/>
-              <a:t>Compare Motion Types:</a:t>
-            </a:r>
-          </a:p>
-          <a:p>
-            <a:pPr lvl="0" indent="0">
-              <a:buNone/>
-            </a:pPr>
-            <a:r>
-              <a:rPr>
-                <a:solidFill>
-                  <a:srgbClr val="19177C"/>
-                </a:solidFill>
-                <a:latin typeface="Courier"/>
-              </a:rPr>
-              <a:t>compare_movej_movel</a:t>
-            </a:r>
-          </a:p>
-          <a:p>
-            <a:pPr lvl="0" indent="-342900" marL="342900">
-              <a:buAutoNum startAt="4" type="arabicPeriod"/>
-            </a:pPr>
-            <a:r>
-              <a:rPr b="1"/>
-              <a:t>Generate All Figures:</a:t>
-            </a:r>
-          </a:p>
-          <a:p>
-            <a:pPr lvl="0" indent="0">
-              <a:buNone/>
-            </a:pPr>
-            <a:r>
-              <a:rPr>
-                <a:solidFill>
-                  <a:srgbClr val="19177C"/>
-                </a:solidFill>
-                <a:latin typeface="Courier"/>
-              </a:rPr>
-              <a:t>generate_media_online</a:t>
-            </a:r>
-          </a:p>
-          <a:p>
-            <a:pPr lvl="0" indent="0" marL="0">
-              <a:spcBef>
-                <a:spcPts val="3000"/>
-              </a:spcBef>
-              <a:buNone/>
-            </a:pPr>
-            <a:r>
-              <a:rPr b="1"/>
-              <a:t>9.3 System Requirements</a:t>
-            </a:r>
-          </a:p>
-          <a:p>
-            <a:pPr lvl="0" indent="0" marL="0">
-              <a:buNone/>
-            </a:pPr>
-            <a:r>
-              <a:rPr b="1"/>
-              <a:t>Minimum Requirements:</a:t>
-            </a:r>
-            <a:r>
-              <a:rPr/>
-              <a:t> - MATLAB R2020a or newer - Robotics System Toolbox - 4 GB RAM - 500 MB disk space</a:t>
-            </a:r>
-          </a:p>
-          <a:p>
-            <a:pPr lvl="0" indent="0" marL="0">
-              <a:buNone/>
-            </a:pPr>
-            <a:r>
-              <a:rPr b="1"/>
-              <a:t>Recommended:</a:t>
-            </a:r>
-            <a:r>
-              <a:rPr/>
-              <a:t> - MATLAB R2023b (latest features) - 8 GB RAM (smoother visualization) - GPU (optional, for faster rendering)</a:t>
-            </a:r>
-          </a:p>
-          <a:p>
-            <a:pPr lvl="0" indent="0" marL="0">
-              <a:spcBef>
-                <a:spcPts val="3000"/>
-              </a:spcBef>
-              <a:buNone/>
-            </a:pPr>
-            <a:r>
-              <a:rPr b="1"/>
-              <a:t>9.4 Known Issues and Solutions</a:t>
-            </a:r>
-          </a:p>
-          <a:p>
-            <a:pPr lvl="0" indent="0" marL="0">
-              <a:buNone/>
-            </a:pPr>
-            <a:r>
-              <a:rPr b="1"/>
-              <a:t>Issue 1: Joint Limit Warnings</a:t>
-            </a:r>
-          </a:p>
-          <a:p>
-            <a:pPr lvl="0" indent="0">
-              <a:buNone/>
-            </a:pPr>
-            <a:r>
-              <a:rPr>
-                <a:latin typeface="Courier"/>
-              </a:rPr>
-              <a:t>Warning: The provided robot configuration violates the predefined joint limits.</a:t>
-            </a:r>
-          </a:p>
-          <a:p>
-            <a:pPr lvl="0" indent="0" marL="0">
-              <a:buNone/>
-            </a:pPr>
-            <a:r>
-              <a:rPr b="1"/>
-              <a:t>Solution</a:t>
-            </a:r>
-            <a:r>
-              <a:rPr/>
-              <a:t>: Updated URDF with realistic ABB IRB1600 limits (±180° for most joints).</a:t>
-            </a:r>
-          </a:p>
-          <a:p>
-            <a:pPr lvl="0" indent="0" marL="0">
-              <a:buNone/>
-            </a:pPr>
-            <a:r>
-              <a:rPr b="1"/>
-              <a:t>Issue 2: Figure Generation Stuck</a:t>
-            </a:r>
-          </a:p>
-          <a:p>
-            <a:pPr lvl="0" indent="0">
-              <a:buNone/>
-            </a:pPr>
-            <a:r>
-              <a:rPr>
-                <a:latin typeface="Courier"/>
-              </a:rPr>
-              <a:t>Script hangs at Figure 2 generation...</a:t>
-            </a:r>
-          </a:p>
-          <a:p>
-            <a:pPr lvl="0" indent="0" marL="0">
-              <a:buNone/>
-            </a:pPr>
-            <a:r>
-              <a:rPr b="1"/>
-              <a:t>Solution</a:t>
-            </a:r>
-            <a:r>
-              <a:rPr/>
-              <a:t>: Removed premature robot_simulation.m call, added inline function definition.</a:t>
-            </a:r>
-          </a:p>
-          <a:p>
-            <a:pPr lvl="0" indent="0" marL="0">
-              <a:buNone/>
-            </a:pPr>
-            <a:r>
-              <a:rPr b="1"/>
-              <a:t>Issue 3: Nested Figures Directory</a:t>
-            </a:r>
-          </a:p>
-          <a:p>
-            <a:pPr lvl="0" indent="0">
-              <a:buNone/>
-            </a:pPr>
-            <a:r>
-              <a:rPr>
-                <a:latin typeface="Courier"/>
-              </a:rPr>
-              <a:t>Figures saved to figures/figures/ instead of figures/</a:t>
-            </a:r>
-          </a:p>
-          <a:p>
-            <a:pPr lvl="0" indent="0" marL="0">
-              <a:buNone/>
-            </a:pPr>
-            <a:r>
-              <a:rPr b="1"/>
-              <a:t>Solution</a:t>
-            </a:r>
-            <a:r>
-              <a:rPr/>
-              <a:t>: Reorganized directory structure, consolidated all PNGs to </a:t>
-            </a:r>
-            <a:r>
-              <a:rPr>
-                <a:latin typeface="Courier"/>
-              </a:rPr>
-              <a:t>figures/</a:t>
-            </a:r>
-            <a:r>
-              <a:rPr/>
-              <a:t>.</a:t>
-            </a:r>
-          </a:p>
-          <a:p>
-            <a:pPr lvl="0" indent="0" marL="0">
-              <a:spcBef>
-                <a:spcPts val="3000"/>
-              </a:spcBef>
-              <a:buNone/>
-            </a:pPr>
-            <a:r>
-              <a:rPr b="1"/>
-              <a:t>9.5 Contact and Support</a:t>
-            </a:r>
-          </a:p>
-          <a:p>
-            <a:pPr lvl="0" indent="0" marL="0">
-              <a:buNone/>
-            </a:pPr>
-            <a:r>
-              <a:rPr b="1"/>
-              <a:t>Project Repository</a:t>
-            </a:r>
-            <a:r>
-              <a:rPr/>
-              <a:t>: github.com/abhi-mdu/RMB600_mini_project</a:t>
-            </a:r>
-            <a:br/>
-            <a:r>
-              <a:rPr b="1"/>
-              <a:t>Course</a:t>
-            </a:r>
-            <a:r>
-              <a:rPr/>
-              <a:t>: RMB600 - Advanced Robotics</a:t>
-            </a:r>
-            <a:br/>
-            <a:r>
-              <a:rPr b="1"/>
-              <a:t>Institution</a:t>
-            </a:r>
-            <a:r>
-              <a:rPr/>
-              <a:t>: Masters Program in Robotics</a:t>
-            </a:r>
-            <a:br/>
-            <a:r>
-              <a:rPr b="1"/>
-              <a:t>Date</a:t>
-            </a:r>
-            <a:r>
-              <a:rPr/>
-              <a:t>: January 2026</a:t>
-            </a:r>
-          </a:p>
-          <a:p>
-            <a:pPr lvl="0" indent="0" marL="0">
-              <a:buNone/>
-            </a:pPr>
-            <a:r>
-              <a:rPr/>
-              <a:t>For questions or issues, please open a GitHub issue or contact through the course portal.</a:t>
+              <a:buNone/>
+            </a:pPr>
+            <a:r>
+              <a:rPr/>
+              <a:t>This project was completed as part of the RMB600 course requirements. Special thanks to:</a:t>
+            </a:r>
+          </a:p>
+          <a:p>
+            <a:pPr lvl="0"/>
+            <a:r>
+              <a:rPr b="1"/>
+              <a:t>Course Instructors</a:t>
+            </a:r>
+            <a:r>
+              <a:rPr/>
+              <a:t>: For providing the initial RAPID code and project framework</a:t>
+            </a:r>
+          </a:p>
+          <a:p>
+            <a:pPr lvl="0"/>
+            <a:r>
+              <a:rPr b="1"/>
+              <a:t>MATLAB Documentation</a:t>
+            </a:r>
+            <a:r>
+              <a:rPr/>
+              <a:t>: For comprehensive Robotics System Toolbox examples</a:t>
+            </a:r>
+          </a:p>
+          <a:p>
+            <a:pPr lvl="0"/>
+            <a:r>
+              <a:rPr b="1"/>
+              <a:t>ABB Robotics</a:t>
+            </a:r>
+            <a:r>
+              <a:rPr/>
+              <a:t>: For publicly available IRB1600 specifications</a:t>
+            </a:r>
+          </a:p>
+          <a:p>
+            <a:pPr lvl="0"/>
+            <a:r>
+              <a:rPr b="1"/>
+              <a:t>Open Source Community</a:t>
+            </a:r>
+            <a:r>
+              <a:rPr/>
+              <a:t>: For URDF parsing and visualization tools</a:t>
             </a:r>
           </a:p>
         </p:txBody>
@@ -17682,7 +17584,7 @@
             </a:pPr>
             <a:r>
               <a:rPr/>
-              <a:t>Acknowledgments</a:t>
+              <a:t>References</a:t>
             </a:r>
           </a:p>
         </p:txBody>
@@ -17702,56 +17604,122 @@
           <a:bodyPr/>
           <a:lstStyle/>
           <a:p>
-            <a:pPr lvl="0" indent="0" marL="0">
-              <a:buNone/>
-            </a:pPr>
-            <a:r>
-              <a:rPr/>
-              <a:t>This project was completed as part of the RMB600 course requirements. Special thanks to:</a:t>
-            </a:r>
-          </a:p>
-          <a:p>
-            <a:pPr lvl="0"/>
-            <a:r>
-              <a:rPr b="1"/>
-              <a:t>Course Instructors</a:t>
-            </a:r>
-            <a:r>
-              <a:rPr/>
-              <a:t>: For providing the initial RAPID code and project framework</a:t>
-            </a:r>
-          </a:p>
-          <a:p>
-            <a:pPr lvl="0"/>
-            <a:r>
-              <a:rPr b="1"/>
-              <a:t>MATLAB Documentation</a:t>
-            </a:r>
-            <a:r>
-              <a:rPr/>
-              <a:t>: For comprehensive Robotics System Toolbox examples</a:t>
-            </a:r>
-          </a:p>
-          <a:p>
-            <a:pPr lvl="0"/>
-            <a:r>
-              <a:rPr b="1"/>
-              <a:t>ABB Robotics</a:t>
-            </a:r>
-            <a:r>
-              <a:rPr/>
-              <a:t>: For publicly available IRB1600 specifications</a:t>
-            </a:r>
-          </a:p>
-          <a:p>
-            <a:pPr lvl="0"/>
-            <a:r>
-              <a:rPr b="1"/>
-              <a:t>Open Source Community</a:t>
-            </a:r>
-            <a:r>
-              <a:rPr/>
-              <a:t>: For URDF parsing and visualization tools</a:t>
+            <a:pPr lvl="0" indent="-342900" marL="342900">
+              <a:buAutoNum type="arabicPeriod"/>
+            </a:pPr>
+            <a:r>
+              <a:rPr/>
+              <a:t>ABB Robotics. (2023). </a:t>
+            </a:r>
+            <a:r>
+              <a:rPr i="1"/>
+              <a:t>IRB 1600 Product Manual</a:t>
+            </a:r>
+            <a:r>
+              <a:rPr/>
+              <a:t>. ABB Inc.</a:t>
+            </a:r>
+          </a:p>
+          <a:p>
+            <a:pPr lvl="0" indent="-342900" marL="342900">
+              <a:buAutoNum type="arabicPeriod"/>
+            </a:pPr>
+            <a:r>
+              <a:rPr/>
+              <a:t>Shoemake, K. (1985). “Animating rotation with quaternion curves”. </a:t>
+            </a:r>
+            <a:r>
+              <a:rPr i="1"/>
+              <a:t>SIGGRAPH Computer Graphics</a:t>
+            </a:r>
+            <a:r>
+              <a:rPr/>
+              <a:t>, 19(3), 245-254.</a:t>
+            </a:r>
+          </a:p>
+          <a:p>
+            <a:pPr lvl="0" indent="-342900" marL="342900">
+              <a:buAutoNum type="arabicPeriod"/>
+            </a:pPr>
+            <a:r>
+              <a:rPr/>
+              <a:t>MathWorks. (2023). </a:t>
+            </a:r>
+            <a:r>
+              <a:rPr i="1"/>
+              <a:t>Robotics System Toolbox Documentation</a:t>
+            </a:r>
+            <a:r>
+              <a:rPr/>
+              <a:t>. Retrieved from https://www.mathworks.com/help/robotics/</a:t>
+            </a:r>
+          </a:p>
+          <a:p>
+            <a:pPr lvl="0" indent="-342900" marL="342900">
+              <a:buAutoNum type="arabicPeriod"/>
+            </a:pPr>
+            <a:r>
+              <a:rPr/>
+              <a:t>Craig, J. J. (2017). </a:t>
+            </a:r>
+            <a:r>
+              <a:rPr i="1"/>
+              <a:t>Introduction to Robotics: Mechanics and Control</a:t>
+            </a:r>
+            <a:r>
+              <a:rPr/>
+              <a:t> (4th ed.). Pearson.</a:t>
+            </a:r>
+          </a:p>
+          <a:p>
+            <a:pPr lvl="0" indent="-342900" marL="342900">
+              <a:buAutoNum type="arabicPeriod"/>
+            </a:pPr>
+            <a:r>
+              <a:rPr/>
+              <a:t>Siciliano, B., Sciavicco, L., Villani, L., &amp; Oriolo, G. (2010). </a:t>
+            </a:r>
+            <a:r>
+              <a:rPr i="1"/>
+              <a:t>Robotics: Modelling, Planning and Control</a:t>
+            </a:r>
+            <a:r>
+              <a:rPr/>
+              <a:t>. Springer.</a:t>
+            </a:r>
+          </a:p>
+          <a:p>
+            <a:pPr lvl="0" indent="-342900" marL="342900">
+              <a:buAutoNum type="arabicPeriod"/>
+            </a:pPr>
+            <a:r>
+              <a:rPr/>
+              <a:t>Corke, P. (2017). </a:t>
+            </a:r>
+            <a:r>
+              <a:rPr i="1"/>
+              <a:t>Robotics, Vision and Control: Fundamental Algorithms in MATLAB</a:t>
+            </a:r>
+            <a:r>
+              <a:rPr/>
+              <a:t> (2nd ed.). Springer.</a:t>
+            </a:r>
+          </a:p>
+          <a:p>
+            <a:pPr lvl="0" indent="-342900" marL="342900">
+              <a:buAutoNum type="arabicPeriod"/>
+            </a:pPr>
+            <a:r>
+              <a:rPr/>
+              <a:t>Lynch, K. M., &amp; Park, F. C. (2017). </a:t>
+            </a:r>
+            <a:r>
+              <a:rPr i="1"/>
+              <a:t>Modern Robotics: Mechanics, Planning, and Control</a:t>
+            </a:r>
+            <a:r>
+              <a:rPr/>
+              <a:t>. Cambridge University Press.</a:t>
             </a:r>
           </a:p>
         </p:txBody>
@@ -17762,6 +17730,204 @@
 </file>
 
 <file path=ppt/slides/slide3.xml><?xml version="1.0" encoding="utf-8"?>
+<p:sld xmlns:a="http://schemas.openxmlformats.org/drawingml/2006/main" xmlns:r="http://schemas.openxmlformats.org/officeDocument/2006/relationships" xmlns:p="http://schemas.openxmlformats.org/presentationml/2006/main">
+  <p:cSld>
+    <p:spTree>
+      <p:nvGrpSpPr>
+        <p:cNvPr id="1" name=""/>
+        <p:cNvGrpSpPr/>
+        <p:nvPr/>
+      </p:nvGrpSpPr>
+      <p:grpSpPr>
+        <a:xfrm>
+          <a:off x="0" y="0"/>
+          <a:ext cx="0" cy="0"/>
+          <a:chOff x="0" y="0"/>
+          <a:chExt cx="0" cy="0"/>
+        </a:xfrm>
+      </p:grpSpPr>
+      <p:sp>
+        <p:nvSpPr>
+          <p:cNvPr id="2" name="Title 1"/>
+          <p:cNvSpPr>
+            <a:spLocks noGrp="1"/>
+          </p:cNvSpPr>
+          <p:nvPr>
+            <p:ph type="title"/>
+          </p:nvPr>
+        </p:nvSpPr>
+        <p:spPr/>
+        <p:txBody>
+          <a:bodyPr/>
+          <a:lstStyle/>
+          <a:p>
+            <a:pPr lvl="0" indent="0" marL="0">
+              <a:buNone/>
+            </a:pPr>
+            <a:r>
+              <a:rPr/>
+              <a:t>Executive Summary</a:t>
+            </a:r>
+          </a:p>
+        </p:txBody>
+      </p:sp>
+      <p:sp>
+        <p:nvSpPr>
+          <p:cNvPr id="3" name="Content Placeholder 2"/>
+          <p:cNvSpPr>
+            <a:spLocks noGrp="1"/>
+          </p:cNvSpPr>
+          <p:nvPr>
+            <p:ph idx="1"/>
+          </p:nvPr>
+        </p:nvSpPr>
+        <p:spPr/>
+        <p:txBody>
+          <a:bodyPr/>
+          <a:lstStyle/>
+          <a:p>
+            <a:pPr lvl="0" indent="0" marL="0">
+              <a:buNone/>
+            </a:pPr>
+            <a:r>
+              <a:rPr/>
+              <a:t>This comprehensive report documents the successful implementation of industrial robot motion planning by converting ABB’s RAPID programming language to MATLAB. The project achieved all primary objectives with professional-grade results and includes complete visual documentation of all implementations and validations.</a:t>
+            </a:r>
+          </a:p>
+          <a:p>
+            <a:pPr lvl="0" indent="0" marL="0">
+              <a:spcBef>
+                <a:spcPts val="3000"/>
+              </a:spcBef>
+              <a:buNone/>
+            </a:pPr>
+            <a:r>
+              <a:rPr b="1"/>
+              <a:t>Key Achievements</a:t>
+            </a:r>
+          </a:p>
+          <a:p>
+            <a:pPr lvl="0" indent="0" marL="0">
+              <a:buNone/>
+            </a:pPr>
+            <a:r>
+              <a:rPr/>
+              <a:t>✅ </a:t>
+            </a:r>
+            <a:r>
+              <a:rPr b="1"/>
+              <a:t>100% Implementation Success</a:t>
+            </a:r>
+            <a:r>
+              <a:rPr/>
+              <a:t> - </a:t>
+            </a:r>
+            <a:r>
+              <a:rPr>
+                <a:latin typeface="Courier"/>
+              </a:rPr>
+              <a:t>quat2rotMatrix()</a:t>
+            </a:r>
+            <a:r>
+              <a:rPr/>
+              <a:t> - Quaternion to rotation matrix conversion - </a:t>
+            </a:r>
+            <a:r>
+              <a:rPr>
+                <a:latin typeface="Courier"/>
+              </a:rPr>
+              <a:t>MoveL()</a:t>
+            </a:r>
+            <a:r>
+              <a:rPr/>
+              <a:t> - Linear Cartesian motion with SLERP interpolation - </a:t>
+            </a:r>
+            <a:r>
+              <a:rPr>
+                <a:latin typeface="Courier"/>
+              </a:rPr>
+              <a:t>MoveJ()</a:t>
+            </a:r>
+            <a:r>
+              <a:rPr/>
+              <a:t> - Optimized joint-space motion - Complete RAPID code alignment</a:t>
+            </a:r>
+          </a:p>
+          <a:p>
+            <a:pPr lvl="0" indent="0" marL="0">
+              <a:buNone/>
+            </a:pPr>
+            <a:r>
+              <a:rPr/>
+              <a:t>✅ </a:t>
+            </a:r>
+            <a:r>
+              <a:rPr b="1"/>
+              <a:t>Mathematical Precision</a:t>
+            </a:r>
+            <a:r>
+              <a:rPr/>
+              <a:t> - Rotation matrix determinant: 1.0 ± 10⁻¹⁶ - Orthogonality error: &lt; 10⁻¹⁵ - Path linearity deviation: 0 m (perfect)</a:t>
+            </a:r>
+          </a:p>
+          <a:p>
+            <a:pPr lvl="0" indent="0" marL="0">
+              <a:buNone/>
+            </a:pPr>
+            <a:r>
+              <a:rPr/>
+              <a:t>✅ </a:t>
+            </a:r>
+            <a:r>
+              <a:rPr b="1"/>
+              <a:t>Performance Optimization</a:t>
+            </a:r>
+            <a:r>
+              <a:rPr/>
+              <a:t> - </a:t>
+            </a:r>
+            <a:r>
+              <a:rPr b="1"/>
+              <a:t>15x faster</a:t>
+            </a:r>
+            <a:r>
+              <a:rPr/>
+              <a:t> repositioning with MoveJ - </a:t>
+            </a:r>
+            <a:r>
+              <a:rPr b="1"/>
+              <a:t>93% fewer</a:t>
+            </a:r>
+            <a:r>
+              <a:rPr/>
+              <a:t> inverse kinematics calls - 1500 ms (MoveL) reduced to 100 ms (MoveJ)</a:t>
+            </a:r>
+          </a:p>
+          <a:p>
+            <a:pPr lvl="0" indent="0" marL="0">
+              <a:buNone/>
+            </a:pPr>
+            <a:r>
+              <a:rPr/>
+              <a:t>✅ </a:t>
+            </a:r>
+            <a:r>
+              <a:rPr b="1"/>
+              <a:t>Complete Documentation</a:t>
+            </a:r>
+            <a:r>
+              <a:rPr/>
+              <a:t> - 10 professional figures generated (including all visualizations) - Comprehensive test suite (100% pass rate) - Academic-quality report and presentation</a:t>
+            </a:r>
+          </a:p>
+        </p:txBody>
+      </p:sp>
+    </p:spTree>
+  </p:cSld>
+</p:sld>
+</file>
+
+<file path=ppt/slides/slide30.xml><?xml version="1.0" encoding="utf-8"?>
 <p:sld xmlns:a="http://schemas.openxmlformats.org/drawingml/2006/main" xmlns:r="http://schemas.openxmlformats.org/officeDocument/2006/relationships" xmlns:p="http://schemas.openxmlformats.org/presentationml/2006/main">
   <p:cSld>
     <p:spTree>
@@ -17798,229 +17964,59 @@
             </a:pPr>
             <a:r>
               <a:rPr b="1"/>
-              <a:t>Project</a:t>
-            </a:r>
-            <a:r>
-              <a:rPr/>
-              <a:t>: RMB600 Mini Project - Industrial Robot Programming</a:t>
-            </a:r>
-            <a:br/>
-            <a:r>
-              <a:rPr b="1"/>
-              <a:t>Institution</a:t>
-            </a:r>
-            <a:r>
-              <a:rPr/>
-              <a:t>: Masters Program in Robotics</a:t>
-            </a:r>
-            <a:br/>
-            <a:r>
-              <a:rPr b="1"/>
-              <a:t>Date</a:t>
-            </a:r>
-            <a:r>
-              <a:rPr/>
-              <a:t>: January 15, 2026</a:t>
-            </a:r>
-            <a:br/>
-            <a:r>
-              <a:rPr b="1"/>
-              <a:t>Author</a:t>
-            </a:r>
-            <a:r>
-              <a:rPr/>
-              <a:t>: Graduate Student</a:t>
-            </a:r>
-            <a:br/>
-            <a:r>
-              <a:rPr b="1"/>
-              <a:t>Repository</a:t>
-            </a:r>
-            <a:r>
-              <a:rPr/>
-              <a:t>: github.com/abhi-mdu/RMB600_mini_project</a:t>
-            </a:r>
-          </a:p>
-        </p:txBody>
-      </p:sp>
-    </p:spTree>
-  </p:cSld>
-</p:sld>
-</file>
-
-<file path=ppt/slides/slide30.xml><?xml version="1.0" encoding="utf-8"?>
-<p:sld xmlns:a="http://schemas.openxmlformats.org/drawingml/2006/main" xmlns:r="http://schemas.openxmlformats.org/officeDocument/2006/relationships" xmlns:p="http://schemas.openxmlformats.org/presentationml/2006/main">
-  <p:cSld>
-    <p:spTree>
-      <p:nvGrpSpPr>
-        <p:cNvPr id="1" name=""/>
-        <p:cNvGrpSpPr/>
-        <p:nvPr/>
-      </p:nvGrpSpPr>
-      <p:grpSpPr>
-        <a:xfrm>
-          <a:off x="0" y="0"/>
-          <a:ext cx="0" cy="0"/>
-          <a:chOff x="0" y="0"/>
-          <a:chExt cx="0" cy="0"/>
-        </a:xfrm>
-      </p:grpSpPr>
-      <p:sp>
-        <p:nvSpPr>
-          <p:cNvPr id="2" name="Title 1"/>
-          <p:cNvSpPr>
-            <a:spLocks noGrp="1"/>
-          </p:cNvSpPr>
-          <p:nvPr>
-            <p:ph type="title"/>
-          </p:nvPr>
-        </p:nvSpPr>
-        <p:spPr/>
-        <p:txBody>
-          <a:bodyPr/>
-          <a:lstStyle/>
-          <a:p>
-            <a:pPr lvl="0" indent="0" marL="0">
-              <a:buNone/>
-            </a:pPr>
-            <a:r>
-              <a:rPr/>
-              <a:t>References</a:t>
-            </a:r>
-          </a:p>
-        </p:txBody>
-      </p:sp>
-      <p:sp>
-        <p:nvSpPr>
-          <p:cNvPr id="3" name="Content Placeholder 2"/>
-          <p:cNvSpPr>
-            <a:spLocks noGrp="1"/>
-          </p:cNvSpPr>
-          <p:nvPr>
-            <p:ph idx="1"/>
-          </p:nvPr>
-        </p:nvSpPr>
-        <p:spPr/>
-        <p:txBody>
-          <a:bodyPr/>
-          <a:lstStyle/>
-          <a:p>
-            <a:pPr lvl="0" indent="-342900" marL="342900">
-              <a:buAutoNum type="arabicPeriod"/>
-            </a:pPr>
-            <a:r>
-              <a:rPr/>
-              <a:t>ABB Robotics. (2023). </a:t>
-            </a:r>
-            <a:r>
-              <a:rPr i="1"/>
-              <a:t>IRB 1600 Product Manual</a:t>
-            </a:r>
-            <a:r>
-              <a:rPr/>
-              <a:t>. ABB Inc.</a:t>
-            </a:r>
-          </a:p>
-          <a:p>
-            <a:pPr lvl="0" indent="-342900" marL="342900">
-              <a:buAutoNum type="arabicPeriod"/>
-            </a:pPr>
-            <a:r>
-              <a:rPr/>
-              <a:t>Shoemake, K. (1985). “Animating rotation with quaternion curves”. </a:t>
-            </a:r>
-            <a:r>
-              <a:rPr i="1"/>
-              <a:t>SIGGRAPH Computer Graphics</a:t>
-            </a:r>
-            <a:r>
-              <a:rPr/>
-              <a:t>, 19(3), 245-254.</a:t>
-            </a:r>
-          </a:p>
-          <a:p>
-            <a:pPr lvl="0" indent="-342900" marL="342900">
-              <a:buAutoNum type="arabicPeriod"/>
-            </a:pPr>
-            <a:r>
-              <a:rPr/>
-              <a:t>MathWorks. (2023). </a:t>
-            </a:r>
-            <a:r>
-              <a:rPr i="1"/>
-              <a:t>Robotics System Toolbox Documentation</a:t>
-            </a:r>
-            <a:r>
-              <a:rPr/>
-              <a:t>. Retrieved from https://www.mathworks.com/help/robotics/</a:t>
-            </a:r>
-          </a:p>
-          <a:p>
-            <a:pPr lvl="0" indent="-342900" marL="342900">
-              <a:buAutoNum type="arabicPeriod"/>
-            </a:pPr>
-            <a:r>
-              <a:rPr/>
-              <a:t>Craig, J. J. (2017). </a:t>
-            </a:r>
-            <a:r>
-              <a:rPr i="1"/>
-              <a:t>Introduction to Robotics: Mechanics and Control</a:t>
-            </a:r>
-            <a:r>
-              <a:rPr/>
-              <a:t> (4th ed.). Pearson.</a:t>
-            </a:r>
-          </a:p>
-          <a:p>
-            <a:pPr lvl="0" indent="-342900" marL="342900">
-              <a:buAutoNum type="arabicPeriod"/>
-            </a:pPr>
-            <a:r>
-              <a:rPr/>
-              <a:t>Siciliano, B., Sciavicco, L., Villani, L., &amp; Oriolo, G. (2010). </a:t>
-            </a:r>
-            <a:r>
-              <a:rPr i="1"/>
-              <a:t>Robotics: Modelling, Planning and Control</a:t>
-            </a:r>
-            <a:r>
-              <a:rPr/>
-              <a:t>. Springer.</a:t>
-            </a:r>
-          </a:p>
-          <a:p>
-            <a:pPr lvl="0" indent="-342900" marL="342900">
-              <a:buAutoNum type="arabicPeriod"/>
-            </a:pPr>
-            <a:r>
-              <a:rPr/>
-              <a:t>Corke, P. (2017). </a:t>
-            </a:r>
-            <a:r>
-              <a:rPr i="1"/>
-              <a:t>Robotics, Vision and Control: Fundamental Algorithms in MATLAB</a:t>
-            </a:r>
-            <a:r>
-              <a:rPr/>
-              <a:t> (2nd ed.). Springer.</a:t>
-            </a:r>
-          </a:p>
-          <a:p>
-            <a:pPr lvl="0" indent="-342900" marL="342900">
-              <a:buAutoNum type="arabicPeriod"/>
-            </a:pPr>
-            <a:r>
-              <a:rPr/>
-              <a:t>Lynch, K. M., &amp; Park, F. C. (2017). </a:t>
-            </a:r>
-            <a:r>
-              <a:rPr i="1"/>
-              <a:t>Modern Robotics: Mechanics, Planning, and Control</a:t>
-            </a:r>
-            <a:r>
-              <a:rPr/>
-              <a:t>. Cambridge University Press.</a:t>
+              <a:t>Document Information:</a:t>
+            </a:r>
+            <a:r>
+              <a:rPr/>
+              <a:t> - </a:t>
+            </a:r>
+            <a:r>
+              <a:rPr b="1"/>
+              <a:t>Version</a:t>
+            </a:r>
+            <a:r>
+              <a:rPr/>
+              <a:t>: 2.0 (Final - Complete) - </a:t>
+            </a:r>
+            <a:r>
+              <a:rPr b="1"/>
+              <a:t>Generated</a:t>
+            </a:r>
+            <a:r>
+              <a:rPr/>
+              <a:t>: January 15, 2026 - </a:t>
+            </a:r>
+            <a:r>
+              <a:rPr b="1"/>
+              <a:t>Format</a:t>
+            </a:r>
+            <a:r>
+              <a:rPr/>
+              <a:t>: Markdown with embedded PNG figures - </a:t>
+            </a:r>
+            <a:r>
+              <a:rPr b="1"/>
+              <a:t>Page Count</a:t>
+            </a:r>
+            <a:r>
+              <a:rPr/>
+              <a:t>: ~50 pages (when rendered to PDF) - </a:t>
+            </a:r>
+            <a:r>
+              <a:rPr b="1"/>
+              <a:t>Word Count</a:t>
+            </a:r>
+            <a:r>
+              <a:rPr/>
+              <a:t>: ~13,000 words - </a:t>
+            </a:r>
+            <a:r>
+              <a:rPr b="1"/>
+              <a:t>Figure Count</a:t>
+            </a:r>
+            <a:r>
+              <a:rPr/>
+              <a:t>: 10 high-resolution PNG images (complete set)</a:t>
             </a:r>
           </a:p>
         </p:txBody>
@@ -18066,105 +18062,6 @@
               <a:buNone/>
             </a:pPr>
             <a:r>
-              <a:rPr b="1"/>
-              <a:t>Document Information:</a:t>
-            </a:r>
-            <a:r>
-              <a:rPr/>
-              <a:t> - </a:t>
-            </a:r>
-            <a:r>
-              <a:rPr b="1"/>
-              <a:t>Version</a:t>
-            </a:r>
-            <a:r>
-              <a:rPr/>
-              <a:t>: 2.0 (Final - Complete) - </a:t>
-            </a:r>
-            <a:r>
-              <a:rPr b="1"/>
-              <a:t>Generated</a:t>
-            </a:r>
-            <a:r>
-              <a:rPr/>
-              <a:t>: January 15, 2026 - </a:t>
-            </a:r>
-            <a:r>
-              <a:rPr b="1"/>
-              <a:t>Format</a:t>
-            </a:r>
-            <a:r>
-              <a:rPr/>
-              <a:t>: Markdown with embedded PNG figures - </a:t>
-            </a:r>
-            <a:r>
-              <a:rPr b="1"/>
-              <a:t>Page Count</a:t>
-            </a:r>
-            <a:r>
-              <a:rPr/>
-              <a:t>: ~50 pages (when rendered to PDF) - </a:t>
-            </a:r>
-            <a:r>
-              <a:rPr b="1"/>
-              <a:t>Word Count</a:t>
-            </a:r>
-            <a:r>
-              <a:rPr/>
-              <a:t>: ~13,000 words - </a:t>
-            </a:r>
-            <a:r>
-              <a:rPr b="1"/>
-              <a:t>Figure Count</a:t>
-            </a:r>
-            <a:r>
-              <a:rPr/>
-              <a:t>: 10 high-resolution PNG images (complete set)</a:t>
-            </a:r>
-          </a:p>
-        </p:txBody>
-      </p:sp>
-    </p:spTree>
-  </p:cSld>
-</p:sld>
-</file>
-
-<file path=ppt/slides/slide32.xml><?xml version="1.0" encoding="utf-8"?>
-<p:sld xmlns:a="http://schemas.openxmlformats.org/drawingml/2006/main" xmlns:r="http://schemas.openxmlformats.org/officeDocument/2006/relationships" xmlns:p="http://schemas.openxmlformats.org/presentationml/2006/main">
-  <p:cSld>
-    <p:spTree>
-      <p:nvGrpSpPr>
-        <p:cNvPr id="1" name=""/>
-        <p:cNvGrpSpPr/>
-        <p:nvPr/>
-      </p:nvGrpSpPr>
-      <p:grpSpPr>
-        <a:xfrm>
-          <a:off x="0" y="0"/>
-          <a:ext cx="0" cy="0"/>
-          <a:chOff x="0" y="0"/>
-          <a:chExt cx="0" cy="0"/>
-        </a:xfrm>
-      </p:grpSpPr>
-      <p:sp>
-        <p:nvSpPr>
-          <p:cNvPr id="3" name="Content Placeholder 2"/>
-          <p:cNvSpPr>
-            <a:spLocks noGrp="1"/>
-          </p:cNvSpPr>
-          <p:nvPr>
-            <p:ph idx="1"/>
-          </p:nvPr>
-        </p:nvSpPr>
-        <p:spPr/>
-        <p:txBody>
-          <a:bodyPr/>
-          <a:lstStyle/>
-          <a:p>
-            <a:pPr lvl="0" indent="0" marL="0">
-              <a:buNone/>
-            </a:pPr>
-            <a:r>
               <a:rPr i="1"/>
               <a:t>End of Report</a:t>
             </a:r>
@@ -18213,7 +18110,7 @@
             </a:pPr>
             <a:r>
               <a:rPr/>
-              <a:t>Executive Summary</a:t>
+              <a:t>Table of Contents</a:t>
             </a:r>
           </a:p>
         </p:txBody>
@@ -18233,138 +18130,84 @@
           <a:bodyPr/>
           <a:lstStyle/>
           <a:p>
-            <a:pPr lvl="0" indent="0" marL="0">
-              <a:buNone/>
-            </a:pPr>
-            <a:r>
-              <a:rPr/>
-              <a:t>This comprehensive report documents the successful implementation of industrial robot motion planning by converting ABB’s RAPID programming language to MATLAB. The project achieved all primary objectives with professional-grade results and includes complete visual documentation of all implementations and validations.</a:t>
-            </a:r>
-          </a:p>
-          <a:p>
-            <a:pPr lvl="0" indent="0" marL="0">
-              <a:spcBef>
-                <a:spcPts val="3000"/>
-              </a:spcBef>
-              <a:buNone/>
-            </a:pPr>
-            <a:r>
-              <a:rPr b="1"/>
-              <a:t>Key Achievements</a:t>
-            </a:r>
-          </a:p>
-          <a:p>
-            <a:pPr lvl="0" indent="0" marL="0">
-              <a:buNone/>
-            </a:pPr>
-            <a:r>
-              <a:rPr/>
-              <a:t>✅ </a:t>
-            </a:r>
-            <a:r>
-              <a:rPr b="1"/>
-              <a:t>100% Implementation Success</a:t>
-            </a:r>
-            <a:r>
-              <a:rPr/>
-              <a:t> - </a:t>
-            </a:r>
-            <a:r>
-              <a:rPr>
-                <a:latin typeface="Courier"/>
-              </a:rPr>
-              <a:t>quat2rotMatrix()</a:t>
-            </a:r>
-            <a:r>
-              <a:rPr/>
-              <a:t> - Quaternion to rotation matrix conversion - </a:t>
-            </a:r>
-            <a:r>
-              <a:rPr>
-                <a:latin typeface="Courier"/>
-              </a:rPr>
-              <a:t>MoveL()</a:t>
-            </a:r>
-            <a:r>
-              <a:rPr/>
-              <a:t> - Linear Cartesian motion with SLERP interpolation - </a:t>
-            </a:r>
-            <a:r>
-              <a:rPr>
-                <a:latin typeface="Courier"/>
-              </a:rPr>
-              <a:t>MoveJ()</a:t>
-            </a:r>
-            <a:r>
-              <a:rPr/>
-              <a:t> - Optimized joint-space motion - Complete RAPID code alignment</a:t>
-            </a:r>
-          </a:p>
-          <a:p>
-            <a:pPr lvl="0" indent="0" marL="0">
-              <a:buNone/>
-            </a:pPr>
-            <a:r>
-              <a:rPr/>
-              <a:t>✅ </a:t>
-            </a:r>
-            <a:r>
-              <a:rPr b="1"/>
-              <a:t>Mathematical Precision</a:t>
-            </a:r>
-            <a:r>
-              <a:rPr/>
-              <a:t> - Rotation matrix determinant: 1.0 ± 10⁻¹⁶ - Orthogonality error: &lt; 10⁻¹⁵ - Path linearity deviation: 0 m (perfect)</a:t>
-            </a:r>
-          </a:p>
-          <a:p>
-            <a:pPr lvl="0" indent="0" marL="0">
-              <a:buNone/>
-            </a:pPr>
-            <a:r>
-              <a:rPr/>
-              <a:t>✅ </a:t>
-            </a:r>
-            <a:r>
-              <a:rPr b="1"/>
-              <a:t>Performance Optimization</a:t>
-            </a:r>
-            <a:r>
-              <a:rPr/>
-              <a:t> - </a:t>
-            </a:r>
-            <a:r>
-              <a:rPr b="1"/>
-              <a:t>15x faster</a:t>
-            </a:r>
-            <a:r>
-              <a:rPr/>
-              <a:t> repositioning with MoveJ - </a:t>
-            </a:r>
-            <a:r>
-              <a:rPr b="1"/>
-              <a:t>93% fewer</a:t>
-            </a:r>
-            <a:r>
-              <a:rPr/>
-              <a:t> inverse kinematics calls - 1500 ms (MoveL) reduced to 100 ms (MoveJ)</a:t>
-            </a:r>
-          </a:p>
-          <a:p>
-            <a:pPr lvl="0" indent="0" marL="0">
-              <a:buNone/>
-            </a:pPr>
-            <a:r>
-              <a:rPr/>
-              <a:t>✅ </a:t>
-            </a:r>
-            <a:r>
-              <a:rPr b="1"/>
-              <a:t>Complete Documentation</a:t>
-            </a:r>
-            <a:r>
-              <a:rPr/>
-              <a:t> - 10 professional figures generated (including all visualizations) - Comprehensive test suite (100% pass rate) - Academic-quality report and presentation</a:t>
+            <a:pPr lvl="0" indent="-342900" marL="342900">
+              <a:buAutoNum type="arabicPeriod"/>
+            </a:pPr>
+            <a:r>
+              <a:rPr/>
+              <a:t>Problem Analysis</a:t>
+            </a:r>
+          </a:p>
+          <a:p>
+            <a:pPr lvl="0" indent="-342900" marL="342900">
+              <a:buAutoNum type="arabicPeriod"/>
+            </a:pPr>
+            <a:r>
+              <a:rPr/>
+              <a:t>Implementation Journey</a:t>
+            </a:r>
+          </a:p>
+          <a:p>
+            <a:pPr lvl="0" indent="-342900" marL="342900">
+              <a:buAutoNum type="arabicPeriod"/>
+            </a:pPr>
+            <a:r>
+              <a:rPr/>
+              <a:t>Mathematical Foundations</a:t>
+            </a:r>
+          </a:p>
+          <a:p>
+            <a:pPr lvl="0" indent="-342900" marL="342900">
+              <a:buAutoNum type="arabicPeriod"/>
+            </a:pPr>
+            <a:r>
+              <a:rPr/>
+              <a:t>Robot Motion Planning</a:t>
+            </a:r>
+          </a:p>
+          <a:p>
+            <a:pPr lvl="0" indent="-342900" marL="342900">
+              <a:buAutoNum type="arabicPeriod"/>
+            </a:pPr>
+            <a:r>
+              <a:rPr/>
+              <a:t>Performance Analysis</a:t>
+            </a:r>
+          </a:p>
+          <a:p>
+            <a:pPr lvl="0" indent="-342900" marL="342900">
+              <a:buAutoNum type="arabicPeriod"/>
+            </a:pPr>
+            <a:r>
+              <a:rPr/>
+              <a:t>Testing and Validation</a:t>
+            </a:r>
+          </a:p>
+          <a:p>
+            <a:pPr lvl="0" indent="-342900" marL="342900">
+              <a:buAutoNum type="arabicPeriod"/>
+            </a:pPr>
+            <a:r>
+              <a:rPr/>
+              <a:t>Visual Documentation</a:t>
+            </a:r>
+          </a:p>
+          <a:p>
+            <a:pPr lvl="0" indent="-342900" marL="342900">
+              <a:buAutoNum type="arabicPeriod"/>
+            </a:pPr>
+            <a:r>
+              <a:rPr/>
+              <a:t>Conclusions and Impact</a:t>
+            </a:r>
+          </a:p>
+          <a:p>
+            <a:pPr lvl="0" indent="-342900" marL="342900">
+              <a:buAutoNum type="arabicPeriod"/>
+            </a:pPr>
+            <a:r>
+              <a:rPr/>
+              <a:t>Technical Appendices</a:t>
             </a:r>
           </a:p>
         </p:txBody>
@@ -18375,150 +18218,6 @@
 </file>
 
 <file path=ppt/slides/slide5.xml><?xml version="1.0" encoding="utf-8"?>
-<p:sld xmlns:a="http://schemas.openxmlformats.org/drawingml/2006/main" xmlns:r="http://schemas.openxmlformats.org/officeDocument/2006/relationships" xmlns:p="http://schemas.openxmlformats.org/presentationml/2006/main">
-  <p:cSld>
-    <p:spTree>
-      <p:nvGrpSpPr>
-        <p:cNvPr id="1" name=""/>
-        <p:cNvGrpSpPr/>
-        <p:nvPr/>
-      </p:nvGrpSpPr>
-      <p:grpSpPr>
-        <a:xfrm>
-          <a:off x="0" y="0"/>
-          <a:ext cx="0" cy="0"/>
-          <a:chOff x="0" y="0"/>
-          <a:chExt cx="0" cy="0"/>
-        </a:xfrm>
-      </p:grpSpPr>
-      <p:sp>
-        <p:nvSpPr>
-          <p:cNvPr id="2" name="Title 1"/>
-          <p:cNvSpPr>
-            <a:spLocks noGrp="1"/>
-          </p:cNvSpPr>
-          <p:nvPr>
-            <p:ph type="title"/>
-          </p:nvPr>
-        </p:nvSpPr>
-        <p:spPr/>
-        <p:txBody>
-          <a:bodyPr/>
-          <a:lstStyle/>
-          <a:p>
-            <a:pPr lvl="0" indent="0" marL="0">
-              <a:buNone/>
-            </a:pPr>
-            <a:r>
-              <a:rPr/>
-              <a:t>Table of Contents</a:t>
-            </a:r>
-          </a:p>
-        </p:txBody>
-      </p:sp>
-      <p:sp>
-        <p:nvSpPr>
-          <p:cNvPr id="3" name="Content Placeholder 2"/>
-          <p:cNvSpPr>
-            <a:spLocks noGrp="1"/>
-          </p:cNvSpPr>
-          <p:nvPr>
-            <p:ph idx="1"/>
-          </p:nvPr>
-        </p:nvSpPr>
-        <p:spPr/>
-        <p:txBody>
-          <a:bodyPr/>
-          <a:lstStyle/>
-          <a:p>
-            <a:pPr lvl="0" indent="-342900" marL="342900">
-              <a:buAutoNum type="arabicPeriod"/>
-            </a:pPr>
-            <a:r>
-              <a:rPr/>
-              <a:t>Problem Analysis</a:t>
-            </a:r>
-          </a:p>
-          <a:p>
-            <a:pPr lvl="0" indent="-342900" marL="342900">
-              <a:buAutoNum type="arabicPeriod"/>
-            </a:pPr>
-            <a:r>
-              <a:rPr/>
-              <a:t>Implementation Journey</a:t>
-            </a:r>
-          </a:p>
-          <a:p>
-            <a:pPr lvl="0" indent="-342900" marL="342900">
-              <a:buAutoNum type="arabicPeriod"/>
-            </a:pPr>
-            <a:r>
-              <a:rPr/>
-              <a:t>Mathematical Foundations</a:t>
-            </a:r>
-          </a:p>
-          <a:p>
-            <a:pPr lvl="0" indent="-342900" marL="342900">
-              <a:buAutoNum type="arabicPeriod"/>
-            </a:pPr>
-            <a:r>
-              <a:rPr/>
-              <a:t>Robot Motion Planning</a:t>
-            </a:r>
-          </a:p>
-          <a:p>
-            <a:pPr lvl="0" indent="-342900" marL="342900">
-              <a:buAutoNum type="arabicPeriod"/>
-            </a:pPr>
-            <a:r>
-              <a:rPr/>
-              <a:t>Performance Analysis</a:t>
-            </a:r>
-          </a:p>
-          <a:p>
-            <a:pPr lvl="0" indent="-342900" marL="342900">
-              <a:buAutoNum type="arabicPeriod"/>
-            </a:pPr>
-            <a:r>
-              <a:rPr/>
-              <a:t>Testing and Validation</a:t>
-            </a:r>
-          </a:p>
-          <a:p>
-            <a:pPr lvl="0" indent="-342900" marL="342900">
-              <a:buAutoNum type="arabicPeriod"/>
-            </a:pPr>
-            <a:r>
-              <a:rPr/>
-              <a:t>Visual Documentation</a:t>
-            </a:r>
-          </a:p>
-          <a:p>
-            <a:pPr lvl="0" indent="-342900" marL="342900">
-              <a:buAutoNum type="arabicPeriod"/>
-            </a:pPr>
-            <a:r>
-              <a:rPr/>
-              <a:t>Conclusions and Impact</a:t>
-            </a:r>
-          </a:p>
-          <a:p>
-            <a:pPr lvl="0" indent="-342900" marL="342900">
-              <a:buAutoNum type="arabicPeriod"/>
-            </a:pPr>
-            <a:r>
-              <a:rPr/>
-              <a:t>Technical Appendices</a:t>
-            </a:r>
-          </a:p>
-        </p:txBody>
-      </p:sp>
-    </p:spTree>
-  </p:cSld>
-</p:sld>
-</file>
-
-<file path=ppt/slides/slide6.xml><?xml version="1.0" encoding="utf-8"?>
 <p:sld xmlns:a="http://schemas.openxmlformats.org/drawingml/2006/main" xmlns:r="http://schemas.openxmlformats.org/officeDocument/2006/relationships" xmlns:p="http://schemas.openxmlformats.org/presentationml/2006/main">
   <p:cSld>
     <p:spTree>
@@ -18669,7 +18368,7 @@
 </p:sld>
 </file>
 
-<file path=ppt/slides/slide7.xml><?xml version="1.0" encoding="utf-8"?>
+<file path=ppt/slides/slide6.xml><?xml version="1.0" encoding="utf-8"?>
 <p:sld xmlns:a="http://schemas.openxmlformats.org/drawingml/2006/main" xmlns:r="http://schemas.openxmlformats.org/officeDocument/2006/relationships" xmlns:p="http://schemas.openxmlformats.org/presentationml/2006/main">
   <p:cSld>
     <p:spTree>
@@ -19028,7 +18727,7 @@
 </p:sld>
 </file>
 
-<file path=ppt/slides/slide8.xml><?xml version="1.0" encoding="utf-8"?>
+<file path=ppt/slides/slide7.xml><?xml version="1.0" encoding="utf-8"?>
 <p:sld xmlns:a="http://schemas.openxmlformats.org/drawingml/2006/main" xmlns:r="http://schemas.openxmlformats.org/officeDocument/2006/relationships" xmlns:p="http://schemas.openxmlformats.org/presentationml/2006/main">
   <p:cSld>
     <p:spTree>
@@ -20939,7 +20638,7 @@
 </p:sld>
 </file>
 
-<file path=ppt/slides/slide9.xml><?xml version="1.0" encoding="utf-8"?>
+<file path=ppt/slides/slide8.xml><?xml version="1.0" encoding="utf-8"?>
 <p:sld xmlns:a="http://schemas.openxmlformats.org/drawingml/2006/main" xmlns:r="http://schemas.openxmlformats.org/officeDocument/2006/relationships" xmlns:p="http://schemas.openxmlformats.org/presentationml/2006/main">
   <p:cSld>
     <p:spTree>
@@ -21085,6 +20784,287 @@
             <a:r>
               <a:rPr/>
               <a:t>Figure 3: Comprehensive Test Results</a:t>
+            </a:r>
+          </a:p>
+        </p:txBody>
+      </p:sp>
+    </p:spTree>
+  </p:cSld>
+</p:sld>
+</file>
+
+<file path=ppt/slides/slide9.xml><?xml version="1.0" encoding="utf-8"?>
+<p:sld xmlns:a="http://schemas.openxmlformats.org/drawingml/2006/main" xmlns:r="http://schemas.openxmlformats.org/officeDocument/2006/relationships" xmlns:p="http://schemas.openxmlformats.org/presentationml/2006/main">
+  <p:cSld>
+    <p:spTree>
+      <p:nvGrpSpPr>
+        <p:cNvPr id="1" name=""/>
+        <p:cNvGrpSpPr/>
+        <p:nvPr/>
+      </p:nvGrpSpPr>
+      <p:grpSpPr>
+        <a:xfrm>
+          <a:off x="0" y="0"/>
+          <a:ext cx="0" cy="0"/>
+          <a:chOff x="0" y="0"/>
+          <a:chExt cx="0" cy="0"/>
+        </a:xfrm>
+      </p:grpSpPr>
+      <p:sp>
+        <p:nvSpPr>
+          <p:cNvPr id="4" name="Text Placeholder 3"/>
+          <p:cNvSpPr>
+            <a:spLocks noGrp="1"/>
+          </p:cNvSpPr>
+          <p:nvPr>
+            <p:ph idx="2" sz="half" type="body"/>
+          </p:nvPr>
+        </p:nvSpPr>
+        <p:spPr/>
+        <p:txBody>
+          <a:bodyPr/>
+          <a:lstStyle/>
+          <a:p>
+            <a:pPr lvl="0" indent="0" marL="0">
+              <a:buNone/>
+            </a:pPr>
+            <a:r>
+              <a:rPr/>
+              <a:t> </a:t>
+            </a:r>
+            <a:r>
+              <a:rPr b="1"/>
+              <a:t>Figure 3</a:t>
+            </a:r>
+            <a:r>
+              <a:rPr/>
+              <a:t>: </a:t>
+            </a:r>
+            <a:r>
+              <a:rPr i="1"/>
+              <a:t>Complete test suite showing 100% pass rate. All mathematical properties verified: identity quaternion, 90° rotations, robot-specific quaternions, and unnormalized inputs all handled correctly.</a:t>
+            </a:r>
+          </a:p>
+          <a:p>
+            <a:pPr lvl="0" indent="0" marL="0">
+              <a:buNone/>
+            </a:pPr>
+            <a:r>
+              <a:rPr b="1"/>
+              <a:t>Test Coverage:</a:t>
+            </a:r>
+            <a:r>
+              <a:rPr/>
+              <a:t> - ✅ Identity quaternion: [1,0,0,0] → I₃ - ✅ 90° Z-rotation: Verified against known result - ✅ Robot quaternions: From actual RAPID targets - ✅ Unnormalized inputs: Automatic normalization - ✅ Determinant validation: det(R) = 1.0 ± 10⁻¹⁶ - ✅ Orthogonality: R’R = I within machine precision</a:t>
+            </a:r>
+          </a:p>
+          <a:p>
+            <a:pPr lvl="0" indent="0" marL="0">
+              <a:spcBef>
+                <a:spcPts val="3000"/>
+              </a:spcBef>
+              <a:buNone/>
+            </a:pPr>
+            <a:r>
+              <a:rPr b="1"/>
+              <a:t>2.2 Phase 2: SLERP Interpolation</a:t>
+            </a:r>
+          </a:p>
+          <a:p>
+            <a:pPr lvl="0" indent="0" marL="0">
+              <a:spcBef>
+                <a:spcPts val="3000"/>
+              </a:spcBef>
+              <a:buNone/>
+            </a:pPr>
+            <a:r>
+              <a:rPr b="1"/>
+              <a:t>2.2.1 Why SLERP Matters</a:t>
+            </a:r>
+          </a:p>
+          <a:p>
+            <a:pPr lvl="0" indent="0" marL="0">
+              <a:buNone/>
+            </a:pPr>
+            <a:r>
+              <a:rPr/>
+              <a:t>Linear interpolation of quaternions causes: - </a:t>
+            </a:r>
+            <a:r>
+              <a:rPr b="1"/>
+              <a:t>Non-constant angular velocity</a:t>
+            </a:r>
+            <a:r>
+              <a:rPr/>
+              <a:t> (jerky motion) - </a:t>
+            </a:r>
+            <a:r>
+              <a:rPr b="1"/>
+              <a:t>Unnatural paths</a:t>
+            </a:r>
+            <a:r>
+              <a:rPr/>
+              <a:t> (deviation from geodesic) - </a:t>
+            </a:r>
+            <a:r>
+              <a:rPr b="1"/>
+              <a:t>Quaternion denormalization</a:t>
+            </a:r>
+            <a:r>
+              <a:rPr/>
+              <a:t> (invalid rotations)</a:t>
+            </a:r>
+          </a:p>
+          <a:p>
+            <a:pPr lvl="0" indent="0" marL="0">
+              <a:buNone/>
+            </a:pPr>
+            <a:r>
+              <a:rPr/>
+              <a:t>Spherical Linear Interpolation (SLERP) provides: - </a:t>
+            </a:r>
+            <a:r>
+              <a:rPr b="1"/>
+              <a:t>Constant angular velocity</a:t>
+            </a:r>
+            <a:r>
+              <a:rPr/>
+              <a:t> (smooth motion) - </a:t>
+            </a:r>
+            <a:r>
+              <a:rPr b="1"/>
+              <a:t>Shortest path</a:t>
+            </a:r>
+            <a:r>
+              <a:rPr/>
+              <a:t> on the quaternion sphere - </a:t>
+            </a:r>
+            <a:r>
+              <a:rPr b="1"/>
+              <a:t>Preserved normalization</a:t>
+            </a:r>
+            <a:r>
+              <a:rPr/>
+              <a:t> (always unit quaternion)</a:t>
+            </a:r>
+          </a:p>
+          <a:p>
+            <a:pPr lvl="0" indent="0" marL="0">
+              <a:spcBef>
+                <a:spcPts val="3000"/>
+              </a:spcBef>
+              <a:buNone/>
+            </a:pPr>
+            <a:r>
+              <a:rPr b="1"/>
+              <a:t>2.2.2 SLERP Mathematics</a:t>
+            </a:r>
+          </a:p>
+          <a:p>
+            <a:pPr lvl="0" indent="0" marL="0">
+              <a:buNone/>
+            </a:pPr>
+            <a:r>
+              <a:rPr/>
+              <a:t>Given two unit quaternions </a:t>
+            </a:r>
+            <a:r>
+              <a:rPr b="1"/>
+              <a:t>q₁</a:t>
+            </a:r>
+            <a:r>
+              <a:rPr/>
+              <a:t> and </a:t>
+            </a:r>
+            <a:r>
+              <a:rPr b="1"/>
+              <a:t>q₂</a:t>
+            </a:r>
+            <a:r>
+              <a:rPr/>
+              <a:t>, SLERP interpolates as:</a:t>
+            </a:r>
+          </a:p>
+          <a:p>
+            <a:pPr lvl="0" indent="0">
+              <a:buNone/>
+            </a:pPr>
+            <a:r>
+              <a:rPr>
+                <a:latin typeface="Courier"/>
+              </a:rPr>
+              <a:t>SLERP(q₁, q₂, t) = [sin((1-t)θ)/sin(θ)] × q₁ + [sin(tθ)/sin(θ)] × q₂</a:t>
+            </a:r>
+          </a:p>
+          <a:p>
+            <a:pPr lvl="0" indent="0" marL="0">
+              <a:buNone/>
+            </a:pPr>
+            <a:r>
+              <a:rPr/>
+              <a:t>where θ = arccos(q₁ · q₂) is the angle between quaternions.</a:t>
+            </a:r>
+          </a:p>
+        </p:txBody>
+      </p:sp>
+      <p:pic>
+        <p:nvPicPr>
+          <p:cNvPr descr="figures/fig5_slerp_comparison.png" id="0" name="Picture 1"/>
+          <p:cNvPicPr>
+            <a:picLocks noGrp="1" noChangeAspect="1"/>
+          </p:cNvPicPr>
+          <p:nvPr/>
+        </p:nvPicPr>
+        <p:blipFill>
+          <a:blip r:embed="rId2"/>
+          <a:stretch>
+            <a:fillRect/>
+          </a:stretch>
+        </p:blipFill>
+        <p:spPr bwMode="auto">
+          <a:xfrm>
+            <a:off x="3632200" y="203200"/>
+            <a:ext cx="4978400" cy="3873500"/>
+          </a:xfrm>
+          <a:prstGeom prst="rect">
+            <a:avLst/>
+          </a:prstGeom>
+          <a:noFill/>
+          <a:ln w="9525">
+            <a:noFill/>
+            <a:headEnd/>
+            <a:tailEnd/>
+          </a:ln>
+        </p:spPr>
+      </p:pic>
+      <p:sp>
+        <p:nvSpPr>
+          <p:cNvPr id="1" name="TextBox 3"/>
+          <p:cNvSpPr txBox="1"/>
+          <p:nvPr>
+            <p:ph idx="1"/>
+          </p:nvPr>
+        </p:nvSpPr>
+        <p:spPr>
+          <a:xfrm>
+            <a:off x="3568700" y="4076700"/>
+            <a:ext cx="5105400" cy="508000"/>
+          </a:xfrm>
+          <a:prstGeom prst="rect">
+            <a:avLst/>
+          </a:prstGeom>
+          <a:noFill/>
+        </p:spPr>
+        <p:txBody>
+          <a:bodyPr/>
+          <a:lstStyle/>
+          <a:p>
+            <a:pPr lvl="0" indent="0" marL="0" algn="ctr">
+              <a:buNone/>
+            </a:pPr>
+            <a:r>
+              <a:rPr/>
+              <a:t>Figure 5: SLERP vs Linear Interpolation Comparison</a:t>
             </a:r>
           </a:p>
         </p:txBody>

--- a/FINAL_PRESENTATION.pptx
+++ b/FINAL_PRESENTATION.pptx
@@ -35,7 +35,6 @@
     <p:sldId id="283" r:id="rId29"/>
     <p:sldId id="284" r:id="rId30"/>
     <p:sldId id="285" r:id="rId31"/>
-    <p:sldId id="286" r:id="rId32"/>
   </p:sldIdLst>
   <p:sldSz cx="9144000" cy="5143500" type="screen16x9"/>
   <p:notesSz cx="6858000" cy="9144000"/>
@@ -11757,14 +11756,18 @@
               <a:rPr/>
               <a:t>: RMB600 Mini Project - ABB IRB1600 Robot Simulation</a:t>
             </a:r>
-            <a:br/>
+          </a:p>
+          <a:p>
+            <a:pPr lvl="0" indent="0" marL="0">
+              <a:buNone/>
+            </a:pPr>
             <a:r>
               <a:rPr b="1"/>
-              <a:t>Repository</a:t>
-            </a:r>
-            <a:r>
-              <a:rPr/>
-              <a:t>: github.com/abhi-mdu/RMB600_mini_project</a:t>
+              <a:t>MATLAB Online Access</a:t>
+            </a:r>
+            <a:r>
+              <a:rPr/>
+              <a:t>: https://drive.mathworks.com/sharing/6aab9a91-d00f-461e-b031-61f1169b1f2d</a:t>
             </a:r>
           </a:p>
         </p:txBody>
@@ -17363,67 +17366,6 @@
               <a:t>.</a:t>
             </a:r>
           </a:p>
-          <a:p>
-            <a:pPr lvl="0" indent="0" marL="0">
-              <a:spcBef>
-                <a:spcPts val="3000"/>
-              </a:spcBef>
-              <a:buNone/>
-            </a:pPr>
-            <a:r>
-              <a:rPr b="1"/>
-              <a:t>9.5 Contact and Support</a:t>
-            </a:r>
-          </a:p>
-          <a:p>
-            <a:pPr lvl="0" indent="0" marL="0">
-              <a:buNone/>
-            </a:pPr>
-            <a:r>
-              <a:rPr b="1"/>
-              <a:t>Project Repository</a:t>
-            </a:r>
-            <a:r>
-              <a:rPr/>
-              <a:t>: github.com/abhi-mdu/RMB600_mini_project</a:t>
-            </a:r>
-            <a:br/>
-            <a:r>
-              <a:rPr b="1"/>
-              <a:t>Course</a:t>
-            </a:r>
-            <a:r>
-              <a:rPr/>
-              <a:t>: RMB600 - Advanced Robotics</a:t>
-            </a:r>
-            <a:br/>
-            <a:r>
-              <a:rPr b="1"/>
-              <a:t>Institution</a:t>
-            </a:r>
-            <a:r>
-              <a:rPr/>
-              <a:t>: Masters Program in Robotics</a:t>
-            </a:r>
-            <a:br/>
-            <a:r>
-              <a:rPr b="1"/>
-              <a:t>Date</a:t>
-            </a:r>
-            <a:r>
-              <a:rPr/>
-              <a:t>: January 2026</a:t>
-            </a:r>
-          </a:p>
-          <a:p>
-            <a:pPr lvl="0" indent="0" marL="0">
-              <a:buNone/>
-            </a:pPr>
-            <a:r>
-              <a:rPr/>
-              <a:t>For questions or issues, please open a GitHub issue or contact through the course portal.</a:t>
-            </a:r>
-          </a:p>
         </p:txBody>
       </p:sp>
     </p:spTree>
@@ -17928,105 +17870,6 @@
 </file>
 
 <file path=ppt/slides/slide30.xml><?xml version="1.0" encoding="utf-8"?>
-<p:sld xmlns:a="http://schemas.openxmlformats.org/drawingml/2006/main" xmlns:r="http://schemas.openxmlformats.org/officeDocument/2006/relationships" xmlns:p="http://schemas.openxmlformats.org/presentationml/2006/main">
-  <p:cSld>
-    <p:spTree>
-      <p:nvGrpSpPr>
-        <p:cNvPr id="1" name=""/>
-        <p:cNvGrpSpPr/>
-        <p:nvPr/>
-      </p:nvGrpSpPr>
-      <p:grpSpPr>
-        <a:xfrm>
-          <a:off x="0" y="0"/>
-          <a:ext cx="0" cy="0"/>
-          <a:chOff x="0" y="0"/>
-          <a:chExt cx="0" cy="0"/>
-        </a:xfrm>
-      </p:grpSpPr>
-      <p:sp>
-        <p:nvSpPr>
-          <p:cNvPr id="3" name="Content Placeholder 2"/>
-          <p:cNvSpPr>
-            <a:spLocks noGrp="1"/>
-          </p:cNvSpPr>
-          <p:nvPr>
-            <p:ph idx="1"/>
-          </p:nvPr>
-        </p:nvSpPr>
-        <p:spPr/>
-        <p:txBody>
-          <a:bodyPr/>
-          <a:lstStyle/>
-          <a:p>
-            <a:pPr lvl="0" indent="0" marL="0">
-              <a:buNone/>
-            </a:pPr>
-            <a:r>
-              <a:rPr b="1"/>
-              <a:t>Document Information:</a:t>
-            </a:r>
-            <a:r>
-              <a:rPr/>
-              <a:t> - </a:t>
-            </a:r>
-            <a:r>
-              <a:rPr b="1"/>
-              <a:t>Version</a:t>
-            </a:r>
-            <a:r>
-              <a:rPr/>
-              <a:t>: 2.0 (Final - Complete) - </a:t>
-            </a:r>
-            <a:r>
-              <a:rPr b="1"/>
-              <a:t>Generated</a:t>
-            </a:r>
-            <a:r>
-              <a:rPr/>
-              <a:t>: January 15, 2026 - </a:t>
-            </a:r>
-            <a:r>
-              <a:rPr b="1"/>
-              <a:t>Format</a:t>
-            </a:r>
-            <a:r>
-              <a:rPr/>
-              <a:t>: Markdown with embedded PNG figures - </a:t>
-            </a:r>
-            <a:r>
-              <a:rPr b="1"/>
-              <a:t>Page Count</a:t>
-            </a:r>
-            <a:r>
-              <a:rPr/>
-              <a:t>: ~50 pages (when rendered to PDF) - </a:t>
-            </a:r>
-            <a:r>
-              <a:rPr b="1"/>
-              <a:t>Word Count</a:t>
-            </a:r>
-            <a:r>
-              <a:rPr/>
-              <a:t>: ~13,000 words - </a:t>
-            </a:r>
-            <a:r>
-              <a:rPr b="1"/>
-              <a:t>Figure Count</a:t>
-            </a:r>
-            <a:r>
-              <a:rPr/>
-              <a:t>: 10 high-resolution PNG images (complete set)</a:t>
-            </a:r>
-          </a:p>
-        </p:txBody>
-      </p:sp>
-    </p:spTree>
-  </p:cSld>
-</p:sld>
-</file>
-
-<file path=ppt/slides/slide31.xml><?xml version="1.0" encoding="utf-8"?>
 <p:sld xmlns:a="http://schemas.openxmlformats.org/drawingml/2006/main" xmlns:r="http://schemas.openxmlformats.org/officeDocument/2006/relationships" xmlns:p="http://schemas.openxmlformats.org/presentationml/2006/main">
   <p:cSld>
     <p:spTree>
